--- a/presentation.pptx
+++ b/presentation.pptx
@@ -5,7 +5,7 @@
     <p:sldMasterId id="2147483661" r:id="rId1"/>
   </p:sldMasterIdLst>
   <p:notesMasterIdLst>
-    <p:notesMasterId r:id="rId16"/>
+    <p:notesMasterId r:id="rId24"/>
   </p:notesMasterIdLst>
   <p:sldIdLst>
     <p:sldId id="2464" r:id="rId2"/>
@@ -22,6 +22,14 @@
     <p:sldId id="2525" r:id="rId13"/>
     <p:sldId id="2528" r:id="rId14"/>
     <p:sldId id="2529" r:id="rId15"/>
+    <p:sldId id="2537" r:id="rId16"/>
+    <p:sldId id="2530" r:id="rId17"/>
+    <p:sldId id="2534" r:id="rId18"/>
+    <p:sldId id="2535" r:id="rId19"/>
+    <p:sldId id="2536" r:id="rId20"/>
+    <p:sldId id="2531" r:id="rId21"/>
+    <p:sldId id="2532" r:id="rId22"/>
+    <p:sldId id="2533" r:id="rId23"/>
   </p:sldIdLst>
   <p:sldSz cx="12192000" cy="6858000"/>
   <p:notesSz cx="6858000" cy="9144000"/>
@@ -120,6 +128,11 @@
       </a:defRPr>
     </a:lvl9pPr>
   </p:defaultTextStyle>
+  <p:extLst>
+    <p:ext uri="{EFAFB233-063F-42B5-8137-9DF3F51BA10A}">
+      <p15:sldGuideLst xmlns:p15="http://schemas.microsoft.com/office/powerpoint/2012/main"/>
+    </p:ext>
+  </p:extLst>
 </p:presentation>
 </file>
 
@@ -217,7 +230,7 @@
           <a:p>
             <a:fld id="{4DDD8688-9E22-45CE-9B08-5AFFDAB14BB8}" type="datetimeFigureOut">
               <a:rPr lang="en-US" smtClean="0"/>
-              <a:t>2/1/2020</a:t>
+              <a:t>2/2/2020</a:t>
             </a:fld>
             <a:endParaRPr lang="en-US"/>
           </a:p>
@@ -965,7 +978,7 @@
           <a:p>
             <a:fld id="{C764DE79-268F-4C1A-8933-263129D2AF90}" type="datetimeFigureOut">
               <a:rPr lang="en-US" smtClean="0"/>
-              <a:t>2/1/2020</a:t>
+              <a:t>2/2/2020</a:t>
             </a:fld>
             <a:endParaRPr lang="en-US" dirty="0"/>
           </a:p>
@@ -1136,7 +1149,7 @@
           <a:p>
             <a:fld id="{C764DE79-268F-4C1A-8933-263129D2AF90}" type="datetimeFigureOut">
               <a:rPr lang="en-US" smtClean="0"/>
-              <a:t>2/1/2020</a:t>
+              <a:t>2/2/2020</a:t>
             </a:fld>
             <a:endParaRPr lang="en-US" dirty="0"/>
           </a:p>
@@ -1317,7 +1330,7 @@
           <a:p>
             <a:fld id="{C764DE79-268F-4C1A-8933-263129D2AF90}" type="datetimeFigureOut">
               <a:rPr lang="en-US" smtClean="0"/>
-              <a:t>2/1/2020</a:t>
+              <a:t>2/2/2020</a:t>
             </a:fld>
             <a:endParaRPr lang="en-US" dirty="0"/>
           </a:p>
@@ -2136,7 +2149,7 @@
           <a:p>
             <a:fld id="{C764DE79-268F-4C1A-8933-263129D2AF90}" type="datetimeFigureOut">
               <a:rPr lang="en-US" smtClean="0"/>
-              <a:t>2/1/2020</a:t>
+              <a:t>2/2/2020</a:t>
             </a:fld>
             <a:endParaRPr lang="en-US" dirty="0"/>
           </a:p>
@@ -2383,7 +2396,7 @@
           <a:p>
             <a:fld id="{C764DE79-268F-4C1A-8933-263129D2AF90}" type="datetimeFigureOut">
               <a:rPr lang="en-US" smtClean="0"/>
-              <a:t>2/1/2020</a:t>
+              <a:t>2/2/2020</a:t>
             </a:fld>
             <a:endParaRPr lang="en-US" dirty="0"/>
           </a:p>
@@ -2616,7 +2629,7 @@
           <a:p>
             <a:fld id="{C764DE79-268F-4C1A-8933-263129D2AF90}" type="datetimeFigureOut">
               <a:rPr lang="en-US" smtClean="0"/>
-              <a:t>2/1/2020</a:t>
+              <a:t>2/2/2020</a:t>
             </a:fld>
             <a:endParaRPr lang="en-US" dirty="0"/>
           </a:p>
@@ -2984,7 +2997,7 @@
           <a:p>
             <a:fld id="{C764DE79-268F-4C1A-8933-263129D2AF90}" type="datetimeFigureOut">
               <a:rPr lang="en-US" smtClean="0"/>
-              <a:t>2/1/2020</a:t>
+              <a:t>2/2/2020</a:t>
             </a:fld>
             <a:endParaRPr lang="en-US" dirty="0"/>
           </a:p>
@@ -3103,7 +3116,7 @@
           <a:p>
             <a:fld id="{C764DE79-268F-4C1A-8933-263129D2AF90}" type="datetimeFigureOut">
               <a:rPr lang="en-US" smtClean="0"/>
-              <a:t>2/1/2020</a:t>
+              <a:t>2/2/2020</a:t>
             </a:fld>
             <a:endParaRPr lang="en-US" dirty="0"/>
           </a:p>
@@ -3199,7 +3212,7 @@
           <a:p>
             <a:fld id="{C764DE79-268F-4C1A-8933-263129D2AF90}" type="datetimeFigureOut">
               <a:rPr lang="en-US" smtClean="0"/>
-              <a:t>2/1/2020</a:t>
+              <a:t>2/2/2020</a:t>
             </a:fld>
             <a:endParaRPr lang="en-US" dirty="0"/>
           </a:p>
@@ -3477,7 +3490,7 @@
           <a:p>
             <a:fld id="{C764DE79-268F-4C1A-8933-263129D2AF90}" type="datetimeFigureOut">
               <a:rPr lang="en-US" smtClean="0"/>
-              <a:t>2/1/2020</a:t>
+              <a:t>2/2/2020</a:t>
             </a:fld>
             <a:endParaRPr lang="en-US" dirty="0"/>
           </a:p>
@@ -3735,7 +3748,7 @@
           <a:p>
             <a:fld id="{C764DE79-268F-4C1A-8933-263129D2AF90}" type="datetimeFigureOut">
               <a:rPr lang="en-US" smtClean="0"/>
-              <a:t>2/1/2020</a:t>
+              <a:t>2/2/2020</a:t>
             </a:fld>
             <a:endParaRPr lang="en-US" dirty="0"/>
           </a:p>
@@ -3949,7 +3962,7 @@
           <a:p>
             <a:fld id="{C764DE79-268F-4C1A-8933-263129D2AF90}" type="datetimeFigureOut">
               <a:rPr lang="en-US" smtClean="0"/>
-              <a:t>2/1/2020</a:t>
+              <a:t>2/2/2020</a:t>
             </a:fld>
             <a:endParaRPr lang="en-US" dirty="0"/>
           </a:p>
@@ -27872,6 +27885,4293 @@
 </p:sld>
 </file>
 
+<file path=ppt/slides/slide15.xml><?xml version="1.0" encoding="utf-8"?>
+<p:sld xmlns:a="http://schemas.openxmlformats.org/drawingml/2006/main" xmlns:r="http://schemas.openxmlformats.org/officeDocument/2006/relationships" xmlns:p="http://schemas.openxmlformats.org/presentationml/2006/main">
+  <p:cSld>
+    <p:spTree>
+      <p:nvGrpSpPr>
+        <p:cNvPr id="1" name=""/>
+        <p:cNvGrpSpPr/>
+        <p:nvPr/>
+      </p:nvGrpSpPr>
+      <p:grpSpPr>
+        <a:xfrm>
+          <a:off x="0" y="0"/>
+          <a:ext cx="0" cy="0"/>
+          <a:chOff x="0" y="0"/>
+          <a:chExt cx="0" cy="0"/>
+        </a:xfrm>
+      </p:grpSpPr>
+      <p:cxnSp>
+        <p:nvCxnSpPr>
+          <p:cNvPr id="3" name="Straight Connector 2">
+            <a:extLst>
+              <a:ext uri="{FF2B5EF4-FFF2-40B4-BE49-F238E27FC236}">
+                <a16:creationId xmlns:a16="http://schemas.microsoft.com/office/drawing/2014/main" id="{63544D0C-9AF7-480B-B59A-0649F7532B5D}"/>
+              </a:ext>
+            </a:extLst>
+          </p:cNvPr>
+          <p:cNvCxnSpPr/>
+          <p:nvPr/>
+        </p:nvCxnSpPr>
+        <p:spPr>
+          <a:xfrm>
+            <a:off x="5805926" y="1409690"/>
+            <a:ext cx="596462" cy="0"/>
+          </a:xfrm>
+          <a:prstGeom prst="line">
+            <a:avLst/>
+          </a:prstGeom>
+          <a:ln w="57150">
+            <a:solidFill>
+              <a:schemeClr val="accent1"/>
+            </a:solidFill>
+          </a:ln>
+        </p:spPr>
+        <p:style>
+          <a:lnRef idx="1">
+            <a:schemeClr val="accent1"/>
+          </a:lnRef>
+          <a:fillRef idx="0">
+            <a:schemeClr val="accent1"/>
+          </a:fillRef>
+          <a:effectRef idx="0">
+            <a:schemeClr val="accent1"/>
+          </a:effectRef>
+          <a:fontRef idx="minor">
+            <a:schemeClr val="tx1"/>
+          </a:fontRef>
+        </p:style>
+      </p:cxnSp>
+      <p:sp>
+        <p:nvSpPr>
+          <p:cNvPr id="4" name="TextBox 3">
+            <a:extLst>
+              <a:ext uri="{FF2B5EF4-FFF2-40B4-BE49-F238E27FC236}">
+                <a16:creationId xmlns:a16="http://schemas.microsoft.com/office/drawing/2014/main" id="{24949596-7C48-4EFF-919F-8FD4F1918F19}"/>
+              </a:ext>
+            </a:extLst>
+          </p:cNvPr>
+          <p:cNvSpPr txBox="1"/>
+          <p:nvPr/>
+        </p:nvSpPr>
+        <p:spPr>
+          <a:xfrm>
+            <a:off x="3952422" y="661183"/>
+            <a:ext cx="4278735" cy="646331"/>
+          </a:xfrm>
+          <a:prstGeom prst="rect">
+            <a:avLst/>
+          </a:prstGeom>
+          <a:noFill/>
+        </p:spPr>
+        <p:txBody>
+          <a:bodyPr wrap="none" rtlCol="0">
+            <a:spAutoFit/>
+          </a:bodyPr>
+          <a:lstStyle/>
+          <a:p>
+            <a:pPr lvl="0" defTabSz="457200"/>
+            <a:r>
+              <a:rPr lang="en-US" sz="3600" b="1" dirty="0">
+                <a:solidFill>
+                  <a:srgbClr val="335B74"/>
+                </a:solidFill>
+                <a:latin typeface="Lato Black"/>
+              </a:rPr>
+              <a:t>Fitness calculation </a:t>
+            </a:r>
+          </a:p>
+        </p:txBody>
+      </p:sp>
+      <p:sp>
+        <p:nvSpPr>
+          <p:cNvPr id="32" name="Content Placeholder 2">
+            <a:extLst>
+              <a:ext uri="{FF2B5EF4-FFF2-40B4-BE49-F238E27FC236}">
+                <a16:creationId xmlns:a16="http://schemas.microsoft.com/office/drawing/2014/main" id="{E29C6285-B8A3-400A-A1BD-00F65561C013}"/>
+              </a:ext>
+            </a:extLst>
+          </p:cNvPr>
+          <p:cNvSpPr txBox="1">
+            <a:spLocks/>
+          </p:cNvSpPr>
+          <p:nvPr/>
+        </p:nvSpPr>
+        <p:spPr>
+          <a:xfrm>
+            <a:off x="1083075" y="1689420"/>
+            <a:ext cx="9848296" cy="4351338"/>
+          </a:xfrm>
+          <a:prstGeom prst="rect">
+            <a:avLst/>
+          </a:prstGeom>
+        </p:spPr>
+        <p:txBody>
+          <a:bodyPr/>
+          <a:lstStyle>
+            <a:lvl1pPr marL="228543" indent="-228543" algn="l" defTabSz="914172" rtl="0" eaLnBrk="1" latinLnBrk="0" hangingPunct="1">
+              <a:lnSpc>
+                <a:spcPct val="90000"/>
+              </a:lnSpc>
+              <a:spcBef>
+                <a:spcPts val="1000"/>
+              </a:spcBef>
+              <a:buFont typeface="Arial" panose="020B0604020202020204" pitchFamily="34" charset="0"/>
+              <a:buChar char="•"/>
+              <a:defRPr sz="2800" kern="1200">
+                <a:solidFill>
+                  <a:schemeClr val="tx1"/>
+                </a:solidFill>
+                <a:latin typeface="+mn-lt"/>
+                <a:ea typeface="+mn-ea"/>
+                <a:cs typeface="+mn-cs"/>
+              </a:defRPr>
+            </a:lvl1pPr>
+            <a:lvl2pPr marL="685629" indent="-228543" algn="l" defTabSz="914172" rtl="0" eaLnBrk="1" latinLnBrk="0" hangingPunct="1">
+              <a:lnSpc>
+                <a:spcPct val="90000"/>
+              </a:lnSpc>
+              <a:spcBef>
+                <a:spcPts val="500"/>
+              </a:spcBef>
+              <a:buFont typeface="Arial" panose="020B0604020202020204" pitchFamily="34" charset="0"/>
+              <a:buChar char="•"/>
+              <a:defRPr sz="2400" kern="1200">
+                <a:solidFill>
+                  <a:schemeClr val="tx1"/>
+                </a:solidFill>
+                <a:latin typeface="+mn-lt"/>
+                <a:ea typeface="+mn-ea"/>
+                <a:cs typeface="+mn-cs"/>
+              </a:defRPr>
+            </a:lvl2pPr>
+            <a:lvl3pPr marL="1142715" indent="-228543" algn="l" defTabSz="914172" rtl="0" eaLnBrk="1" latinLnBrk="0" hangingPunct="1">
+              <a:lnSpc>
+                <a:spcPct val="90000"/>
+              </a:lnSpc>
+              <a:spcBef>
+                <a:spcPts val="500"/>
+              </a:spcBef>
+              <a:buFont typeface="Arial" panose="020B0604020202020204" pitchFamily="34" charset="0"/>
+              <a:buChar char="•"/>
+              <a:defRPr sz="2000" kern="1200">
+                <a:solidFill>
+                  <a:schemeClr val="tx1"/>
+                </a:solidFill>
+                <a:latin typeface="+mn-lt"/>
+                <a:ea typeface="+mn-ea"/>
+                <a:cs typeface="+mn-cs"/>
+              </a:defRPr>
+            </a:lvl3pPr>
+            <a:lvl4pPr marL="1599800" indent="-228543" algn="l" defTabSz="914172" rtl="0" eaLnBrk="1" latinLnBrk="0" hangingPunct="1">
+              <a:lnSpc>
+                <a:spcPct val="90000"/>
+              </a:lnSpc>
+              <a:spcBef>
+                <a:spcPts val="500"/>
+              </a:spcBef>
+              <a:buFont typeface="Arial" panose="020B0604020202020204" pitchFamily="34" charset="0"/>
+              <a:buChar char="•"/>
+              <a:defRPr sz="1800" kern="1200">
+                <a:solidFill>
+                  <a:schemeClr val="tx1"/>
+                </a:solidFill>
+                <a:latin typeface="+mn-lt"/>
+                <a:ea typeface="+mn-ea"/>
+                <a:cs typeface="+mn-cs"/>
+              </a:defRPr>
+            </a:lvl4pPr>
+            <a:lvl5pPr marL="2056886" indent="-228543" algn="l" defTabSz="914172" rtl="0" eaLnBrk="1" latinLnBrk="0" hangingPunct="1">
+              <a:lnSpc>
+                <a:spcPct val="90000"/>
+              </a:lnSpc>
+              <a:spcBef>
+                <a:spcPts val="500"/>
+              </a:spcBef>
+              <a:buFont typeface="Arial" panose="020B0604020202020204" pitchFamily="34" charset="0"/>
+              <a:buChar char="•"/>
+              <a:defRPr sz="1800" kern="1200">
+                <a:solidFill>
+                  <a:schemeClr val="tx1"/>
+                </a:solidFill>
+                <a:latin typeface="+mn-lt"/>
+                <a:ea typeface="+mn-ea"/>
+                <a:cs typeface="+mn-cs"/>
+              </a:defRPr>
+            </a:lvl5pPr>
+            <a:lvl6pPr marL="2513972" indent="-228543" algn="l" defTabSz="914172" rtl="0" eaLnBrk="1" latinLnBrk="0" hangingPunct="1">
+              <a:lnSpc>
+                <a:spcPct val="90000"/>
+              </a:lnSpc>
+              <a:spcBef>
+                <a:spcPts val="500"/>
+              </a:spcBef>
+              <a:buFont typeface="Arial" panose="020B0604020202020204" pitchFamily="34" charset="0"/>
+              <a:buChar char="•"/>
+              <a:defRPr sz="1800" kern="1200">
+                <a:solidFill>
+                  <a:schemeClr val="tx1"/>
+                </a:solidFill>
+                <a:latin typeface="+mn-lt"/>
+                <a:ea typeface="+mn-ea"/>
+                <a:cs typeface="+mn-cs"/>
+              </a:defRPr>
+            </a:lvl6pPr>
+            <a:lvl7pPr marL="2971057" indent="-228543" algn="l" defTabSz="914172" rtl="0" eaLnBrk="1" latinLnBrk="0" hangingPunct="1">
+              <a:lnSpc>
+                <a:spcPct val="90000"/>
+              </a:lnSpc>
+              <a:spcBef>
+                <a:spcPts val="500"/>
+              </a:spcBef>
+              <a:buFont typeface="Arial" panose="020B0604020202020204" pitchFamily="34" charset="0"/>
+              <a:buChar char="•"/>
+              <a:defRPr sz="1800" kern="1200">
+                <a:solidFill>
+                  <a:schemeClr val="tx1"/>
+                </a:solidFill>
+                <a:latin typeface="+mn-lt"/>
+                <a:ea typeface="+mn-ea"/>
+                <a:cs typeface="+mn-cs"/>
+              </a:defRPr>
+            </a:lvl7pPr>
+            <a:lvl8pPr marL="3428143" indent="-228543" algn="l" defTabSz="914172" rtl="0" eaLnBrk="1" latinLnBrk="0" hangingPunct="1">
+              <a:lnSpc>
+                <a:spcPct val="90000"/>
+              </a:lnSpc>
+              <a:spcBef>
+                <a:spcPts val="500"/>
+              </a:spcBef>
+              <a:buFont typeface="Arial" panose="020B0604020202020204" pitchFamily="34" charset="0"/>
+              <a:buChar char="•"/>
+              <a:defRPr sz="1800" kern="1200">
+                <a:solidFill>
+                  <a:schemeClr val="tx1"/>
+                </a:solidFill>
+                <a:latin typeface="+mn-lt"/>
+                <a:ea typeface="+mn-ea"/>
+                <a:cs typeface="+mn-cs"/>
+              </a:defRPr>
+            </a:lvl8pPr>
+            <a:lvl9pPr marL="3885229" indent="-228543" algn="l" defTabSz="914172" rtl="0" eaLnBrk="1" latinLnBrk="0" hangingPunct="1">
+              <a:lnSpc>
+                <a:spcPct val="90000"/>
+              </a:lnSpc>
+              <a:spcBef>
+                <a:spcPts val="500"/>
+              </a:spcBef>
+              <a:buFont typeface="Arial" panose="020B0604020202020204" pitchFamily="34" charset="0"/>
+              <a:buChar char="•"/>
+              <a:defRPr sz="1800" kern="1200">
+                <a:solidFill>
+                  <a:schemeClr val="tx1"/>
+                </a:solidFill>
+                <a:latin typeface="+mn-lt"/>
+                <a:ea typeface="+mn-ea"/>
+                <a:cs typeface="+mn-cs"/>
+              </a:defRPr>
+            </a:lvl9pPr>
+          </a:lstStyle>
+          <a:p>
+            <a:pPr marL="0" lvl="0" indent="0">
+              <a:buClr>
+                <a:srgbClr val="1CADE4"/>
+              </a:buClr>
+              <a:buSzPct val="130000"/>
+              <a:buNone/>
+              <a:defRPr/>
+            </a:pPr>
+            <a:r>
+              <a:rPr lang="en-US" sz="2200" dirty="0">
+                <a:solidFill>
+                  <a:prstClr val="black"/>
+                </a:solidFill>
+                <a:latin typeface="Calibri" panose="020F0502020204030204"/>
+              </a:rPr>
+              <a:t>As paper mentioned fitness value must be in (0,1].</a:t>
+            </a:r>
+          </a:p>
+          <a:p>
+            <a:pPr marL="0" lvl="0" indent="0">
+              <a:buClr>
+                <a:srgbClr val="1CADE4"/>
+              </a:buClr>
+              <a:buSzPct val="130000"/>
+              <a:buNone/>
+              <a:defRPr/>
+            </a:pPr>
+            <a:r>
+              <a:rPr lang="en-US" sz="2200" dirty="0">
+                <a:solidFill>
+                  <a:prstClr val="black"/>
+                </a:solidFill>
+                <a:latin typeface="Calibri" panose="020F0502020204030204"/>
+              </a:rPr>
+              <a:t>For achieving that we determine worst and best solution as boundary.</a:t>
+            </a:r>
+          </a:p>
+          <a:p>
+            <a:pPr marL="0" lvl="0" indent="0">
+              <a:buClr>
+                <a:srgbClr val="1CADE4"/>
+              </a:buClr>
+              <a:buSzPct val="130000"/>
+              <a:buNone/>
+              <a:defRPr/>
+            </a:pPr>
+            <a:r>
+              <a:rPr lang="en-US" sz="2200" dirty="0">
+                <a:solidFill>
+                  <a:prstClr val="black"/>
+                </a:solidFill>
+                <a:latin typeface="Calibri" panose="020F0502020204030204"/>
+              </a:rPr>
+              <a:t>And by using expression: 1- (fitness/144) final fitness achieve.</a:t>
+            </a:r>
+          </a:p>
+          <a:p>
+            <a:pPr marL="228543" marR="0" lvl="0" indent="-228543" algn="l" defTabSz="914172" rtl="0" eaLnBrk="1" fontAlgn="auto" latinLnBrk="0" hangingPunct="1">
+              <a:lnSpc>
+                <a:spcPct val="150000"/>
+              </a:lnSpc>
+              <a:spcBef>
+                <a:spcPts val="1000"/>
+              </a:spcBef>
+              <a:spcAft>
+                <a:spcPts val="0"/>
+              </a:spcAft>
+              <a:buClr>
+                <a:srgbClr val="1CADE4"/>
+              </a:buClr>
+              <a:buSzPct val="130000"/>
+              <a:buFont typeface="Arial" panose="020B0604020202020204" pitchFamily="34" charset="0"/>
+              <a:buChar char="•"/>
+              <a:tabLst/>
+              <a:defRPr/>
+            </a:pPr>
+            <a:r>
+              <a:rPr lang="en-US" sz="2200" dirty="0">
+                <a:solidFill>
+                  <a:prstClr val="black"/>
+                </a:solidFill>
+                <a:latin typeface="Calibri" panose="020F0502020204030204"/>
+              </a:rPr>
+              <a:t>Worst case is a puzzle with same value for every cell :</a:t>
+            </a:r>
+          </a:p>
+          <a:p>
+            <a:pPr lvl="1">
+              <a:lnSpc>
+                <a:spcPct val="150000"/>
+              </a:lnSpc>
+              <a:spcBef>
+                <a:spcPts val="1000"/>
+              </a:spcBef>
+              <a:buClr>
+                <a:srgbClr val="1CADE4"/>
+              </a:buClr>
+              <a:buSzPct val="130000"/>
+              <a:defRPr/>
+            </a:pPr>
+            <a:r>
+              <a:rPr lang="en-US" sz="2200" dirty="0">
+                <a:solidFill>
+                  <a:schemeClr val="accent1"/>
+                </a:solidFill>
+                <a:latin typeface="Calibri" panose="020F0502020204030204"/>
+              </a:rPr>
+              <a:t>Worst Fitness = 144	-&gt; 	1-(144/144) = 0</a:t>
+            </a:r>
+          </a:p>
+          <a:p>
+            <a:pPr marL="228543" marR="0" lvl="0" indent="-228543" algn="l" defTabSz="914172" rtl="0" eaLnBrk="1" fontAlgn="auto" latinLnBrk="0" hangingPunct="1">
+              <a:lnSpc>
+                <a:spcPct val="150000"/>
+              </a:lnSpc>
+              <a:spcBef>
+                <a:spcPts val="1000"/>
+              </a:spcBef>
+              <a:spcAft>
+                <a:spcPts val="0"/>
+              </a:spcAft>
+              <a:buClr>
+                <a:srgbClr val="1CADE4"/>
+              </a:buClr>
+              <a:buSzPct val="130000"/>
+              <a:buFont typeface="Arial" panose="020B0604020202020204" pitchFamily="34" charset="0"/>
+              <a:buChar char="•"/>
+              <a:tabLst/>
+              <a:defRPr/>
+            </a:pPr>
+            <a:r>
+              <a:rPr lang="en-US" sz="2200" dirty="0">
+                <a:solidFill>
+                  <a:prstClr val="black"/>
+                </a:solidFill>
+                <a:latin typeface="Calibri" panose="020F0502020204030204"/>
+              </a:rPr>
+              <a:t>Best case is a sudoku answer :</a:t>
+            </a:r>
+          </a:p>
+          <a:p>
+            <a:pPr lvl="1">
+              <a:lnSpc>
+                <a:spcPct val="150000"/>
+              </a:lnSpc>
+              <a:spcBef>
+                <a:spcPts val="1000"/>
+              </a:spcBef>
+              <a:buClr>
+                <a:srgbClr val="1CADE4"/>
+              </a:buClr>
+              <a:buSzPct val="130000"/>
+              <a:defRPr/>
+            </a:pPr>
+            <a:r>
+              <a:rPr lang="en-US" sz="2200" dirty="0">
+                <a:solidFill>
+                  <a:schemeClr val="accent1"/>
+                </a:solidFill>
+                <a:latin typeface="Calibri" panose="020F0502020204030204"/>
+              </a:rPr>
+              <a:t>Best Fitness = 0		</a:t>
+            </a:r>
+            <a:r>
+              <a:rPr lang="en-US" sz="2200" dirty="0">
+                <a:solidFill>
+                  <a:schemeClr val="accent1"/>
+                </a:solidFill>
+              </a:rPr>
+              <a:t> -&gt; 	1-(0/144) = 1</a:t>
+            </a:r>
+            <a:endParaRPr lang="en-US" sz="2200" dirty="0">
+              <a:solidFill>
+                <a:schemeClr val="accent1"/>
+              </a:solidFill>
+              <a:latin typeface="Calibri" panose="020F0502020204030204"/>
+            </a:endParaRPr>
+          </a:p>
+          <a:p>
+            <a:pPr lvl="1">
+              <a:lnSpc>
+                <a:spcPct val="150000"/>
+              </a:lnSpc>
+              <a:spcBef>
+                <a:spcPts val="1000"/>
+              </a:spcBef>
+              <a:buClr>
+                <a:srgbClr val="1CADE4"/>
+              </a:buClr>
+              <a:buSzPct val="130000"/>
+              <a:defRPr/>
+            </a:pPr>
+            <a:endParaRPr lang="en-US" sz="1800" dirty="0">
+              <a:solidFill>
+                <a:prstClr val="black"/>
+              </a:solidFill>
+              <a:latin typeface="Calibri" panose="020F0502020204030204"/>
+            </a:endParaRPr>
+          </a:p>
+        </p:txBody>
+      </p:sp>
+    </p:spTree>
+    <p:extLst>
+      <p:ext uri="{BB962C8B-B14F-4D97-AF65-F5344CB8AC3E}">
+        <p14:creationId xmlns:p14="http://schemas.microsoft.com/office/powerpoint/2010/main" val="862323352"/>
+      </p:ext>
+    </p:extLst>
+  </p:cSld>
+  <p:clrMapOvr>
+    <a:masterClrMapping/>
+  </p:clrMapOvr>
+  <mc:AlternateContent xmlns:mc="http://schemas.openxmlformats.org/markup-compatibility/2006" xmlns:p14="http://schemas.microsoft.com/office/powerpoint/2010/main">
+    <mc:Choice Requires="p14">
+      <p:transition spd="med" p14:dur="700">
+        <p:fade/>
+      </p:transition>
+    </mc:Choice>
+    <mc:Fallback xmlns="">
+      <p:transition spd="med">
+        <p:fade/>
+      </p:transition>
+    </mc:Fallback>
+  </mc:AlternateContent>
+</p:sld>
+</file>
+
+<file path=ppt/slides/slide16.xml><?xml version="1.0" encoding="utf-8"?>
+<p:sld xmlns:a="http://schemas.openxmlformats.org/drawingml/2006/main" xmlns:r="http://schemas.openxmlformats.org/officeDocument/2006/relationships" xmlns:p="http://schemas.openxmlformats.org/presentationml/2006/main">
+  <p:cSld>
+    <p:spTree>
+      <p:nvGrpSpPr>
+        <p:cNvPr id="1" name=""/>
+        <p:cNvGrpSpPr/>
+        <p:nvPr/>
+      </p:nvGrpSpPr>
+      <p:grpSpPr>
+        <a:xfrm>
+          <a:off x="0" y="0"/>
+          <a:ext cx="0" cy="0"/>
+          <a:chOff x="0" y="0"/>
+          <a:chExt cx="0" cy="0"/>
+        </a:xfrm>
+      </p:grpSpPr>
+      <p:sp>
+        <p:nvSpPr>
+          <p:cNvPr id="2" name="Content Placeholder 2">
+            <a:extLst>
+              <a:ext uri="{FF2B5EF4-FFF2-40B4-BE49-F238E27FC236}">
+                <a16:creationId xmlns:a16="http://schemas.microsoft.com/office/drawing/2014/main" id="{9C2A21A1-9E91-4684-A5D4-B0220E27E177}"/>
+              </a:ext>
+            </a:extLst>
+          </p:cNvPr>
+          <p:cNvSpPr txBox="1">
+            <a:spLocks/>
+          </p:cNvSpPr>
+          <p:nvPr/>
+        </p:nvSpPr>
+        <p:spPr>
+          <a:xfrm>
+            <a:off x="838200" y="1825625"/>
+            <a:ext cx="10515600" cy="4351338"/>
+          </a:xfrm>
+          <a:prstGeom prst="rect">
+            <a:avLst/>
+          </a:prstGeom>
+        </p:spPr>
+        <p:txBody>
+          <a:bodyPr/>
+          <a:lstStyle>
+            <a:lvl1pPr marL="228543" indent="-228543" algn="l" defTabSz="914172" rtl="0" eaLnBrk="1" latinLnBrk="0" hangingPunct="1">
+              <a:lnSpc>
+                <a:spcPct val="90000"/>
+              </a:lnSpc>
+              <a:spcBef>
+                <a:spcPts val="1000"/>
+              </a:spcBef>
+              <a:buFont typeface="Arial" panose="020B0604020202020204" pitchFamily="34" charset="0"/>
+              <a:buChar char="•"/>
+              <a:defRPr sz="2800" kern="1200">
+                <a:solidFill>
+                  <a:schemeClr val="tx1"/>
+                </a:solidFill>
+                <a:latin typeface="+mn-lt"/>
+                <a:ea typeface="+mn-ea"/>
+                <a:cs typeface="+mn-cs"/>
+              </a:defRPr>
+            </a:lvl1pPr>
+            <a:lvl2pPr marL="685629" indent="-228543" algn="l" defTabSz="914172" rtl="0" eaLnBrk="1" latinLnBrk="0" hangingPunct="1">
+              <a:lnSpc>
+                <a:spcPct val="90000"/>
+              </a:lnSpc>
+              <a:spcBef>
+                <a:spcPts val="500"/>
+              </a:spcBef>
+              <a:buFont typeface="Arial" panose="020B0604020202020204" pitchFamily="34" charset="0"/>
+              <a:buChar char="•"/>
+              <a:defRPr sz="2400" kern="1200">
+                <a:solidFill>
+                  <a:schemeClr val="tx1"/>
+                </a:solidFill>
+                <a:latin typeface="+mn-lt"/>
+                <a:ea typeface="+mn-ea"/>
+                <a:cs typeface="+mn-cs"/>
+              </a:defRPr>
+            </a:lvl2pPr>
+            <a:lvl3pPr marL="1142715" indent="-228543" algn="l" defTabSz="914172" rtl="0" eaLnBrk="1" latinLnBrk="0" hangingPunct="1">
+              <a:lnSpc>
+                <a:spcPct val="90000"/>
+              </a:lnSpc>
+              <a:spcBef>
+                <a:spcPts val="500"/>
+              </a:spcBef>
+              <a:buFont typeface="Arial" panose="020B0604020202020204" pitchFamily="34" charset="0"/>
+              <a:buChar char="•"/>
+              <a:defRPr sz="2000" kern="1200">
+                <a:solidFill>
+                  <a:schemeClr val="tx1"/>
+                </a:solidFill>
+                <a:latin typeface="+mn-lt"/>
+                <a:ea typeface="+mn-ea"/>
+                <a:cs typeface="+mn-cs"/>
+              </a:defRPr>
+            </a:lvl3pPr>
+            <a:lvl4pPr marL="1599800" indent="-228543" algn="l" defTabSz="914172" rtl="0" eaLnBrk="1" latinLnBrk="0" hangingPunct="1">
+              <a:lnSpc>
+                <a:spcPct val="90000"/>
+              </a:lnSpc>
+              <a:spcBef>
+                <a:spcPts val="500"/>
+              </a:spcBef>
+              <a:buFont typeface="Arial" panose="020B0604020202020204" pitchFamily="34" charset="0"/>
+              <a:buChar char="•"/>
+              <a:defRPr sz="1800" kern="1200">
+                <a:solidFill>
+                  <a:schemeClr val="tx1"/>
+                </a:solidFill>
+                <a:latin typeface="+mn-lt"/>
+                <a:ea typeface="+mn-ea"/>
+                <a:cs typeface="+mn-cs"/>
+              </a:defRPr>
+            </a:lvl4pPr>
+            <a:lvl5pPr marL="2056886" indent="-228543" algn="l" defTabSz="914172" rtl="0" eaLnBrk="1" latinLnBrk="0" hangingPunct="1">
+              <a:lnSpc>
+                <a:spcPct val="90000"/>
+              </a:lnSpc>
+              <a:spcBef>
+                <a:spcPts val="500"/>
+              </a:spcBef>
+              <a:buFont typeface="Arial" panose="020B0604020202020204" pitchFamily="34" charset="0"/>
+              <a:buChar char="•"/>
+              <a:defRPr sz="1800" kern="1200">
+                <a:solidFill>
+                  <a:schemeClr val="tx1"/>
+                </a:solidFill>
+                <a:latin typeface="+mn-lt"/>
+                <a:ea typeface="+mn-ea"/>
+                <a:cs typeface="+mn-cs"/>
+              </a:defRPr>
+            </a:lvl5pPr>
+            <a:lvl6pPr marL="2513972" indent="-228543" algn="l" defTabSz="914172" rtl="0" eaLnBrk="1" latinLnBrk="0" hangingPunct="1">
+              <a:lnSpc>
+                <a:spcPct val="90000"/>
+              </a:lnSpc>
+              <a:spcBef>
+                <a:spcPts val="500"/>
+              </a:spcBef>
+              <a:buFont typeface="Arial" panose="020B0604020202020204" pitchFamily="34" charset="0"/>
+              <a:buChar char="•"/>
+              <a:defRPr sz="1800" kern="1200">
+                <a:solidFill>
+                  <a:schemeClr val="tx1"/>
+                </a:solidFill>
+                <a:latin typeface="+mn-lt"/>
+                <a:ea typeface="+mn-ea"/>
+                <a:cs typeface="+mn-cs"/>
+              </a:defRPr>
+            </a:lvl6pPr>
+            <a:lvl7pPr marL="2971057" indent="-228543" algn="l" defTabSz="914172" rtl="0" eaLnBrk="1" latinLnBrk="0" hangingPunct="1">
+              <a:lnSpc>
+                <a:spcPct val="90000"/>
+              </a:lnSpc>
+              <a:spcBef>
+                <a:spcPts val="500"/>
+              </a:spcBef>
+              <a:buFont typeface="Arial" panose="020B0604020202020204" pitchFamily="34" charset="0"/>
+              <a:buChar char="•"/>
+              <a:defRPr sz="1800" kern="1200">
+                <a:solidFill>
+                  <a:schemeClr val="tx1"/>
+                </a:solidFill>
+                <a:latin typeface="+mn-lt"/>
+                <a:ea typeface="+mn-ea"/>
+                <a:cs typeface="+mn-cs"/>
+              </a:defRPr>
+            </a:lvl7pPr>
+            <a:lvl8pPr marL="3428143" indent="-228543" algn="l" defTabSz="914172" rtl="0" eaLnBrk="1" latinLnBrk="0" hangingPunct="1">
+              <a:lnSpc>
+                <a:spcPct val="90000"/>
+              </a:lnSpc>
+              <a:spcBef>
+                <a:spcPts val="500"/>
+              </a:spcBef>
+              <a:buFont typeface="Arial" panose="020B0604020202020204" pitchFamily="34" charset="0"/>
+              <a:buChar char="•"/>
+              <a:defRPr sz="1800" kern="1200">
+                <a:solidFill>
+                  <a:schemeClr val="tx1"/>
+                </a:solidFill>
+                <a:latin typeface="+mn-lt"/>
+                <a:ea typeface="+mn-ea"/>
+                <a:cs typeface="+mn-cs"/>
+              </a:defRPr>
+            </a:lvl8pPr>
+            <a:lvl9pPr marL="3885229" indent="-228543" algn="l" defTabSz="914172" rtl="0" eaLnBrk="1" latinLnBrk="0" hangingPunct="1">
+              <a:lnSpc>
+                <a:spcPct val="90000"/>
+              </a:lnSpc>
+              <a:spcBef>
+                <a:spcPts val="500"/>
+              </a:spcBef>
+              <a:buFont typeface="Arial" panose="020B0604020202020204" pitchFamily="34" charset="0"/>
+              <a:buChar char="•"/>
+              <a:defRPr sz="1800" kern="1200">
+                <a:solidFill>
+                  <a:schemeClr val="tx1"/>
+                </a:solidFill>
+                <a:latin typeface="+mn-lt"/>
+                <a:ea typeface="+mn-ea"/>
+                <a:cs typeface="+mn-cs"/>
+              </a:defRPr>
+            </a:lvl9pPr>
+          </a:lstStyle>
+          <a:p>
+            <a:pPr marL="0" marR="0" lvl="0" indent="0" algn="l" defTabSz="914172" rtl="0" eaLnBrk="1" fontAlgn="auto" latinLnBrk="0" hangingPunct="1">
+              <a:lnSpc>
+                <a:spcPct val="100000"/>
+              </a:lnSpc>
+              <a:spcBef>
+                <a:spcPts val="1000"/>
+              </a:spcBef>
+              <a:spcAft>
+                <a:spcPts val="0"/>
+              </a:spcAft>
+              <a:buClr>
+                <a:srgbClr val="1CADE4"/>
+              </a:buClr>
+              <a:buSzPct val="130000"/>
+              <a:buNone/>
+              <a:tabLst/>
+              <a:defRPr/>
+            </a:pPr>
+            <a:endParaRPr lang="en-US" sz="1800" dirty="0">
+              <a:solidFill>
+                <a:schemeClr val="bg1">
+                  <a:lumMod val="50000"/>
+                </a:schemeClr>
+              </a:solidFill>
+            </a:endParaRPr>
+          </a:p>
+        </p:txBody>
+      </p:sp>
+      <p:cxnSp>
+        <p:nvCxnSpPr>
+          <p:cNvPr id="3" name="Straight Connector 2">
+            <a:extLst>
+              <a:ext uri="{FF2B5EF4-FFF2-40B4-BE49-F238E27FC236}">
+                <a16:creationId xmlns:a16="http://schemas.microsoft.com/office/drawing/2014/main" id="{63544D0C-9AF7-480B-B59A-0649F7532B5D}"/>
+              </a:ext>
+            </a:extLst>
+          </p:cNvPr>
+          <p:cNvCxnSpPr/>
+          <p:nvPr/>
+        </p:nvCxnSpPr>
+        <p:spPr>
+          <a:xfrm>
+            <a:off x="5805926" y="1409690"/>
+            <a:ext cx="596462" cy="0"/>
+          </a:xfrm>
+          <a:prstGeom prst="line">
+            <a:avLst/>
+          </a:prstGeom>
+          <a:ln w="57150">
+            <a:solidFill>
+              <a:schemeClr val="accent1"/>
+            </a:solidFill>
+          </a:ln>
+        </p:spPr>
+        <p:style>
+          <a:lnRef idx="1">
+            <a:schemeClr val="accent1"/>
+          </a:lnRef>
+          <a:fillRef idx="0">
+            <a:schemeClr val="accent1"/>
+          </a:fillRef>
+          <a:effectRef idx="0">
+            <a:schemeClr val="accent1"/>
+          </a:effectRef>
+          <a:fontRef idx="minor">
+            <a:schemeClr val="tx1"/>
+          </a:fontRef>
+        </p:style>
+      </p:cxnSp>
+      <p:sp>
+        <p:nvSpPr>
+          <p:cNvPr id="4" name="TextBox 3">
+            <a:extLst>
+              <a:ext uri="{FF2B5EF4-FFF2-40B4-BE49-F238E27FC236}">
+                <a16:creationId xmlns:a16="http://schemas.microsoft.com/office/drawing/2014/main" id="{24949596-7C48-4EFF-919F-8FD4F1918F19}"/>
+              </a:ext>
+            </a:extLst>
+          </p:cNvPr>
+          <p:cNvSpPr txBox="1"/>
+          <p:nvPr/>
+        </p:nvSpPr>
+        <p:spPr>
+          <a:xfrm>
+            <a:off x="3451686" y="555392"/>
+            <a:ext cx="5822428" cy="646331"/>
+          </a:xfrm>
+          <a:prstGeom prst="rect">
+            <a:avLst/>
+          </a:prstGeom>
+          <a:noFill/>
+        </p:spPr>
+        <p:txBody>
+          <a:bodyPr wrap="none" rtlCol="0">
+            <a:spAutoFit/>
+          </a:bodyPr>
+          <a:lstStyle/>
+          <a:p>
+            <a:pPr lvl="0" defTabSz="457200"/>
+            <a:r>
+              <a:rPr lang="en-US" sz="3600" b="1" dirty="0">
+                <a:solidFill>
+                  <a:srgbClr val="335B74"/>
+                </a:solidFill>
+                <a:latin typeface="Lato Black"/>
+              </a:rPr>
+              <a:t>Mutation Implementation</a:t>
+            </a:r>
+          </a:p>
+        </p:txBody>
+      </p:sp>
+      <p:sp>
+        <p:nvSpPr>
+          <p:cNvPr id="7" name="Content Placeholder 2">
+            <a:extLst>
+              <a:ext uri="{FF2B5EF4-FFF2-40B4-BE49-F238E27FC236}">
+                <a16:creationId xmlns:a16="http://schemas.microsoft.com/office/drawing/2014/main" id="{8F8DB0B2-804C-4235-8BC1-40C8AE76165C}"/>
+              </a:ext>
+            </a:extLst>
+          </p:cNvPr>
+          <p:cNvSpPr txBox="1">
+            <a:spLocks/>
+          </p:cNvSpPr>
+          <p:nvPr/>
+        </p:nvSpPr>
+        <p:spPr>
+          <a:xfrm>
+            <a:off x="846357" y="1825625"/>
+            <a:ext cx="8484074" cy="4351338"/>
+          </a:xfrm>
+          <a:prstGeom prst="rect">
+            <a:avLst/>
+          </a:prstGeom>
+        </p:spPr>
+        <p:txBody>
+          <a:bodyPr/>
+          <a:lstStyle>
+            <a:lvl1pPr marL="228543" indent="-228543" algn="l" defTabSz="914172" rtl="0" eaLnBrk="1" latinLnBrk="0" hangingPunct="1">
+              <a:lnSpc>
+                <a:spcPct val="90000"/>
+              </a:lnSpc>
+              <a:spcBef>
+                <a:spcPts val="1000"/>
+              </a:spcBef>
+              <a:buFont typeface="Arial" panose="020B0604020202020204" pitchFamily="34" charset="0"/>
+              <a:buChar char="•"/>
+              <a:defRPr sz="2800" kern="1200">
+                <a:solidFill>
+                  <a:schemeClr val="tx1"/>
+                </a:solidFill>
+                <a:latin typeface="+mn-lt"/>
+                <a:ea typeface="+mn-ea"/>
+                <a:cs typeface="+mn-cs"/>
+              </a:defRPr>
+            </a:lvl1pPr>
+            <a:lvl2pPr marL="685629" indent="-228543" algn="l" defTabSz="914172" rtl="0" eaLnBrk="1" latinLnBrk="0" hangingPunct="1">
+              <a:lnSpc>
+                <a:spcPct val="90000"/>
+              </a:lnSpc>
+              <a:spcBef>
+                <a:spcPts val="500"/>
+              </a:spcBef>
+              <a:buFont typeface="Arial" panose="020B0604020202020204" pitchFamily="34" charset="0"/>
+              <a:buChar char="•"/>
+              <a:defRPr sz="2400" kern="1200">
+                <a:solidFill>
+                  <a:schemeClr val="tx1"/>
+                </a:solidFill>
+                <a:latin typeface="+mn-lt"/>
+                <a:ea typeface="+mn-ea"/>
+                <a:cs typeface="+mn-cs"/>
+              </a:defRPr>
+            </a:lvl2pPr>
+            <a:lvl3pPr marL="1142715" indent="-228543" algn="l" defTabSz="914172" rtl="0" eaLnBrk="1" latinLnBrk="0" hangingPunct="1">
+              <a:lnSpc>
+                <a:spcPct val="90000"/>
+              </a:lnSpc>
+              <a:spcBef>
+                <a:spcPts val="500"/>
+              </a:spcBef>
+              <a:buFont typeface="Arial" panose="020B0604020202020204" pitchFamily="34" charset="0"/>
+              <a:buChar char="•"/>
+              <a:defRPr sz="2000" kern="1200">
+                <a:solidFill>
+                  <a:schemeClr val="tx1"/>
+                </a:solidFill>
+                <a:latin typeface="+mn-lt"/>
+                <a:ea typeface="+mn-ea"/>
+                <a:cs typeface="+mn-cs"/>
+              </a:defRPr>
+            </a:lvl3pPr>
+            <a:lvl4pPr marL="1599800" indent="-228543" algn="l" defTabSz="914172" rtl="0" eaLnBrk="1" latinLnBrk="0" hangingPunct="1">
+              <a:lnSpc>
+                <a:spcPct val="90000"/>
+              </a:lnSpc>
+              <a:spcBef>
+                <a:spcPts val="500"/>
+              </a:spcBef>
+              <a:buFont typeface="Arial" panose="020B0604020202020204" pitchFamily="34" charset="0"/>
+              <a:buChar char="•"/>
+              <a:defRPr sz="1800" kern="1200">
+                <a:solidFill>
+                  <a:schemeClr val="tx1"/>
+                </a:solidFill>
+                <a:latin typeface="+mn-lt"/>
+                <a:ea typeface="+mn-ea"/>
+                <a:cs typeface="+mn-cs"/>
+              </a:defRPr>
+            </a:lvl4pPr>
+            <a:lvl5pPr marL="2056886" indent="-228543" algn="l" defTabSz="914172" rtl="0" eaLnBrk="1" latinLnBrk="0" hangingPunct="1">
+              <a:lnSpc>
+                <a:spcPct val="90000"/>
+              </a:lnSpc>
+              <a:spcBef>
+                <a:spcPts val="500"/>
+              </a:spcBef>
+              <a:buFont typeface="Arial" panose="020B0604020202020204" pitchFamily="34" charset="0"/>
+              <a:buChar char="•"/>
+              <a:defRPr sz="1800" kern="1200">
+                <a:solidFill>
+                  <a:schemeClr val="tx1"/>
+                </a:solidFill>
+                <a:latin typeface="+mn-lt"/>
+                <a:ea typeface="+mn-ea"/>
+                <a:cs typeface="+mn-cs"/>
+              </a:defRPr>
+            </a:lvl5pPr>
+            <a:lvl6pPr marL="2513972" indent="-228543" algn="l" defTabSz="914172" rtl="0" eaLnBrk="1" latinLnBrk="0" hangingPunct="1">
+              <a:lnSpc>
+                <a:spcPct val="90000"/>
+              </a:lnSpc>
+              <a:spcBef>
+                <a:spcPts val="500"/>
+              </a:spcBef>
+              <a:buFont typeface="Arial" panose="020B0604020202020204" pitchFamily="34" charset="0"/>
+              <a:buChar char="•"/>
+              <a:defRPr sz="1800" kern="1200">
+                <a:solidFill>
+                  <a:schemeClr val="tx1"/>
+                </a:solidFill>
+                <a:latin typeface="+mn-lt"/>
+                <a:ea typeface="+mn-ea"/>
+                <a:cs typeface="+mn-cs"/>
+              </a:defRPr>
+            </a:lvl6pPr>
+            <a:lvl7pPr marL="2971057" indent="-228543" algn="l" defTabSz="914172" rtl="0" eaLnBrk="1" latinLnBrk="0" hangingPunct="1">
+              <a:lnSpc>
+                <a:spcPct val="90000"/>
+              </a:lnSpc>
+              <a:spcBef>
+                <a:spcPts val="500"/>
+              </a:spcBef>
+              <a:buFont typeface="Arial" panose="020B0604020202020204" pitchFamily="34" charset="0"/>
+              <a:buChar char="•"/>
+              <a:defRPr sz="1800" kern="1200">
+                <a:solidFill>
+                  <a:schemeClr val="tx1"/>
+                </a:solidFill>
+                <a:latin typeface="+mn-lt"/>
+                <a:ea typeface="+mn-ea"/>
+                <a:cs typeface="+mn-cs"/>
+              </a:defRPr>
+            </a:lvl7pPr>
+            <a:lvl8pPr marL="3428143" indent="-228543" algn="l" defTabSz="914172" rtl="0" eaLnBrk="1" latinLnBrk="0" hangingPunct="1">
+              <a:lnSpc>
+                <a:spcPct val="90000"/>
+              </a:lnSpc>
+              <a:spcBef>
+                <a:spcPts val="500"/>
+              </a:spcBef>
+              <a:buFont typeface="Arial" panose="020B0604020202020204" pitchFamily="34" charset="0"/>
+              <a:buChar char="•"/>
+              <a:defRPr sz="1800" kern="1200">
+                <a:solidFill>
+                  <a:schemeClr val="tx1"/>
+                </a:solidFill>
+                <a:latin typeface="+mn-lt"/>
+                <a:ea typeface="+mn-ea"/>
+                <a:cs typeface="+mn-cs"/>
+              </a:defRPr>
+            </a:lvl8pPr>
+            <a:lvl9pPr marL="3885229" indent="-228543" algn="l" defTabSz="914172" rtl="0" eaLnBrk="1" latinLnBrk="0" hangingPunct="1">
+              <a:lnSpc>
+                <a:spcPct val="90000"/>
+              </a:lnSpc>
+              <a:spcBef>
+                <a:spcPts val="500"/>
+              </a:spcBef>
+              <a:buFont typeface="Arial" panose="020B0604020202020204" pitchFamily="34" charset="0"/>
+              <a:buChar char="•"/>
+              <a:defRPr sz="1800" kern="1200">
+                <a:solidFill>
+                  <a:schemeClr val="tx1"/>
+                </a:solidFill>
+                <a:latin typeface="+mn-lt"/>
+                <a:ea typeface="+mn-ea"/>
+                <a:cs typeface="+mn-cs"/>
+              </a:defRPr>
+            </a:lvl9pPr>
+          </a:lstStyle>
+          <a:p>
+            <a:pPr marL="0" marR="0" lvl="0" indent="0" algn="l" defTabSz="914172" rtl="0" eaLnBrk="1" fontAlgn="auto" latinLnBrk="0" hangingPunct="1">
+              <a:lnSpc>
+                <a:spcPct val="150000"/>
+              </a:lnSpc>
+              <a:spcBef>
+                <a:spcPts val="1000"/>
+              </a:spcBef>
+              <a:spcAft>
+                <a:spcPts val="0"/>
+              </a:spcAft>
+              <a:buClr>
+                <a:srgbClr val="1CADE4"/>
+              </a:buClr>
+              <a:buSzPct val="130000"/>
+              <a:buNone/>
+              <a:tabLst/>
+              <a:defRPr/>
+            </a:pPr>
+            <a:r>
+              <a:rPr lang="en-US" sz="2200" dirty="0">
+                <a:solidFill>
+                  <a:prstClr val="black"/>
+                </a:solidFill>
+                <a:latin typeface="Calibri" panose="020F0502020204030204"/>
+              </a:rPr>
+              <a:t>For Implement mutation function we present two way :</a:t>
+            </a:r>
+            <a:endParaRPr lang="en-US" sz="1800" dirty="0">
+              <a:solidFill>
+                <a:prstClr val="black"/>
+              </a:solidFill>
+              <a:latin typeface="Calibri" panose="020F0502020204030204"/>
+            </a:endParaRPr>
+          </a:p>
+          <a:p>
+            <a:pPr marL="228543" marR="0" lvl="0" indent="-228543" algn="l" defTabSz="914172" rtl="0" eaLnBrk="1" fontAlgn="auto" latinLnBrk="0" hangingPunct="1">
+              <a:lnSpc>
+                <a:spcPct val="150000"/>
+              </a:lnSpc>
+              <a:spcBef>
+                <a:spcPts val="1000"/>
+              </a:spcBef>
+              <a:spcAft>
+                <a:spcPts val="0"/>
+              </a:spcAft>
+              <a:buClr>
+                <a:srgbClr val="1CADE4"/>
+              </a:buClr>
+              <a:buSzPct val="130000"/>
+              <a:buFont typeface="Arial" panose="020B0604020202020204" pitchFamily="34" charset="0"/>
+              <a:buChar char="•"/>
+              <a:tabLst/>
+              <a:defRPr/>
+            </a:pPr>
+            <a:r>
+              <a:rPr lang="en-US" sz="2200" dirty="0">
+                <a:solidFill>
+                  <a:prstClr val="black"/>
+                </a:solidFill>
+                <a:latin typeface="Calibri" panose="020F0502020204030204"/>
+              </a:rPr>
+              <a:t>Swap mutation inside each sub-grid(block) of chromosome.</a:t>
+            </a:r>
+          </a:p>
+          <a:p>
+            <a:pPr marL="228543" marR="0" lvl="0" indent="-228543" algn="l" defTabSz="914172" rtl="0" eaLnBrk="1" fontAlgn="auto" latinLnBrk="0" hangingPunct="1">
+              <a:lnSpc>
+                <a:spcPct val="150000"/>
+              </a:lnSpc>
+              <a:spcBef>
+                <a:spcPts val="1000"/>
+              </a:spcBef>
+              <a:spcAft>
+                <a:spcPts val="0"/>
+              </a:spcAft>
+              <a:buClr>
+                <a:srgbClr val="1CADE4"/>
+              </a:buClr>
+              <a:buSzPct val="130000"/>
+              <a:buFont typeface="Arial" panose="020B0604020202020204" pitchFamily="34" charset="0"/>
+              <a:buChar char="•"/>
+              <a:tabLst/>
+              <a:defRPr/>
+            </a:pPr>
+            <a:r>
+              <a:rPr lang="en-US" sz="2200" dirty="0">
+                <a:solidFill>
+                  <a:prstClr val="black"/>
+                </a:solidFill>
+                <a:latin typeface="Calibri" panose="020F0502020204030204"/>
+              </a:rPr>
+              <a:t>Randomly choose one block of chromosome to perform swap mutation inside.</a:t>
+            </a:r>
+          </a:p>
+        </p:txBody>
+      </p:sp>
+    </p:spTree>
+    <p:extLst>
+      <p:ext uri="{BB962C8B-B14F-4D97-AF65-F5344CB8AC3E}">
+        <p14:creationId xmlns:p14="http://schemas.microsoft.com/office/powerpoint/2010/main" val="2955822418"/>
+      </p:ext>
+    </p:extLst>
+  </p:cSld>
+  <p:clrMapOvr>
+    <a:masterClrMapping/>
+  </p:clrMapOvr>
+  <mc:AlternateContent xmlns:mc="http://schemas.openxmlformats.org/markup-compatibility/2006" xmlns:p14="http://schemas.microsoft.com/office/powerpoint/2010/main">
+    <mc:Choice Requires="p14">
+      <p:transition spd="med" p14:dur="700">
+        <p:fade/>
+      </p:transition>
+    </mc:Choice>
+    <mc:Fallback xmlns="">
+      <p:transition spd="med">
+        <p:fade/>
+      </p:transition>
+    </mc:Fallback>
+  </mc:AlternateContent>
+</p:sld>
+</file>
+
+<file path=ppt/slides/slide17.xml><?xml version="1.0" encoding="utf-8"?>
+<p:sld xmlns:a="http://schemas.openxmlformats.org/drawingml/2006/main" xmlns:r="http://schemas.openxmlformats.org/officeDocument/2006/relationships" xmlns:p="http://schemas.openxmlformats.org/presentationml/2006/main">
+  <p:cSld>
+    <p:spTree>
+      <p:nvGrpSpPr>
+        <p:cNvPr id="1" name=""/>
+        <p:cNvGrpSpPr/>
+        <p:nvPr/>
+      </p:nvGrpSpPr>
+      <p:grpSpPr>
+        <a:xfrm>
+          <a:off x="0" y="0"/>
+          <a:ext cx="0" cy="0"/>
+          <a:chOff x="0" y="0"/>
+          <a:chExt cx="0" cy="0"/>
+        </a:xfrm>
+      </p:grpSpPr>
+      <p:sp>
+        <p:nvSpPr>
+          <p:cNvPr id="2" name="Content Placeholder 2">
+            <a:extLst>
+              <a:ext uri="{FF2B5EF4-FFF2-40B4-BE49-F238E27FC236}">
+                <a16:creationId xmlns:a16="http://schemas.microsoft.com/office/drawing/2014/main" id="{9C2A21A1-9E91-4684-A5D4-B0220E27E177}"/>
+              </a:ext>
+            </a:extLst>
+          </p:cNvPr>
+          <p:cNvSpPr txBox="1">
+            <a:spLocks/>
+          </p:cNvSpPr>
+          <p:nvPr/>
+        </p:nvSpPr>
+        <p:spPr>
+          <a:xfrm>
+            <a:off x="838200" y="1825625"/>
+            <a:ext cx="10515600" cy="4351338"/>
+          </a:xfrm>
+          <a:prstGeom prst="rect">
+            <a:avLst/>
+          </a:prstGeom>
+        </p:spPr>
+        <p:txBody>
+          <a:bodyPr/>
+          <a:lstStyle>
+            <a:lvl1pPr marL="228543" indent="-228543" algn="l" defTabSz="914172" rtl="0" eaLnBrk="1" latinLnBrk="0" hangingPunct="1">
+              <a:lnSpc>
+                <a:spcPct val="90000"/>
+              </a:lnSpc>
+              <a:spcBef>
+                <a:spcPts val="1000"/>
+              </a:spcBef>
+              <a:buFont typeface="Arial" panose="020B0604020202020204" pitchFamily="34" charset="0"/>
+              <a:buChar char="•"/>
+              <a:defRPr sz="2800" kern="1200">
+                <a:solidFill>
+                  <a:schemeClr val="tx1"/>
+                </a:solidFill>
+                <a:latin typeface="+mn-lt"/>
+                <a:ea typeface="+mn-ea"/>
+                <a:cs typeface="+mn-cs"/>
+              </a:defRPr>
+            </a:lvl1pPr>
+            <a:lvl2pPr marL="685629" indent="-228543" algn="l" defTabSz="914172" rtl="0" eaLnBrk="1" latinLnBrk="0" hangingPunct="1">
+              <a:lnSpc>
+                <a:spcPct val="90000"/>
+              </a:lnSpc>
+              <a:spcBef>
+                <a:spcPts val="500"/>
+              </a:spcBef>
+              <a:buFont typeface="Arial" panose="020B0604020202020204" pitchFamily="34" charset="0"/>
+              <a:buChar char="•"/>
+              <a:defRPr sz="2400" kern="1200">
+                <a:solidFill>
+                  <a:schemeClr val="tx1"/>
+                </a:solidFill>
+                <a:latin typeface="+mn-lt"/>
+                <a:ea typeface="+mn-ea"/>
+                <a:cs typeface="+mn-cs"/>
+              </a:defRPr>
+            </a:lvl2pPr>
+            <a:lvl3pPr marL="1142715" indent="-228543" algn="l" defTabSz="914172" rtl="0" eaLnBrk="1" latinLnBrk="0" hangingPunct="1">
+              <a:lnSpc>
+                <a:spcPct val="90000"/>
+              </a:lnSpc>
+              <a:spcBef>
+                <a:spcPts val="500"/>
+              </a:spcBef>
+              <a:buFont typeface="Arial" panose="020B0604020202020204" pitchFamily="34" charset="0"/>
+              <a:buChar char="•"/>
+              <a:defRPr sz="2000" kern="1200">
+                <a:solidFill>
+                  <a:schemeClr val="tx1"/>
+                </a:solidFill>
+                <a:latin typeface="+mn-lt"/>
+                <a:ea typeface="+mn-ea"/>
+                <a:cs typeface="+mn-cs"/>
+              </a:defRPr>
+            </a:lvl3pPr>
+            <a:lvl4pPr marL="1599800" indent="-228543" algn="l" defTabSz="914172" rtl="0" eaLnBrk="1" latinLnBrk="0" hangingPunct="1">
+              <a:lnSpc>
+                <a:spcPct val="90000"/>
+              </a:lnSpc>
+              <a:spcBef>
+                <a:spcPts val="500"/>
+              </a:spcBef>
+              <a:buFont typeface="Arial" panose="020B0604020202020204" pitchFamily="34" charset="0"/>
+              <a:buChar char="•"/>
+              <a:defRPr sz="1800" kern="1200">
+                <a:solidFill>
+                  <a:schemeClr val="tx1"/>
+                </a:solidFill>
+                <a:latin typeface="+mn-lt"/>
+                <a:ea typeface="+mn-ea"/>
+                <a:cs typeface="+mn-cs"/>
+              </a:defRPr>
+            </a:lvl4pPr>
+            <a:lvl5pPr marL="2056886" indent="-228543" algn="l" defTabSz="914172" rtl="0" eaLnBrk="1" latinLnBrk="0" hangingPunct="1">
+              <a:lnSpc>
+                <a:spcPct val="90000"/>
+              </a:lnSpc>
+              <a:spcBef>
+                <a:spcPts val="500"/>
+              </a:spcBef>
+              <a:buFont typeface="Arial" panose="020B0604020202020204" pitchFamily="34" charset="0"/>
+              <a:buChar char="•"/>
+              <a:defRPr sz="1800" kern="1200">
+                <a:solidFill>
+                  <a:schemeClr val="tx1"/>
+                </a:solidFill>
+                <a:latin typeface="+mn-lt"/>
+                <a:ea typeface="+mn-ea"/>
+                <a:cs typeface="+mn-cs"/>
+              </a:defRPr>
+            </a:lvl5pPr>
+            <a:lvl6pPr marL="2513972" indent="-228543" algn="l" defTabSz="914172" rtl="0" eaLnBrk="1" latinLnBrk="0" hangingPunct="1">
+              <a:lnSpc>
+                <a:spcPct val="90000"/>
+              </a:lnSpc>
+              <a:spcBef>
+                <a:spcPts val="500"/>
+              </a:spcBef>
+              <a:buFont typeface="Arial" panose="020B0604020202020204" pitchFamily="34" charset="0"/>
+              <a:buChar char="•"/>
+              <a:defRPr sz="1800" kern="1200">
+                <a:solidFill>
+                  <a:schemeClr val="tx1"/>
+                </a:solidFill>
+                <a:latin typeface="+mn-lt"/>
+                <a:ea typeface="+mn-ea"/>
+                <a:cs typeface="+mn-cs"/>
+              </a:defRPr>
+            </a:lvl6pPr>
+            <a:lvl7pPr marL="2971057" indent="-228543" algn="l" defTabSz="914172" rtl="0" eaLnBrk="1" latinLnBrk="0" hangingPunct="1">
+              <a:lnSpc>
+                <a:spcPct val="90000"/>
+              </a:lnSpc>
+              <a:spcBef>
+                <a:spcPts val="500"/>
+              </a:spcBef>
+              <a:buFont typeface="Arial" panose="020B0604020202020204" pitchFamily="34" charset="0"/>
+              <a:buChar char="•"/>
+              <a:defRPr sz="1800" kern="1200">
+                <a:solidFill>
+                  <a:schemeClr val="tx1"/>
+                </a:solidFill>
+                <a:latin typeface="+mn-lt"/>
+                <a:ea typeface="+mn-ea"/>
+                <a:cs typeface="+mn-cs"/>
+              </a:defRPr>
+            </a:lvl7pPr>
+            <a:lvl8pPr marL="3428143" indent="-228543" algn="l" defTabSz="914172" rtl="0" eaLnBrk="1" latinLnBrk="0" hangingPunct="1">
+              <a:lnSpc>
+                <a:spcPct val="90000"/>
+              </a:lnSpc>
+              <a:spcBef>
+                <a:spcPts val="500"/>
+              </a:spcBef>
+              <a:buFont typeface="Arial" panose="020B0604020202020204" pitchFamily="34" charset="0"/>
+              <a:buChar char="•"/>
+              <a:defRPr sz="1800" kern="1200">
+                <a:solidFill>
+                  <a:schemeClr val="tx1"/>
+                </a:solidFill>
+                <a:latin typeface="+mn-lt"/>
+                <a:ea typeface="+mn-ea"/>
+                <a:cs typeface="+mn-cs"/>
+              </a:defRPr>
+            </a:lvl8pPr>
+            <a:lvl9pPr marL="3885229" indent="-228543" algn="l" defTabSz="914172" rtl="0" eaLnBrk="1" latinLnBrk="0" hangingPunct="1">
+              <a:lnSpc>
+                <a:spcPct val="90000"/>
+              </a:lnSpc>
+              <a:spcBef>
+                <a:spcPts val="500"/>
+              </a:spcBef>
+              <a:buFont typeface="Arial" panose="020B0604020202020204" pitchFamily="34" charset="0"/>
+              <a:buChar char="•"/>
+              <a:defRPr sz="1800" kern="1200">
+                <a:solidFill>
+                  <a:schemeClr val="tx1"/>
+                </a:solidFill>
+                <a:latin typeface="+mn-lt"/>
+                <a:ea typeface="+mn-ea"/>
+                <a:cs typeface="+mn-cs"/>
+              </a:defRPr>
+            </a:lvl9pPr>
+          </a:lstStyle>
+          <a:p>
+            <a:pPr marL="0" marR="0" lvl="0" indent="0" algn="l" defTabSz="914172" rtl="0" eaLnBrk="1" fontAlgn="auto" latinLnBrk="0" hangingPunct="1">
+              <a:lnSpc>
+                <a:spcPct val="100000"/>
+              </a:lnSpc>
+              <a:spcBef>
+                <a:spcPts val="1000"/>
+              </a:spcBef>
+              <a:spcAft>
+                <a:spcPts val="0"/>
+              </a:spcAft>
+              <a:buClr>
+                <a:srgbClr val="1CADE4"/>
+              </a:buClr>
+              <a:buSzPct val="130000"/>
+              <a:buNone/>
+              <a:tabLst/>
+              <a:defRPr/>
+            </a:pPr>
+            <a:endParaRPr lang="en-US" sz="1800" dirty="0">
+              <a:solidFill>
+                <a:schemeClr val="bg1">
+                  <a:lumMod val="50000"/>
+                </a:schemeClr>
+              </a:solidFill>
+            </a:endParaRPr>
+          </a:p>
+        </p:txBody>
+      </p:sp>
+      <p:cxnSp>
+        <p:nvCxnSpPr>
+          <p:cNvPr id="3" name="Straight Connector 2">
+            <a:extLst>
+              <a:ext uri="{FF2B5EF4-FFF2-40B4-BE49-F238E27FC236}">
+                <a16:creationId xmlns:a16="http://schemas.microsoft.com/office/drawing/2014/main" id="{63544D0C-9AF7-480B-B59A-0649F7532B5D}"/>
+              </a:ext>
+            </a:extLst>
+          </p:cNvPr>
+          <p:cNvCxnSpPr/>
+          <p:nvPr/>
+        </p:nvCxnSpPr>
+        <p:spPr>
+          <a:xfrm>
+            <a:off x="5805926" y="1409690"/>
+            <a:ext cx="596462" cy="0"/>
+          </a:xfrm>
+          <a:prstGeom prst="line">
+            <a:avLst/>
+          </a:prstGeom>
+          <a:ln w="57150">
+            <a:solidFill>
+              <a:schemeClr val="accent1"/>
+            </a:solidFill>
+          </a:ln>
+        </p:spPr>
+        <p:style>
+          <a:lnRef idx="1">
+            <a:schemeClr val="accent1"/>
+          </a:lnRef>
+          <a:fillRef idx="0">
+            <a:schemeClr val="accent1"/>
+          </a:fillRef>
+          <a:effectRef idx="0">
+            <a:schemeClr val="accent1"/>
+          </a:effectRef>
+          <a:fontRef idx="minor">
+            <a:schemeClr val="tx1"/>
+          </a:fontRef>
+        </p:style>
+      </p:cxnSp>
+      <p:sp>
+        <p:nvSpPr>
+          <p:cNvPr id="4" name="TextBox 3">
+            <a:extLst>
+              <a:ext uri="{FF2B5EF4-FFF2-40B4-BE49-F238E27FC236}">
+                <a16:creationId xmlns:a16="http://schemas.microsoft.com/office/drawing/2014/main" id="{24949596-7C48-4EFF-919F-8FD4F1918F19}"/>
+              </a:ext>
+            </a:extLst>
+          </p:cNvPr>
+          <p:cNvSpPr txBox="1"/>
+          <p:nvPr/>
+        </p:nvSpPr>
+        <p:spPr>
+          <a:xfrm>
+            <a:off x="2988418" y="555392"/>
+            <a:ext cx="6215163" cy="646331"/>
+          </a:xfrm>
+          <a:prstGeom prst="rect">
+            <a:avLst/>
+          </a:prstGeom>
+          <a:noFill/>
+        </p:spPr>
+        <p:txBody>
+          <a:bodyPr wrap="none" rtlCol="0">
+            <a:spAutoFit/>
+          </a:bodyPr>
+          <a:lstStyle/>
+          <a:p>
+            <a:pPr lvl="0" defTabSz="457200"/>
+            <a:r>
+              <a:rPr lang="en-US" sz="3600" b="1" dirty="0">
+                <a:solidFill>
+                  <a:srgbClr val="335B74"/>
+                </a:solidFill>
+                <a:latin typeface="Lato Black"/>
+              </a:rPr>
+              <a:t>Mutation Implementation 1</a:t>
+            </a:r>
+          </a:p>
+        </p:txBody>
+      </p:sp>
+      <p:sp>
+        <p:nvSpPr>
+          <p:cNvPr id="7" name="Content Placeholder 2">
+            <a:extLst>
+              <a:ext uri="{FF2B5EF4-FFF2-40B4-BE49-F238E27FC236}">
+                <a16:creationId xmlns:a16="http://schemas.microsoft.com/office/drawing/2014/main" id="{8F8DB0B2-804C-4235-8BC1-40C8AE76165C}"/>
+              </a:ext>
+            </a:extLst>
+          </p:cNvPr>
+          <p:cNvSpPr txBox="1">
+            <a:spLocks/>
+          </p:cNvSpPr>
+          <p:nvPr/>
+        </p:nvSpPr>
+        <p:spPr>
+          <a:xfrm>
+            <a:off x="846357" y="1825625"/>
+            <a:ext cx="8484074" cy="4351338"/>
+          </a:xfrm>
+          <a:prstGeom prst="rect">
+            <a:avLst/>
+          </a:prstGeom>
+        </p:spPr>
+        <p:txBody>
+          <a:bodyPr/>
+          <a:lstStyle>
+            <a:lvl1pPr marL="228543" indent="-228543" algn="l" defTabSz="914172" rtl="0" eaLnBrk="1" latinLnBrk="0" hangingPunct="1">
+              <a:lnSpc>
+                <a:spcPct val="90000"/>
+              </a:lnSpc>
+              <a:spcBef>
+                <a:spcPts val="1000"/>
+              </a:spcBef>
+              <a:buFont typeface="Arial" panose="020B0604020202020204" pitchFamily="34" charset="0"/>
+              <a:buChar char="•"/>
+              <a:defRPr sz="2800" kern="1200">
+                <a:solidFill>
+                  <a:schemeClr val="tx1"/>
+                </a:solidFill>
+                <a:latin typeface="+mn-lt"/>
+                <a:ea typeface="+mn-ea"/>
+                <a:cs typeface="+mn-cs"/>
+              </a:defRPr>
+            </a:lvl1pPr>
+            <a:lvl2pPr marL="685629" indent="-228543" algn="l" defTabSz="914172" rtl="0" eaLnBrk="1" latinLnBrk="0" hangingPunct="1">
+              <a:lnSpc>
+                <a:spcPct val="90000"/>
+              </a:lnSpc>
+              <a:spcBef>
+                <a:spcPts val="500"/>
+              </a:spcBef>
+              <a:buFont typeface="Arial" panose="020B0604020202020204" pitchFamily="34" charset="0"/>
+              <a:buChar char="•"/>
+              <a:defRPr sz="2400" kern="1200">
+                <a:solidFill>
+                  <a:schemeClr val="tx1"/>
+                </a:solidFill>
+                <a:latin typeface="+mn-lt"/>
+                <a:ea typeface="+mn-ea"/>
+                <a:cs typeface="+mn-cs"/>
+              </a:defRPr>
+            </a:lvl2pPr>
+            <a:lvl3pPr marL="1142715" indent="-228543" algn="l" defTabSz="914172" rtl="0" eaLnBrk="1" latinLnBrk="0" hangingPunct="1">
+              <a:lnSpc>
+                <a:spcPct val="90000"/>
+              </a:lnSpc>
+              <a:spcBef>
+                <a:spcPts val="500"/>
+              </a:spcBef>
+              <a:buFont typeface="Arial" panose="020B0604020202020204" pitchFamily="34" charset="0"/>
+              <a:buChar char="•"/>
+              <a:defRPr sz="2000" kern="1200">
+                <a:solidFill>
+                  <a:schemeClr val="tx1"/>
+                </a:solidFill>
+                <a:latin typeface="+mn-lt"/>
+                <a:ea typeface="+mn-ea"/>
+                <a:cs typeface="+mn-cs"/>
+              </a:defRPr>
+            </a:lvl3pPr>
+            <a:lvl4pPr marL="1599800" indent="-228543" algn="l" defTabSz="914172" rtl="0" eaLnBrk="1" latinLnBrk="0" hangingPunct="1">
+              <a:lnSpc>
+                <a:spcPct val="90000"/>
+              </a:lnSpc>
+              <a:spcBef>
+                <a:spcPts val="500"/>
+              </a:spcBef>
+              <a:buFont typeface="Arial" panose="020B0604020202020204" pitchFamily="34" charset="0"/>
+              <a:buChar char="•"/>
+              <a:defRPr sz="1800" kern="1200">
+                <a:solidFill>
+                  <a:schemeClr val="tx1"/>
+                </a:solidFill>
+                <a:latin typeface="+mn-lt"/>
+                <a:ea typeface="+mn-ea"/>
+                <a:cs typeface="+mn-cs"/>
+              </a:defRPr>
+            </a:lvl4pPr>
+            <a:lvl5pPr marL="2056886" indent="-228543" algn="l" defTabSz="914172" rtl="0" eaLnBrk="1" latinLnBrk="0" hangingPunct="1">
+              <a:lnSpc>
+                <a:spcPct val="90000"/>
+              </a:lnSpc>
+              <a:spcBef>
+                <a:spcPts val="500"/>
+              </a:spcBef>
+              <a:buFont typeface="Arial" panose="020B0604020202020204" pitchFamily="34" charset="0"/>
+              <a:buChar char="•"/>
+              <a:defRPr sz="1800" kern="1200">
+                <a:solidFill>
+                  <a:schemeClr val="tx1"/>
+                </a:solidFill>
+                <a:latin typeface="+mn-lt"/>
+                <a:ea typeface="+mn-ea"/>
+                <a:cs typeface="+mn-cs"/>
+              </a:defRPr>
+            </a:lvl5pPr>
+            <a:lvl6pPr marL="2513972" indent="-228543" algn="l" defTabSz="914172" rtl="0" eaLnBrk="1" latinLnBrk="0" hangingPunct="1">
+              <a:lnSpc>
+                <a:spcPct val="90000"/>
+              </a:lnSpc>
+              <a:spcBef>
+                <a:spcPts val="500"/>
+              </a:spcBef>
+              <a:buFont typeface="Arial" panose="020B0604020202020204" pitchFamily="34" charset="0"/>
+              <a:buChar char="•"/>
+              <a:defRPr sz="1800" kern="1200">
+                <a:solidFill>
+                  <a:schemeClr val="tx1"/>
+                </a:solidFill>
+                <a:latin typeface="+mn-lt"/>
+                <a:ea typeface="+mn-ea"/>
+                <a:cs typeface="+mn-cs"/>
+              </a:defRPr>
+            </a:lvl6pPr>
+            <a:lvl7pPr marL="2971057" indent="-228543" algn="l" defTabSz="914172" rtl="0" eaLnBrk="1" latinLnBrk="0" hangingPunct="1">
+              <a:lnSpc>
+                <a:spcPct val="90000"/>
+              </a:lnSpc>
+              <a:spcBef>
+                <a:spcPts val="500"/>
+              </a:spcBef>
+              <a:buFont typeface="Arial" panose="020B0604020202020204" pitchFamily="34" charset="0"/>
+              <a:buChar char="•"/>
+              <a:defRPr sz="1800" kern="1200">
+                <a:solidFill>
+                  <a:schemeClr val="tx1"/>
+                </a:solidFill>
+                <a:latin typeface="+mn-lt"/>
+                <a:ea typeface="+mn-ea"/>
+                <a:cs typeface="+mn-cs"/>
+              </a:defRPr>
+            </a:lvl7pPr>
+            <a:lvl8pPr marL="3428143" indent="-228543" algn="l" defTabSz="914172" rtl="0" eaLnBrk="1" latinLnBrk="0" hangingPunct="1">
+              <a:lnSpc>
+                <a:spcPct val="90000"/>
+              </a:lnSpc>
+              <a:spcBef>
+                <a:spcPts val="500"/>
+              </a:spcBef>
+              <a:buFont typeface="Arial" panose="020B0604020202020204" pitchFamily="34" charset="0"/>
+              <a:buChar char="•"/>
+              <a:defRPr sz="1800" kern="1200">
+                <a:solidFill>
+                  <a:schemeClr val="tx1"/>
+                </a:solidFill>
+                <a:latin typeface="+mn-lt"/>
+                <a:ea typeface="+mn-ea"/>
+                <a:cs typeface="+mn-cs"/>
+              </a:defRPr>
+            </a:lvl8pPr>
+            <a:lvl9pPr marL="3885229" indent="-228543" algn="l" defTabSz="914172" rtl="0" eaLnBrk="1" latinLnBrk="0" hangingPunct="1">
+              <a:lnSpc>
+                <a:spcPct val="90000"/>
+              </a:lnSpc>
+              <a:spcBef>
+                <a:spcPts val="500"/>
+              </a:spcBef>
+              <a:buFont typeface="Arial" panose="020B0604020202020204" pitchFamily="34" charset="0"/>
+              <a:buChar char="•"/>
+              <a:defRPr sz="1800" kern="1200">
+                <a:solidFill>
+                  <a:schemeClr val="tx1"/>
+                </a:solidFill>
+                <a:latin typeface="+mn-lt"/>
+                <a:ea typeface="+mn-ea"/>
+                <a:cs typeface="+mn-cs"/>
+              </a:defRPr>
+            </a:lvl9pPr>
+          </a:lstStyle>
+          <a:p>
+            <a:pPr marL="0" lvl="0" indent="0">
+              <a:lnSpc>
+                <a:spcPct val="100000"/>
+              </a:lnSpc>
+              <a:buClr>
+                <a:srgbClr val="1CADE4"/>
+              </a:buClr>
+              <a:buSzPct val="130000"/>
+              <a:buNone/>
+              <a:defRPr/>
+            </a:pPr>
+            <a:r>
+              <a:rPr lang="en-US" sz="1600" dirty="0">
+                <a:solidFill>
+                  <a:schemeClr val="bg1">
+                    <a:lumMod val="50000"/>
+                  </a:schemeClr>
+                </a:solidFill>
+              </a:rPr>
+              <a:t>[[8, 4, 2, 9, 1, 2, 9, 8, 7],[9, 3, 4, 1, 4, 8, 9, 3, 2], [5, 2, </a:t>
+            </a:r>
+            <a:r>
+              <a:rPr lang="en-US" sz="1600" dirty="0">
+                <a:solidFill>
+                  <a:schemeClr val="accent1"/>
+                </a:solidFill>
+              </a:rPr>
+              <a:t>1</a:t>
+            </a:r>
+            <a:r>
+              <a:rPr lang="en-US" sz="1600" dirty="0">
+                <a:solidFill>
+                  <a:schemeClr val="bg1">
+                    <a:lumMod val="50000"/>
+                  </a:schemeClr>
+                </a:solidFill>
+              </a:rPr>
+              <a:t>, 7, 3, </a:t>
+            </a:r>
+            <a:r>
+              <a:rPr lang="en-US" sz="1600" dirty="0">
+                <a:solidFill>
+                  <a:schemeClr val="accent1"/>
+                </a:solidFill>
+              </a:rPr>
+              <a:t>4</a:t>
+            </a:r>
+            <a:r>
+              <a:rPr lang="en-US" sz="1600" dirty="0">
+                <a:solidFill>
+                  <a:schemeClr val="bg1">
+                    <a:lumMod val="50000"/>
+                  </a:schemeClr>
+                </a:solidFill>
+              </a:rPr>
+              <a:t>, 8, 8, 2],</a:t>
+            </a:r>
+          </a:p>
+          <a:p>
+            <a:pPr marL="0" lvl="0" indent="0">
+              <a:lnSpc>
+                <a:spcPct val="100000"/>
+              </a:lnSpc>
+              <a:buClr>
+                <a:srgbClr val="1CADE4"/>
+              </a:buClr>
+              <a:buSzPct val="130000"/>
+              <a:buNone/>
+              <a:defRPr/>
+            </a:pPr>
+            <a:r>
+              <a:rPr lang="en-US" sz="1600" dirty="0">
+                <a:solidFill>
+                  <a:schemeClr val="bg1">
+                    <a:lumMod val="50000"/>
+                  </a:schemeClr>
+                </a:solidFill>
+              </a:rPr>
+              <a:t>[8, 2, 9, 3, 2, 9, 5, 5, 8],  [7, 8, 2, 8, 9, 6, 2, 4, 9], [9, 7, 5, 4, 1, 9, 3, 7, 8], </a:t>
+            </a:r>
+          </a:p>
+          <a:p>
+            <a:pPr marL="0" lvl="0" indent="0">
+              <a:lnSpc>
+                <a:spcPct val="100000"/>
+              </a:lnSpc>
+              <a:buClr>
+                <a:srgbClr val="1CADE4"/>
+              </a:buClr>
+              <a:buSzPct val="130000"/>
+              <a:buNone/>
+              <a:defRPr/>
+            </a:pPr>
+            <a:r>
+              <a:rPr lang="en-US" sz="1600" dirty="0">
+                <a:solidFill>
+                  <a:schemeClr val="bg1">
+                    <a:lumMod val="50000"/>
+                  </a:schemeClr>
+                </a:solidFill>
+              </a:rPr>
+              <a:t> [6, 1, 4, 6, 3, 5, 2, 9, 4], [5, 1, 3, 7, 9, 7, 2, 9, 5], [4, 7, 7, 2, 8, 1, 6, 7, 4]]  </a:t>
+            </a:r>
+            <a:r>
+              <a:rPr lang="en-US" sz="1200" dirty="0">
+                <a:solidFill>
+                  <a:schemeClr val="bg1">
+                    <a:lumMod val="50000"/>
+                  </a:schemeClr>
+                </a:solidFill>
+              </a:rPr>
+              <a:t>	</a:t>
+            </a:r>
+            <a:r>
+              <a:rPr lang="en-US" sz="1600" b="1" dirty="0"/>
+              <a:t>fitness: 92</a:t>
+            </a:r>
+          </a:p>
+          <a:p>
+            <a:pPr marL="0" lvl="0" indent="0">
+              <a:lnSpc>
+                <a:spcPct val="150000"/>
+              </a:lnSpc>
+              <a:buClr>
+                <a:srgbClr val="1CADE4"/>
+              </a:buClr>
+              <a:buSzPct val="130000"/>
+              <a:buNone/>
+              <a:defRPr/>
+            </a:pPr>
+            <a:endParaRPr lang="en-US" sz="1200" dirty="0">
+              <a:latin typeface="Calibri" panose="020F0502020204030204"/>
+            </a:endParaRPr>
+          </a:p>
+          <a:p>
+            <a:pPr marL="0" lvl="0" indent="0">
+              <a:lnSpc>
+                <a:spcPct val="150000"/>
+              </a:lnSpc>
+              <a:buClr>
+                <a:srgbClr val="1CADE4"/>
+              </a:buClr>
+              <a:buSzPct val="130000"/>
+              <a:buNone/>
+              <a:defRPr/>
+            </a:pPr>
+            <a:r>
+              <a:rPr lang="en-US" sz="1600" dirty="0">
+                <a:solidFill>
+                  <a:schemeClr val="accent1"/>
+                </a:solidFill>
+              </a:rPr>
+              <a:t>block index: 2  </a:t>
+            </a:r>
+            <a:r>
+              <a:rPr lang="en-US" sz="1600" dirty="0" err="1">
+                <a:solidFill>
+                  <a:schemeClr val="accent1"/>
+                </a:solidFill>
+              </a:rPr>
+              <a:t>first_index</a:t>
+            </a:r>
+            <a:r>
+              <a:rPr lang="en-US" sz="1600" dirty="0">
+                <a:solidFill>
+                  <a:schemeClr val="accent1"/>
+                </a:solidFill>
+              </a:rPr>
+              <a:t>: 5 </a:t>
+            </a:r>
+            <a:r>
+              <a:rPr lang="en-US" sz="1600" dirty="0" err="1">
+                <a:solidFill>
+                  <a:schemeClr val="accent1"/>
+                </a:solidFill>
+              </a:rPr>
+              <a:t>second_index</a:t>
+            </a:r>
+            <a:r>
+              <a:rPr lang="en-US" sz="1600" dirty="0">
+                <a:solidFill>
+                  <a:schemeClr val="accent1"/>
+                </a:solidFill>
+              </a:rPr>
+              <a:t>: 2</a:t>
+            </a:r>
+          </a:p>
+          <a:p>
+            <a:pPr marL="0" lvl="0" indent="0">
+              <a:lnSpc>
+                <a:spcPct val="150000"/>
+              </a:lnSpc>
+              <a:buClr>
+                <a:srgbClr val="1CADE4"/>
+              </a:buClr>
+              <a:buSzPct val="130000"/>
+              <a:buNone/>
+              <a:defRPr/>
+            </a:pPr>
+            <a:endParaRPr lang="en-US" sz="1600" dirty="0">
+              <a:solidFill>
+                <a:schemeClr val="accent1"/>
+              </a:solidFill>
+            </a:endParaRPr>
+          </a:p>
+          <a:p>
+            <a:pPr marL="0" lvl="0" indent="0">
+              <a:lnSpc>
+                <a:spcPct val="150000"/>
+              </a:lnSpc>
+              <a:buClr>
+                <a:srgbClr val="1CADE4"/>
+              </a:buClr>
+              <a:buSzPct val="130000"/>
+              <a:buNone/>
+              <a:defRPr/>
+            </a:pPr>
+            <a:r>
+              <a:rPr lang="en-US" sz="1600" dirty="0">
+                <a:solidFill>
+                  <a:schemeClr val="bg1">
+                    <a:lumMod val="50000"/>
+                  </a:schemeClr>
+                </a:solidFill>
+              </a:rPr>
+              <a:t>[[8, 4, 2, 9, 1, 2, 9, 8, 7], [9, 3, 4, 1, 4, 8, 9, 3, 2],[5, 2, </a:t>
+            </a:r>
+            <a:r>
+              <a:rPr lang="en-US" sz="1600" dirty="0">
+                <a:solidFill>
+                  <a:schemeClr val="accent1"/>
+                </a:solidFill>
+              </a:rPr>
+              <a:t>4</a:t>
+            </a:r>
+            <a:r>
+              <a:rPr lang="en-US" sz="1600" dirty="0">
+                <a:solidFill>
+                  <a:schemeClr val="bg1">
+                    <a:lumMod val="50000"/>
+                  </a:schemeClr>
+                </a:solidFill>
+              </a:rPr>
+              <a:t>, 7, 3, </a:t>
+            </a:r>
+            <a:r>
+              <a:rPr lang="en-US" sz="1600" dirty="0">
+                <a:solidFill>
+                  <a:schemeClr val="accent1"/>
+                </a:solidFill>
+              </a:rPr>
+              <a:t>1</a:t>
+            </a:r>
+            <a:r>
+              <a:rPr lang="en-US" sz="1600" dirty="0">
+                <a:solidFill>
+                  <a:schemeClr val="bg1">
+                    <a:lumMod val="50000"/>
+                  </a:schemeClr>
+                </a:solidFill>
+              </a:rPr>
+              <a:t>, 8, 8, 2],</a:t>
+            </a:r>
+          </a:p>
+          <a:p>
+            <a:pPr marL="0" lvl="0" indent="0">
+              <a:lnSpc>
+                <a:spcPct val="150000"/>
+              </a:lnSpc>
+              <a:buClr>
+                <a:srgbClr val="1CADE4"/>
+              </a:buClr>
+              <a:buSzPct val="130000"/>
+              <a:buNone/>
+              <a:defRPr/>
+            </a:pPr>
+            <a:r>
+              <a:rPr lang="en-US" sz="1600" dirty="0">
+                <a:solidFill>
+                  <a:schemeClr val="bg1">
+                    <a:lumMod val="50000"/>
+                  </a:schemeClr>
+                </a:solidFill>
+              </a:rPr>
+              <a:t> [8, 2, 9, 3, 2, 9, 5, 5, 8],  [7, 8, 2, 8, 9, 6, 2, 4, 9], [9, 7, 5, 4, 1, 9, 3, 7, 8], </a:t>
+            </a:r>
+          </a:p>
+          <a:p>
+            <a:pPr marL="0" lvl="0" indent="0">
+              <a:lnSpc>
+                <a:spcPct val="150000"/>
+              </a:lnSpc>
+              <a:buClr>
+                <a:srgbClr val="1CADE4"/>
+              </a:buClr>
+              <a:buSzPct val="130000"/>
+              <a:buNone/>
+              <a:defRPr/>
+            </a:pPr>
+            <a:r>
+              <a:rPr lang="en-US" sz="1600" dirty="0">
+                <a:solidFill>
+                  <a:schemeClr val="bg1">
+                    <a:lumMod val="50000"/>
+                  </a:schemeClr>
+                </a:solidFill>
+              </a:rPr>
+              <a:t> [6, 1, 4, 6, 3, 5, 2, 9, 4], [5, 1, 3, 7, 9, 7, 2, 9, 5], [4, 7, 7, 2, 8, 1, 6, 7, 4]]  </a:t>
+            </a:r>
+            <a:r>
+              <a:rPr lang="en-US" sz="1200" dirty="0">
+                <a:solidFill>
+                  <a:schemeClr val="bg1">
+                    <a:lumMod val="50000"/>
+                  </a:schemeClr>
+                </a:solidFill>
+              </a:rPr>
+              <a:t>	</a:t>
+            </a:r>
+            <a:r>
+              <a:rPr lang="en-US" sz="1600" b="1" dirty="0"/>
+              <a:t>fitness: 92</a:t>
+            </a:r>
+          </a:p>
+        </p:txBody>
+      </p:sp>
+    </p:spTree>
+    <p:extLst>
+      <p:ext uri="{BB962C8B-B14F-4D97-AF65-F5344CB8AC3E}">
+        <p14:creationId xmlns:p14="http://schemas.microsoft.com/office/powerpoint/2010/main" val="2395365829"/>
+      </p:ext>
+    </p:extLst>
+  </p:cSld>
+  <p:clrMapOvr>
+    <a:masterClrMapping/>
+  </p:clrMapOvr>
+  <mc:AlternateContent xmlns:mc="http://schemas.openxmlformats.org/markup-compatibility/2006" xmlns:p14="http://schemas.microsoft.com/office/powerpoint/2010/main">
+    <mc:Choice Requires="p14">
+      <p:transition spd="med" p14:dur="700">
+        <p:fade/>
+      </p:transition>
+    </mc:Choice>
+    <mc:Fallback xmlns="">
+      <p:transition spd="med">
+        <p:fade/>
+      </p:transition>
+    </mc:Fallback>
+  </mc:AlternateContent>
+</p:sld>
+</file>
+
+<file path=ppt/slides/slide18.xml><?xml version="1.0" encoding="utf-8"?>
+<p:sld xmlns:a="http://schemas.openxmlformats.org/drawingml/2006/main" xmlns:r="http://schemas.openxmlformats.org/officeDocument/2006/relationships" xmlns:p="http://schemas.openxmlformats.org/presentationml/2006/main">
+  <p:cSld>
+    <p:spTree>
+      <p:nvGrpSpPr>
+        <p:cNvPr id="1" name=""/>
+        <p:cNvGrpSpPr/>
+        <p:nvPr/>
+      </p:nvGrpSpPr>
+      <p:grpSpPr>
+        <a:xfrm>
+          <a:off x="0" y="0"/>
+          <a:ext cx="0" cy="0"/>
+          <a:chOff x="0" y="0"/>
+          <a:chExt cx="0" cy="0"/>
+        </a:xfrm>
+      </p:grpSpPr>
+      <p:sp>
+        <p:nvSpPr>
+          <p:cNvPr id="2" name="Content Placeholder 2">
+            <a:extLst>
+              <a:ext uri="{FF2B5EF4-FFF2-40B4-BE49-F238E27FC236}">
+                <a16:creationId xmlns:a16="http://schemas.microsoft.com/office/drawing/2014/main" id="{9C2A21A1-9E91-4684-A5D4-B0220E27E177}"/>
+              </a:ext>
+            </a:extLst>
+          </p:cNvPr>
+          <p:cNvSpPr txBox="1">
+            <a:spLocks/>
+          </p:cNvSpPr>
+          <p:nvPr/>
+        </p:nvSpPr>
+        <p:spPr>
+          <a:xfrm>
+            <a:off x="838200" y="1825625"/>
+            <a:ext cx="10515600" cy="4351338"/>
+          </a:xfrm>
+          <a:prstGeom prst="rect">
+            <a:avLst/>
+          </a:prstGeom>
+        </p:spPr>
+        <p:txBody>
+          <a:bodyPr/>
+          <a:lstStyle>
+            <a:lvl1pPr marL="228543" indent="-228543" algn="l" defTabSz="914172" rtl="0" eaLnBrk="1" latinLnBrk="0" hangingPunct="1">
+              <a:lnSpc>
+                <a:spcPct val="90000"/>
+              </a:lnSpc>
+              <a:spcBef>
+                <a:spcPts val="1000"/>
+              </a:spcBef>
+              <a:buFont typeface="Arial" panose="020B0604020202020204" pitchFamily="34" charset="0"/>
+              <a:buChar char="•"/>
+              <a:defRPr sz="2800" kern="1200">
+                <a:solidFill>
+                  <a:schemeClr val="tx1"/>
+                </a:solidFill>
+                <a:latin typeface="+mn-lt"/>
+                <a:ea typeface="+mn-ea"/>
+                <a:cs typeface="+mn-cs"/>
+              </a:defRPr>
+            </a:lvl1pPr>
+            <a:lvl2pPr marL="685629" indent="-228543" algn="l" defTabSz="914172" rtl="0" eaLnBrk="1" latinLnBrk="0" hangingPunct="1">
+              <a:lnSpc>
+                <a:spcPct val="90000"/>
+              </a:lnSpc>
+              <a:spcBef>
+                <a:spcPts val="500"/>
+              </a:spcBef>
+              <a:buFont typeface="Arial" panose="020B0604020202020204" pitchFamily="34" charset="0"/>
+              <a:buChar char="•"/>
+              <a:defRPr sz="2400" kern="1200">
+                <a:solidFill>
+                  <a:schemeClr val="tx1"/>
+                </a:solidFill>
+                <a:latin typeface="+mn-lt"/>
+                <a:ea typeface="+mn-ea"/>
+                <a:cs typeface="+mn-cs"/>
+              </a:defRPr>
+            </a:lvl2pPr>
+            <a:lvl3pPr marL="1142715" indent="-228543" algn="l" defTabSz="914172" rtl="0" eaLnBrk="1" latinLnBrk="0" hangingPunct="1">
+              <a:lnSpc>
+                <a:spcPct val="90000"/>
+              </a:lnSpc>
+              <a:spcBef>
+                <a:spcPts val="500"/>
+              </a:spcBef>
+              <a:buFont typeface="Arial" panose="020B0604020202020204" pitchFamily="34" charset="0"/>
+              <a:buChar char="•"/>
+              <a:defRPr sz="2000" kern="1200">
+                <a:solidFill>
+                  <a:schemeClr val="tx1"/>
+                </a:solidFill>
+                <a:latin typeface="+mn-lt"/>
+                <a:ea typeface="+mn-ea"/>
+                <a:cs typeface="+mn-cs"/>
+              </a:defRPr>
+            </a:lvl3pPr>
+            <a:lvl4pPr marL="1599800" indent="-228543" algn="l" defTabSz="914172" rtl="0" eaLnBrk="1" latinLnBrk="0" hangingPunct="1">
+              <a:lnSpc>
+                <a:spcPct val="90000"/>
+              </a:lnSpc>
+              <a:spcBef>
+                <a:spcPts val="500"/>
+              </a:spcBef>
+              <a:buFont typeface="Arial" panose="020B0604020202020204" pitchFamily="34" charset="0"/>
+              <a:buChar char="•"/>
+              <a:defRPr sz="1800" kern="1200">
+                <a:solidFill>
+                  <a:schemeClr val="tx1"/>
+                </a:solidFill>
+                <a:latin typeface="+mn-lt"/>
+                <a:ea typeface="+mn-ea"/>
+                <a:cs typeface="+mn-cs"/>
+              </a:defRPr>
+            </a:lvl4pPr>
+            <a:lvl5pPr marL="2056886" indent="-228543" algn="l" defTabSz="914172" rtl="0" eaLnBrk="1" latinLnBrk="0" hangingPunct="1">
+              <a:lnSpc>
+                <a:spcPct val="90000"/>
+              </a:lnSpc>
+              <a:spcBef>
+                <a:spcPts val="500"/>
+              </a:spcBef>
+              <a:buFont typeface="Arial" panose="020B0604020202020204" pitchFamily="34" charset="0"/>
+              <a:buChar char="•"/>
+              <a:defRPr sz="1800" kern="1200">
+                <a:solidFill>
+                  <a:schemeClr val="tx1"/>
+                </a:solidFill>
+                <a:latin typeface="+mn-lt"/>
+                <a:ea typeface="+mn-ea"/>
+                <a:cs typeface="+mn-cs"/>
+              </a:defRPr>
+            </a:lvl5pPr>
+            <a:lvl6pPr marL="2513972" indent="-228543" algn="l" defTabSz="914172" rtl="0" eaLnBrk="1" latinLnBrk="0" hangingPunct="1">
+              <a:lnSpc>
+                <a:spcPct val="90000"/>
+              </a:lnSpc>
+              <a:spcBef>
+                <a:spcPts val="500"/>
+              </a:spcBef>
+              <a:buFont typeface="Arial" panose="020B0604020202020204" pitchFamily="34" charset="0"/>
+              <a:buChar char="•"/>
+              <a:defRPr sz="1800" kern="1200">
+                <a:solidFill>
+                  <a:schemeClr val="tx1"/>
+                </a:solidFill>
+                <a:latin typeface="+mn-lt"/>
+                <a:ea typeface="+mn-ea"/>
+                <a:cs typeface="+mn-cs"/>
+              </a:defRPr>
+            </a:lvl6pPr>
+            <a:lvl7pPr marL="2971057" indent="-228543" algn="l" defTabSz="914172" rtl="0" eaLnBrk="1" latinLnBrk="0" hangingPunct="1">
+              <a:lnSpc>
+                <a:spcPct val="90000"/>
+              </a:lnSpc>
+              <a:spcBef>
+                <a:spcPts val="500"/>
+              </a:spcBef>
+              <a:buFont typeface="Arial" panose="020B0604020202020204" pitchFamily="34" charset="0"/>
+              <a:buChar char="•"/>
+              <a:defRPr sz="1800" kern="1200">
+                <a:solidFill>
+                  <a:schemeClr val="tx1"/>
+                </a:solidFill>
+                <a:latin typeface="+mn-lt"/>
+                <a:ea typeface="+mn-ea"/>
+                <a:cs typeface="+mn-cs"/>
+              </a:defRPr>
+            </a:lvl7pPr>
+            <a:lvl8pPr marL="3428143" indent="-228543" algn="l" defTabSz="914172" rtl="0" eaLnBrk="1" latinLnBrk="0" hangingPunct="1">
+              <a:lnSpc>
+                <a:spcPct val="90000"/>
+              </a:lnSpc>
+              <a:spcBef>
+                <a:spcPts val="500"/>
+              </a:spcBef>
+              <a:buFont typeface="Arial" panose="020B0604020202020204" pitchFamily="34" charset="0"/>
+              <a:buChar char="•"/>
+              <a:defRPr sz="1800" kern="1200">
+                <a:solidFill>
+                  <a:schemeClr val="tx1"/>
+                </a:solidFill>
+                <a:latin typeface="+mn-lt"/>
+                <a:ea typeface="+mn-ea"/>
+                <a:cs typeface="+mn-cs"/>
+              </a:defRPr>
+            </a:lvl8pPr>
+            <a:lvl9pPr marL="3885229" indent="-228543" algn="l" defTabSz="914172" rtl="0" eaLnBrk="1" latinLnBrk="0" hangingPunct="1">
+              <a:lnSpc>
+                <a:spcPct val="90000"/>
+              </a:lnSpc>
+              <a:spcBef>
+                <a:spcPts val="500"/>
+              </a:spcBef>
+              <a:buFont typeface="Arial" panose="020B0604020202020204" pitchFamily="34" charset="0"/>
+              <a:buChar char="•"/>
+              <a:defRPr sz="1800" kern="1200">
+                <a:solidFill>
+                  <a:schemeClr val="tx1"/>
+                </a:solidFill>
+                <a:latin typeface="+mn-lt"/>
+                <a:ea typeface="+mn-ea"/>
+                <a:cs typeface="+mn-cs"/>
+              </a:defRPr>
+            </a:lvl9pPr>
+          </a:lstStyle>
+          <a:p>
+            <a:pPr marL="0" marR="0" lvl="0" indent="0" algn="l" defTabSz="914172" rtl="0" eaLnBrk="1" fontAlgn="auto" latinLnBrk="0" hangingPunct="1">
+              <a:lnSpc>
+                <a:spcPct val="100000"/>
+              </a:lnSpc>
+              <a:spcBef>
+                <a:spcPts val="1000"/>
+              </a:spcBef>
+              <a:spcAft>
+                <a:spcPts val="0"/>
+              </a:spcAft>
+              <a:buClr>
+                <a:srgbClr val="1CADE4"/>
+              </a:buClr>
+              <a:buSzPct val="130000"/>
+              <a:buNone/>
+              <a:tabLst/>
+              <a:defRPr/>
+            </a:pPr>
+            <a:endParaRPr lang="en-US" sz="1800" dirty="0">
+              <a:solidFill>
+                <a:schemeClr val="bg1">
+                  <a:lumMod val="50000"/>
+                </a:schemeClr>
+              </a:solidFill>
+            </a:endParaRPr>
+          </a:p>
+        </p:txBody>
+      </p:sp>
+      <p:cxnSp>
+        <p:nvCxnSpPr>
+          <p:cNvPr id="3" name="Straight Connector 2">
+            <a:extLst>
+              <a:ext uri="{FF2B5EF4-FFF2-40B4-BE49-F238E27FC236}">
+                <a16:creationId xmlns:a16="http://schemas.microsoft.com/office/drawing/2014/main" id="{63544D0C-9AF7-480B-B59A-0649F7532B5D}"/>
+              </a:ext>
+            </a:extLst>
+          </p:cNvPr>
+          <p:cNvCxnSpPr/>
+          <p:nvPr/>
+        </p:nvCxnSpPr>
+        <p:spPr>
+          <a:xfrm>
+            <a:off x="5805926" y="1409690"/>
+            <a:ext cx="596462" cy="0"/>
+          </a:xfrm>
+          <a:prstGeom prst="line">
+            <a:avLst/>
+          </a:prstGeom>
+          <a:ln w="57150">
+            <a:solidFill>
+              <a:schemeClr val="accent1"/>
+            </a:solidFill>
+          </a:ln>
+        </p:spPr>
+        <p:style>
+          <a:lnRef idx="1">
+            <a:schemeClr val="accent1"/>
+          </a:lnRef>
+          <a:fillRef idx="0">
+            <a:schemeClr val="accent1"/>
+          </a:fillRef>
+          <a:effectRef idx="0">
+            <a:schemeClr val="accent1"/>
+          </a:effectRef>
+          <a:fontRef idx="minor">
+            <a:schemeClr val="tx1"/>
+          </a:fontRef>
+        </p:style>
+      </p:cxnSp>
+      <p:sp>
+        <p:nvSpPr>
+          <p:cNvPr id="4" name="TextBox 3">
+            <a:extLst>
+              <a:ext uri="{FF2B5EF4-FFF2-40B4-BE49-F238E27FC236}">
+                <a16:creationId xmlns:a16="http://schemas.microsoft.com/office/drawing/2014/main" id="{24949596-7C48-4EFF-919F-8FD4F1918F19}"/>
+              </a:ext>
+            </a:extLst>
+          </p:cNvPr>
+          <p:cNvSpPr txBox="1"/>
+          <p:nvPr/>
+        </p:nvSpPr>
+        <p:spPr>
+          <a:xfrm>
+            <a:off x="2988418" y="555392"/>
+            <a:ext cx="6215163" cy="646331"/>
+          </a:xfrm>
+          <a:prstGeom prst="rect">
+            <a:avLst/>
+          </a:prstGeom>
+          <a:noFill/>
+        </p:spPr>
+        <p:txBody>
+          <a:bodyPr wrap="none" rtlCol="0">
+            <a:spAutoFit/>
+          </a:bodyPr>
+          <a:lstStyle/>
+          <a:p>
+            <a:pPr lvl="0" defTabSz="457200"/>
+            <a:r>
+              <a:rPr lang="en-US" sz="3600" b="1" dirty="0">
+                <a:solidFill>
+                  <a:srgbClr val="335B74"/>
+                </a:solidFill>
+                <a:latin typeface="Lato Black"/>
+              </a:rPr>
+              <a:t>Mutation Implementation 2</a:t>
+            </a:r>
+          </a:p>
+        </p:txBody>
+      </p:sp>
+      <p:sp>
+        <p:nvSpPr>
+          <p:cNvPr id="7" name="Content Placeholder 2">
+            <a:extLst>
+              <a:ext uri="{FF2B5EF4-FFF2-40B4-BE49-F238E27FC236}">
+                <a16:creationId xmlns:a16="http://schemas.microsoft.com/office/drawing/2014/main" id="{8F8DB0B2-804C-4235-8BC1-40C8AE76165C}"/>
+              </a:ext>
+            </a:extLst>
+          </p:cNvPr>
+          <p:cNvSpPr txBox="1">
+            <a:spLocks/>
+          </p:cNvSpPr>
+          <p:nvPr/>
+        </p:nvSpPr>
+        <p:spPr>
+          <a:xfrm>
+            <a:off x="846355" y="1825624"/>
+            <a:ext cx="10898802" cy="4767271"/>
+          </a:xfrm>
+          <a:prstGeom prst="rect">
+            <a:avLst/>
+          </a:prstGeom>
+        </p:spPr>
+        <p:txBody>
+          <a:bodyPr/>
+          <a:lstStyle>
+            <a:lvl1pPr marL="228543" indent="-228543" algn="l" defTabSz="914172" rtl="0" eaLnBrk="1" latinLnBrk="0" hangingPunct="1">
+              <a:lnSpc>
+                <a:spcPct val="90000"/>
+              </a:lnSpc>
+              <a:spcBef>
+                <a:spcPts val="1000"/>
+              </a:spcBef>
+              <a:buFont typeface="Arial" panose="020B0604020202020204" pitchFamily="34" charset="0"/>
+              <a:buChar char="•"/>
+              <a:defRPr sz="2800" kern="1200">
+                <a:solidFill>
+                  <a:schemeClr val="tx1"/>
+                </a:solidFill>
+                <a:latin typeface="+mn-lt"/>
+                <a:ea typeface="+mn-ea"/>
+                <a:cs typeface="+mn-cs"/>
+              </a:defRPr>
+            </a:lvl1pPr>
+            <a:lvl2pPr marL="685629" indent="-228543" algn="l" defTabSz="914172" rtl="0" eaLnBrk="1" latinLnBrk="0" hangingPunct="1">
+              <a:lnSpc>
+                <a:spcPct val="90000"/>
+              </a:lnSpc>
+              <a:spcBef>
+                <a:spcPts val="500"/>
+              </a:spcBef>
+              <a:buFont typeface="Arial" panose="020B0604020202020204" pitchFamily="34" charset="0"/>
+              <a:buChar char="•"/>
+              <a:defRPr sz="2400" kern="1200">
+                <a:solidFill>
+                  <a:schemeClr val="tx1"/>
+                </a:solidFill>
+                <a:latin typeface="+mn-lt"/>
+                <a:ea typeface="+mn-ea"/>
+                <a:cs typeface="+mn-cs"/>
+              </a:defRPr>
+            </a:lvl2pPr>
+            <a:lvl3pPr marL="1142715" indent="-228543" algn="l" defTabSz="914172" rtl="0" eaLnBrk="1" latinLnBrk="0" hangingPunct="1">
+              <a:lnSpc>
+                <a:spcPct val="90000"/>
+              </a:lnSpc>
+              <a:spcBef>
+                <a:spcPts val="500"/>
+              </a:spcBef>
+              <a:buFont typeface="Arial" panose="020B0604020202020204" pitchFamily="34" charset="0"/>
+              <a:buChar char="•"/>
+              <a:defRPr sz="2000" kern="1200">
+                <a:solidFill>
+                  <a:schemeClr val="tx1"/>
+                </a:solidFill>
+                <a:latin typeface="+mn-lt"/>
+                <a:ea typeface="+mn-ea"/>
+                <a:cs typeface="+mn-cs"/>
+              </a:defRPr>
+            </a:lvl3pPr>
+            <a:lvl4pPr marL="1599800" indent="-228543" algn="l" defTabSz="914172" rtl="0" eaLnBrk="1" latinLnBrk="0" hangingPunct="1">
+              <a:lnSpc>
+                <a:spcPct val="90000"/>
+              </a:lnSpc>
+              <a:spcBef>
+                <a:spcPts val="500"/>
+              </a:spcBef>
+              <a:buFont typeface="Arial" panose="020B0604020202020204" pitchFamily="34" charset="0"/>
+              <a:buChar char="•"/>
+              <a:defRPr sz="1800" kern="1200">
+                <a:solidFill>
+                  <a:schemeClr val="tx1"/>
+                </a:solidFill>
+                <a:latin typeface="+mn-lt"/>
+                <a:ea typeface="+mn-ea"/>
+                <a:cs typeface="+mn-cs"/>
+              </a:defRPr>
+            </a:lvl4pPr>
+            <a:lvl5pPr marL="2056886" indent="-228543" algn="l" defTabSz="914172" rtl="0" eaLnBrk="1" latinLnBrk="0" hangingPunct="1">
+              <a:lnSpc>
+                <a:spcPct val="90000"/>
+              </a:lnSpc>
+              <a:spcBef>
+                <a:spcPts val="500"/>
+              </a:spcBef>
+              <a:buFont typeface="Arial" panose="020B0604020202020204" pitchFamily="34" charset="0"/>
+              <a:buChar char="•"/>
+              <a:defRPr sz="1800" kern="1200">
+                <a:solidFill>
+                  <a:schemeClr val="tx1"/>
+                </a:solidFill>
+                <a:latin typeface="+mn-lt"/>
+                <a:ea typeface="+mn-ea"/>
+                <a:cs typeface="+mn-cs"/>
+              </a:defRPr>
+            </a:lvl5pPr>
+            <a:lvl6pPr marL="2513972" indent="-228543" algn="l" defTabSz="914172" rtl="0" eaLnBrk="1" latinLnBrk="0" hangingPunct="1">
+              <a:lnSpc>
+                <a:spcPct val="90000"/>
+              </a:lnSpc>
+              <a:spcBef>
+                <a:spcPts val="500"/>
+              </a:spcBef>
+              <a:buFont typeface="Arial" panose="020B0604020202020204" pitchFamily="34" charset="0"/>
+              <a:buChar char="•"/>
+              <a:defRPr sz="1800" kern="1200">
+                <a:solidFill>
+                  <a:schemeClr val="tx1"/>
+                </a:solidFill>
+                <a:latin typeface="+mn-lt"/>
+                <a:ea typeface="+mn-ea"/>
+                <a:cs typeface="+mn-cs"/>
+              </a:defRPr>
+            </a:lvl6pPr>
+            <a:lvl7pPr marL="2971057" indent="-228543" algn="l" defTabSz="914172" rtl="0" eaLnBrk="1" latinLnBrk="0" hangingPunct="1">
+              <a:lnSpc>
+                <a:spcPct val="90000"/>
+              </a:lnSpc>
+              <a:spcBef>
+                <a:spcPts val="500"/>
+              </a:spcBef>
+              <a:buFont typeface="Arial" panose="020B0604020202020204" pitchFamily="34" charset="0"/>
+              <a:buChar char="•"/>
+              <a:defRPr sz="1800" kern="1200">
+                <a:solidFill>
+                  <a:schemeClr val="tx1"/>
+                </a:solidFill>
+                <a:latin typeface="+mn-lt"/>
+                <a:ea typeface="+mn-ea"/>
+                <a:cs typeface="+mn-cs"/>
+              </a:defRPr>
+            </a:lvl7pPr>
+            <a:lvl8pPr marL="3428143" indent="-228543" algn="l" defTabSz="914172" rtl="0" eaLnBrk="1" latinLnBrk="0" hangingPunct="1">
+              <a:lnSpc>
+                <a:spcPct val="90000"/>
+              </a:lnSpc>
+              <a:spcBef>
+                <a:spcPts val="500"/>
+              </a:spcBef>
+              <a:buFont typeface="Arial" panose="020B0604020202020204" pitchFamily="34" charset="0"/>
+              <a:buChar char="•"/>
+              <a:defRPr sz="1800" kern="1200">
+                <a:solidFill>
+                  <a:schemeClr val="tx1"/>
+                </a:solidFill>
+                <a:latin typeface="+mn-lt"/>
+                <a:ea typeface="+mn-ea"/>
+                <a:cs typeface="+mn-cs"/>
+              </a:defRPr>
+            </a:lvl8pPr>
+            <a:lvl9pPr marL="3885229" indent="-228543" algn="l" defTabSz="914172" rtl="0" eaLnBrk="1" latinLnBrk="0" hangingPunct="1">
+              <a:lnSpc>
+                <a:spcPct val="90000"/>
+              </a:lnSpc>
+              <a:spcBef>
+                <a:spcPts val="500"/>
+              </a:spcBef>
+              <a:buFont typeface="Arial" panose="020B0604020202020204" pitchFamily="34" charset="0"/>
+              <a:buChar char="•"/>
+              <a:defRPr sz="1800" kern="1200">
+                <a:solidFill>
+                  <a:schemeClr val="tx1"/>
+                </a:solidFill>
+                <a:latin typeface="+mn-lt"/>
+                <a:ea typeface="+mn-ea"/>
+                <a:cs typeface="+mn-cs"/>
+              </a:defRPr>
+            </a:lvl9pPr>
+          </a:lstStyle>
+          <a:p>
+            <a:pPr marL="0" lvl="0" indent="0">
+              <a:lnSpc>
+                <a:spcPct val="100000"/>
+              </a:lnSpc>
+              <a:buClr>
+                <a:srgbClr val="1CADE4"/>
+              </a:buClr>
+              <a:buSzPct val="130000"/>
+              <a:buNone/>
+              <a:defRPr/>
+            </a:pPr>
+            <a:r>
+              <a:rPr lang="en-US" sz="1600" dirty="0">
+                <a:solidFill>
+                  <a:schemeClr val="bg1">
+                    <a:lumMod val="50000"/>
+                  </a:schemeClr>
+                </a:solidFill>
+              </a:rPr>
+              <a:t>[[</a:t>
+            </a:r>
+            <a:r>
+              <a:rPr lang="en-US" sz="1600" dirty="0">
+                <a:solidFill>
+                  <a:schemeClr val="accent1"/>
+                </a:solidFill>
+              </a:rPr>
+              <a:t>8</a:t>
+            </a:r>
+            <a:r>
+              <a:rPr lang="en-US" sz="1600" dirty="0">
+                <a:solidFill>
+                  <a:schemeClr val="bg1">
+                    <a:lumMod val="50000"/>
+                  </a:schemeClr>
+                </a:solidFill>
+              </a:rPr>
+              <a:t>, 4, 2, 9, 1, 2, 9, </a:t>
+            </a:r>
+            <a:r>
+              <a:rPr lang="en-US" sz="1600" dirty="0">
+                <a:solidFill>
+                  <a:schemeClr val="accent1"/>
+                </a:solidFill>
+              </a:rPr>
+              <a:t>8</a:t>
+            </a:r>
+            <a:r>
+              <a:rPr lang="en-US" sz="1600" dirty="0">
+                <a:solidFill>
+                  <a:schemeClr val="bg1">
+                    <a:lumMod val="50000"/>
+                  </a:schemeClr>
+                </a:solidFill>
+              </a:rPr>
+              <a:t>, 7],[9, 3, 4, 1, 4, 8, 9, </a:t>
+            </a:r>
+            <a:r>
+              <a:rPr lang="en-US" sz="1600" dirty="0">
+                <a:solidFill>
+                  <a:schemeClr val="accent1"/>
+                </a:solidFill>
+              </a:rPr>
+              <a:t>3</a:t>
+            </a:r>
+            <a:r>
+              <a:rPr lang="en-US" sz="1600" dirty="0">
+                <a:solidFill>
+                  <a:schemeClr val="bg1">
+                    <a:lumMod val="50000"/>
+                  </a:schemeClr>
+                </a:solidFill>
+              </a:rPr>
+              <a:t>, </a:t>
+            </a:r>
+            <a:r>
+              <a:rPr lang="en-US" sz="1600" dirty="0">
+                <a:solidFill>
+                  <a:schemeClr val="accent1"/>
+                </a:solidFill>
+              </a:rPr>
+              <a:t>2</a:t>
+            </a:r>
+            <a:r>
+              <a:rPr lang="en-US" sz="1600" dirty="0">
+                <a:solidFill>
+                  <a:schemeClr val="bg1">
+                    <a:lumMod val="50000"/>
+                  </a:schemeClr>
+                </a:solidFill>
+              </a:rPr>
+              <a:t>], [</a:t>
+            </a:r>
+            <a:r>
+              <a:rPr lang="en-US" sz="1600" dirty="0">
+                <a:solidFill>
+                  <a:schemeClr val="accent1"/>
+                </a:solidFill>
+              </a:rPr>
+              <a:t>5</a:t>
+            </a:r>
+            <a:r>
+              <a:rPr lang="en-US" sz="1600" dirty="0">
+                <a:solidFill>
+                  <a:schemeClr val="bg1">
+                    <a:lumMod val="50000"/>
+                  </a:schemeClr>
+                </a:solidFill>
+              </a:rPr>
+              <a:t>, 2, 1, 7, 3, </a:t>
+            </a:r>
+            <a:r>
+              <a:rPr lang="en-US" sz="1600" dirty="0">
+                <a:solidFill>
+                  <a:schemeClr val="accent1"/>
+                </a:solidFill>
+              </a:rPr>
+              <a:t>4</a:t>
+            </a:r>
+            <a:r>
+              <a:rPr lang="en-US" sz="1600" dirty="0">
+                <a:solidFill>
+                  <a:schemeClr val="bg1">
+                    <a:lumMod val="50000"/>
+                  </a:schemeClr>
+                </a:solidFill>
+              </a:rPr>
+              <a:t>, 8, 8, 2],</a:t>
+            </a:r>
+          </a:p>
+          <a:p>
+            <a:pPr marL="0" lvl="0" indent="0">
+              <a:lnSpc>
+                <a:spcPct val="100000"/>
+              </a:lnSpc>
+              <a:buClr>
+                <a:srgbClr val="1CADE4"/>
+              </a:buClr>
+              <a:buSzPct val="130000"/>
+              <a:buNone/>
+              <a:defRPr/>
+            </a:pPr>
+            <a:r>
+              <a:rPr lang="en-US" sz="1600" dirty="0">
+                <a:solidFill>
+                  <a:schemeClr val="bg1">
+                    <a:lumMod val="50000"/>
+                  </a:schemeClr>
+                </a:solidFill>
+              </a:rPr>
+              <a:t>[</a:t>
+            </a:r>
+            <a:r>
+              <a:rPr lang="en-US" sz="1600" dirty="0">
+                <a:solidFill>
+                  <a:schemeClr val="accent1"/>
+                </a:solidFill>
+              </a:rPr>
+              <a:t>8</a:t>
+            </a:r>
+            <a:r>
+              <a:rPr lang="en-US" sz="1600" dirty="0">
+                <a:solidFill>
+                  <a:schemeClr val="bg1">
+                    <a:lumMod val="50000"/>
+                  </a:schemeClr>
+                </a:solidFill>
+              </a:rPr>
+              <a:t>, 2, 9, 3, 2, </a:t>
+            </a:r>
+            <a:r>
+              <a:rPr lang="en-US" sz="1600" dirty="0">
+                <a:solidFill>
+                  <a:schemeClr val="accent1"/>
+                </a:solidFill>
+              </a:rPr>
+              <a:t>9</a:t>
+            </a:r>
+            <a:r>
+              <a:rPr lang="en-US" sz="1600" dirty="0">
+                <a:solidFill>
+                  <a:schemeClr val="bg1">
+                    <a:lumMod val="50000"/>
+                  </a:schemeClr>
+                </a:solidFill>
+              </a:rPr>
+              <a:t>, 5, 5, 8],  [7, 8, </a:t>
+            </a:r>
+            <a:r>
+              <a:rPr lang="en-US" sz="1600" dirty="0">
+                <a:solidFill>
+                  <a:schemeClr val="accent1"/>
+                </a:solidFill>
+              </a:rPr>
+              <a:t>2</a:t>
+            </a:r>
+            <a:r>
+              <a:rPr lang="en-US" sz="1600" dirty="0">
+                <a:solidFill>
+                  <a:schemeClr val="bg1">
+                    <a:lumMod val="50000"/>
+                  </a:schemeClr>
+                </a:solidFill>
+              </a:rPr>
+              <a:t>, </a:t>
+            </a:r>
+            <a:r>
+              <a:rPr lang="en-US" sz="1600" dirty="0">
+                <a:solidFill>
+                  <a:schemeClr val="accent1"/>
+                </a:solidFill>
+              </a:rPr>
+              <a:t>8</a:t>
+            </a:r>
+            <a:r>
+              <a:rPr lang="en-US" sz="1600" dirty="0">
+                <a:solidFill>
+                  <a:schemeClr val="bg1">
+                    <a:lumMod val="50000"/>
+                  </a:schemeClr>
+                </a:solidFill>
+              </a:rPr>
+              <a:t>, 9, 6, 2, 4, 9], [9, 7, </a:t>
+            </a:r>
+            <a:r>
+              <a:rPr lang="en-US" sz="1600" dirty="0">
+                <a:solidFill>
+                  <a:schemeClr val="accent1"/>
+                </a:solidFill>
+              </a:rPr>
+              <a:t>5</a:t>
+            </a:r>
+            <a:r>
+              <a:rPr lang="en-US" sz="1600" dirty="0">
+                <a:solidFill>
+                  <a:schemeClr val="bg1">
+                    <a:lumMod val="50000"/>
+                  </a:schemeClr>
+                </a:solidFill>
+              </a:rPr>
+              <a:t>, 4, 1, 9, </a:t>
+            </a:r>
+            <a:r>
+              <a:rPr lang="en-US" sz="1600" dirty="0">
+                <a:solidFill>
+                  <a:schemeClr val="accent1"/>
+                </a:solidFill>
+              </a:rPr>
+              <a:t>3</a:t>
+            </a:r>
+            <a:r>
+              <a:rPr lang="en-US" sz="1600" dirty="0">
+                <a:solidFill>
+                  <a:schemeClr val="bg1">
+                    <a:lumMod val="50000"/>
+                  </a:schemeClr>
+                </a:solidFill>
+              </a:rPr>
+              <a:t>, 7, 8], </a:t>
+            </a:r>
+          </a:p>
+          <a:p>
+            <a:pPr marL="0" lvl="0" indent="0">
+              <a:lnSpc>
+                <a:spcPct val="100000"/>
+              </a:lnSpc>
+              <a:buClr>
+                <a:srgbClr val="1CADE4"/>
+              </a:buClr>
+              <a:buSzPct val="130000"/>
+              <a:buNone/>
+              <a:defRPr/>
+            </a:pPr>
+            <a:r>
+              <a:rPr lang="en-US" sz="1600" dirty="0">
+                <a:solidFill>
+                  <a:schemeClr val="bg1">
+                    <a:lumMod val="50000"/>
+                  </a:schemeClr>
+                </a:solidFill>
+              </a:rPr>
+              <a:t> [6, 1, </a:t>
+            </a:r>
+            <a:r>
+              <a:rPr lang="en-US" sz="1600" dirty="0">
+                <a:solidFill>
+                  <a:schemeClr val="accent1"/>
+                </a:solidFill>
+              </a:rPr>
+              <a:t>4</a:t>
+            </a:r>
+            <a:r>
+              <a:rPr lang="en-US" sz="1600" dirty="0">
+                <a:solidFill>
+                  <a:schemeClr val="bg1">
+                    <a:lumMod val="50000"/>
+                  </a:schemeClr>
+                </a:solidFill>
+              </a:rPr>
+              <a:t>, 6, 3, 5, </a:t>
+            </a:r>
+            <a:r>
+              <a:rPr lang="en-US" sz="1600" dirty="0">
+                <a:solidFill>
+                  <a:schemeClr val="accent1"/>
+                </a:solidFill>
+              </a:rPr>
+              <a:t>2</a:t>
+            </a:r>
+            <a:r>
+              <a:rPr lang="en-US" sz="1600" dirty="0">
+                <a:solidFill>
+                  <a:schemeClr val="bg1">
+                    <a:lumMod val="50000"/>
+                  </a:schemeClr>
+                </a:solidFill>
+              </a:rPr>
+              <a:t>, 9, 4], [5, 1, 3, 7, </a:t>
+            </a:r>
+            <a:r>
+              <a:rPr lang="en-US" sz="1600" dirty="0">
+                <a:solidFill>
+                  <a:schemeClr val="accent1"/>
+                </a:solidFill>
+              </a:rPr>
+              <a:t>9</a:t>
+            </a:r>
+            <a:r>
+              <a:rPr lang="en-US" sz="1600" dirty="0">
+                <a:solidFill>
+                  <a:schemeClr val="bg1">
+                    <a:lumMod val="50000"/>
+                  </a:schemeClr>
+                </a:solidFill>
+              </a:rPr>
+              <a:t>, 7, 2, </a:t>
+            </a:r>
+            <a:r>
+              <a:rPr lang="en-US" sz="1600" dirty="0">
+                <a:solidFill>
+                  <a:schemeClr val="accent1"/>
+                </a:solidFill>
+              </a:rPr>
+              <a:t>9</a:t>
+            </a:r>
+            <a:r>
+              <a:rPr lang="en-US" sz="1600" dirty="0">
+                <a:solidFill>
+                  <a:schemeClr val="bg1">
+                    <a:lumMod val="50000"/>
+                  </a:schemeClr>
+                </a:solidFill>
+              </a:rPr>
+              <a:t>, 5], [4, </a:t>
+            </a:r>
+            <a:r>
+              <a:rPr lang="en-US" sz="1600" dirty="0">
+                <a:solidFill>
+                  <a:schemeClr val="accent1"/>
+                </a:solidFill>
+              </a:rPr>
+              <a:t>7</a:t>
+            </a:r>
+            <a:r>
+              <a:rPr lang="en-US" sz="1600" dirty="0">
+                <a:solidFill>
+                  <a:schemeClr val="bg1">
+                    <a:lumMod val="50000"/>
+                  </a:schemeClr>
+                </a:solidFill>
+              </a:rPr>
+              <a:t>, </a:t>
+            </a:r>
+            <a:r>
+              <a:rPr lang="en-US" sz="1600" dirty="0">
+                <a:solidFill>
+                  <a:schemeClr val="accent1"/>
+                </a:solidFill>
+              </a:rPr>
+              <a:t>7</a:t>
+            </a:r>
+            <a:r>
+              <a:rPr lang="en-US" sz="1600" dirty="0">
+                <a:solidFill>
+                  <a:schemeClr val="bg1">
+                    <a:lumMod val="50000"/>
+                  </a:schemeClr>
+                </a:solidFill>
+              </a:rPr>
+              <a:t>, 2, 8, 1, 6, 7, 4]]  </a:t>
+            </a:r>
+            <a:r>
+              <a:rPr lang="en-US" sz="1200" dirty="0">
+                <a:solidFill>
+                  <a:schemeClr val="bg1">
+                    <a:lumMod val="50000"/>
+                  </a:schemeClr>
+                </a:solidFill>
+              </a:rPr>
+              <a:t>	</a:t>
+            </a:r>
+            <a:r>
+              <a:rPr lang="en-US" sz="1600" b="1" dirty="0"/>
+              <a:t>fitness: 92</a:t>
+            </a:r>
+          </a:p>
+          <a:p>
+            <a:pPr marL="0" lvl="0" indent="0">
+              <a:lnSpc>
+                <a:spcPct val="150000"/>
+              </a:lnSpc>
+              <a:buClr>
+                <a:srgbClr val="1CADE4"/>
+              </a:buClr>
+              <a:buSzPct val="130000"/>
+              <a:buNone/>
+              <a:defRPr/>
+            </a:pPr>
+            <a:endParaRPr lang="en-US" sz="1200" dirty="0">
+              <a:latin typeface="Calibri" panose="020F0502020204030204"/>
+            </a:endParaRPr>
+          </a:p>
+          <a:p>
+            <a:pPr marL="0" lvl="0" indent="0">
+              <a:lnSpc>
+                <a:spcPct val="150000"/>
+              </a:lnSpc>
+              <a:buClr>
+                <a:srgbClr val="1CADE4"/>
+              </a:buClr>
+              <a:buSzPct val="130000"/>
+              <a:buNone/>
+              <a:defRPr/>
+            </a:pPr>
+            <a:r>
+              <a:rPr lang="en-US" sz="1400" dirty="0">
+                <a:solidFill>
+                  <a:schemeClr val="accent1"/>
+                </a:solidFill>
+              </a:rPr>
+              <a:t>block index: 0  </a:t>
+            </a:r>
+            <a:r>
+              <a:rPr lang="en-US" sz="1400" dirty="0" err="1">
+                <a:solidFill>
+                  <a:schemeClr val="accent1"/>
+                </a:solidFill>
+              </a:rPr>
+              <a:t>first_index</a:t>
+            </a:r>
+            <a:r>
+              <a:rPr lang="en-US" sz="1400" dirty="0">
+                <a:solidFill>
+                  <a:schemeClr val="accent1"/>
+                </a:solidFill>
+              </a:rPr>
+              <a:t>: 0  </a:t>
+            </a:r>
+            <a:r>
+              <a:rPr lang="en-US" sz="1400" dirty="0" err="1">
+                <a:solidFill>
+                  <a:schemeClr val="accent1"/>
+                </a:solidFill>
+              </a:rPr>
+              <a:t>second_index</a:t>
+            </a:r>
+            <a:r>
+              <a:rPr lang="en-US" sz="1400" dirty="0">
+                <a:solidFill>
+                  <a:schemeClr val="accent1"/>
+                </a:solidFill>
+              </a:rPr>
+              <a:t>: 7	block index: 1  </a:t>
+            </a:r>
+            <a:r>
+              <a:rPr lang="en-US" sz="1400" dirty="0" err="1">
+                <a:solidFill>
+                  <a:schemeClr val="accent1"/>
+                </a:solidFill>
+              </a:rPr>
+              <a:t>first_index</a:t>
+            </a:r>
+            <a:r>
+              <a:rPr lang="en-US" sz="1400" dirty="0">
+                <a:solidFill>
+                  <a:schemeClr val="accent1"/>
+                </a:solidFill>
+              </a:rPr>
+              <a:t>: 8  </a:t>
+            </a:r>
+            <a:r>
+              <a:rPr lang="en-US" sz="1400" dirty="0" err="1">
+                <a:solidFill>
+                  <a:schemeClr val="accent1"/>
+                </a:solidFill>
+              </a:rPr>
+              <a:t>second_index</a:t>
+            </a:r>
+            <a:r>
+              <a:rPr lang="en-US" sz="1400" dirty="0">
+                <a:solidFill>
+                  <a:schemeClr val="accent1"/>
+                </a:solidFill>
+              </a:rPr>
+              <a:t>: 7	block index: 2  </a:t>
+            </a:r>
+            <a:r>
+              <a:rPr lang="en-US" sz="1400" dirty="0" err="1">
+                <a:solidFill>
+                  <a:schemeClr val="accent1"/>
+                </a:solidFill>
+              </a:rPr>
+              <a:t>first_index</a:t>
+            </a:r>
+            <a:r>
+              <a:rPr lang="en-US" sz="1400" dirty="0">
+                <a:solidFill>
+                  <a:schemeClr val="accent1"/>
+                </a:solidFill>
+              </a:rPr>
+              <a:t>: 0  </a:t>
+            </a:r>
+            <a:r>
+              <a:rPr lang="en-US" sz="1400" dirty="0" err="1">
+                <a:solidFill>
+                  <a:schemeClr val="accent1"/>
+                </a:solidFill>
+              </a:rPr>
+              <a:t>second_index</a:t>
+            </a:r>
+            <a:r>
+              <a:rPr lang="en-US" sz="1400" dirty="0">
+                <a:solidFill>
+                  <a:schemeClr val="accent1"/>
+                </a:solidFill>
+              </a:rPr>
+              <a:t>: 5</a:t>
+            </a:r>
+          </a:p>
+          <a:p>
+            <a:pPr marL="0" lvl="0" indent="0">
+              <a:lnSpc>
+                <a:spcPct val="150000"/>
+              </a:lnSpc>
+              <a:buClr>
+                <a:srgbClr val="1CADE4"/>
+              </a:buClr>
+              <a:buSzPct val="130000"/>
+              <a:buNone/>
+              <a:defRPr/>
+            </a:pPr>
+            <a:r>
+              <a:rPr lang="en-US" sz="1400" dirty="0">
+                <a:solidFill>
+                  <a:schemeClr val="accent1"/>
+                </a:solidFill>
+              </a:rPr>
+              <a:t>block index: 3  </a:t>
+            </a:r>
+            <a:r>
+              <a:rPr lang="en-US" sz="1400" dirty="0" err="1">
+                <a:solidFill>
+                  <a:schemeClr val="accent1"/>
+                </a:solidFill>
+              </a:rPr>
+              <a:t>first_index</a:t>
+            </a:r>
+            <a:r>
+              <a:rPr lang="en-US" sz="1400" dirty="0">
+                <a:solidFill>
+                  <a:schemeClr val="accent1"/>
+                </a:solidFill>
+              </a:rPr>
+              <a:t>: 5  </a:t>
+            </a:r>
+            <a:r>
+              <a:rPr lang="en-US" sz="1400" dirty="0" err="1">
+                <a:solidFill>
+                  <a:schemeClr val="accent1"/>
+                </a:solidFill>
+              </a:rPr>
+              <a:t>second_index</a:t>
+            </a:r>
+            <a:r>
+              <a:rPr lang="en-US" sz="1400" dirty="0">
+                <a:solidFill>
+                  <a:schemeClr val="accent1"/>
+                </a:solidFill>
+              </a:rPr>
+              <a:t>: 0	block index: 4  </a:t>
+            </a:r>
+            <a:r>
+              <a:rPr lang="en-US" sz="1400" dirty="0" err="1">
+                <a:solidFill>
+                  <a:schemeClr val="accent1"/>
+                </a:solidFill>
+              </a:rPr>
+              <a:t>first_index</a:t>
+            </a:r>
+            <a:r>
+              <a:rPr lang="en-US" sz="1400" dirty="0">
+                <a:solidFill>
+                  <a:schemeClr val="accent1"/>
+                </a:solidFill>
+              </a:rPr>
+              <a:t>: 2  </a:t>
+            </a:r>
+            <a:r>
+              <a:rPr lang="en-US" sz="1400" dirty="0" err="1">
+                <a:solidFill>
+                  <a:schemeClr val="accent1"/>
+                </a:solidFill>
+              </a:rPr>
+              <a:t>second_index</a:t>
+            </a:r>
+            <a:r>
+              <a:rPr lang="en-US" sz="1400" dirty="0">
+                <a:solidFill>
+                  <a:schemeClr val="accent1"/>
+                </a:solidFill>
+              </a:rPr>
+              <a:t>: 3	block index: 5  </a:t>
+            </a:r>
+            <a:r>
+              <a:rPr lang="en-US" sz="1400" dirty="0" err="1">
+                <a:solidFill>
+                  <a:schemeClr val="accent1"/>
+                </a:solidFill>
+              </a:rPr>
+              <a:t>first_index</a:t>
+            </a:r>
+            <a:r>
+              <a:rPr lang="en-US" sz="1400" dirty="0">
+                <a:solidFill>
+                  <a:schemeClr val="accent1"/>
+                </a:solidFill>
+              </a:rPr>
+              <a:t>: 2  </a:t>
+            </a:r>
+            <a:r>
+              <a:rPr lang="en-US" sz="1400" dirty="0" err="1">
+                <a:solidFill>
+                  <a:schemeClr val="accent1"/>
+                </a:solidFill>
+              </a:rPr>
+              <a:t>second_index</a:t>
+            </a:r>
+            <a:r>
+              <a:rPr lang="en-US" sz="1400" dirty="0">
+                <a:solidFill>
+                  <a:schemeClr val="accent1"/>
+                </a:solidFill>
+              </a:rPr>
+              <a:t>: 6</a:t>
+            </a:r>
+          </a:p>
+          <a:p>
+            <a:pPr marL="0" lvl="0" indent="0">
+              <a:lnSpc>
+                <a:spcPct val="150000"/>
+              </a:lnSpc>
+              <a:buClr>
+                <a:srgbClr val="1CADE4"/>
+              </a:buClr>
+              <a:buSzPct val="130000"/>
+              <a:buNone/>
+              <a:defRPr/>
+            </a:pPr>
+            <a:r>
+              <a:rPr lang="en-US" sz="1400" dirty="0">
+                <a:solidFill>
+                  <a:schemeClr val="accent1"/>
+                </a:solidFill>
+              </a:rPr>
+              <a:t>block index: 6  </a:t>
+            </a:r>
+            <a:r>
+              <a:rPr lang="en-US" sz="1400" dirty="0" err="1">
+                <a:solidFill>
+                  <a:schemeClr val="accent1"/>
+                </a:solidFill>
+              </a:rPr>
+              <a:t>first_index</a:t>
+            </a:r>
+            <a:r>
+              <a:rPr lang="en-US" sz="1400" dirty="0">
+                <a:solidFill>
+                  <a:schemeClr val="accent1"/>
+                </a:solidFill>
+              </a:rPr>
+              <a:t>: 2  </a:t>
+            </a:r>
+            <a:r>
+              <a:rPr lang="en-US" sz="1400" dirty="0" err="1">
+                <a:solidFill>
+                  <a:schemeClr val="accent1"/>
+                </a:solidFill>
+              </a:rPr>
+              <a:t>second_index</a:t>
+            </a:r>
+            <a:r>
+              <a:rPr lang="en-US" sz="1400" dirty="0">
+                <a:solidFill>
+                  <a:schemeClr val="accent1"/>
+                </a:solidFill>
+              </a:rPr>
+              <a:t>: 6	block index: 7  </a:t>
+            </a:r>
+            <a:r>
+              <a:rPr lang="en-US" sz="1400" dirty="0" err="1">
+                <a:solidFill>
+                  <a:schemeClr val="accent1"/>
+                </a:solidFill>
+              </a:rPr>
+              <a:t>first_index</a:t>
+            </a:r>
+            <a:r>
+              <a:rPr lang="en-US" sz="1400" dirty="0">
+                <a:solidFill>
+                  <a:schemeClr val="accent1"/>
+                </a:solidFill>
+              </a:rPr>
+              <a:t>: 4  </a:t>
+            </a:r>
+            <a:r>
+              <a:rPr lang="en-US" sz="1400" dirty="0" err="1">
+                <a:solidFill>
+                  <a:schemeClr val="accent1"/>
+                </a:solidFill>
+              </a:rPr>
+              <a:t>second_index</a:t>
+            </a:r>
+            <a:r>
+              <a:rPr lang="en-US" sz="1400" dirty="0">
+                <a:solidFill>
+                  <a:schemeClr val="accent1"/>
+                </a:solidFill>
+              </a:rPr>
+              <a:t>: 7	block index: 8  </a:t>
+            </a:r>
+            <a:r>
+              <a:rPr lang="en-US" sz="1400" dirty="0" err="1">
+                <a:solidFill>
+                  <a:schemeClr val="accent1"/>
+                </a:solidFill>
+              </a:rPr>
+              <a:t>first_index</a:t>
+            </a:r>
+            <a:r>
+              <a:rPr lang="en-US" sz="1400" dirty="0">
+                <a:solidFill>
+                  <a:schemeClr val="accent1"/>
+                </a:solidFill>
+              </a:rPr>
+              <a:t>: 2  </a:t>
+            </a:r>
+            <a:r>
+              <a:rPr lang="en-US" sz="1400" dirty="0" err="1">
+                <a:solidFill>
+                  <a:schemeClr val="accent1"/>
+                </a:solidFill>
+              </a:rPr>
+              <a:t>second_index</a:t>
+            </a:r>
+            <a:r>
+              <a:rPr lang="en-US" sz="1400" dirty="0">
+                <a:solidFill>
+                  <a:schemeClr val="accent1"/>
+                </a:solidFill>
+              </a:rPr>
+              <a:t>: 1</a:t>
+            </a:r>
+          </a:p>
+          <a:p>
+            <a:pPr marL="0" lvl="0" indent="0">
+              <a:lnSpc>
+                <a:spcPct val="150000"/>
+              </a:lnSpc>
+              <a:buClr>
+                <a:srgbClr val="1CADE4"/>
+              </a:buClr>
+              <a:buSzPct val="130000"/>
+              <a:buNone/>
+              <a:defRPr/>
+            </a:pPr>
+            <a:endParaRPr lang="en-US" sz="1200" dirty="0">
+              <a:solidFill>
+                <a:schemeClr val="accent1"/>
+              </a:solidFill>
+            </a:endParaRPr>
+          </a:p>
+          <a:p>
+            <a:pPr marL="0" lvl="0" indent="0">
+              <a:lnSpc>
+                <a:spcPct val="150000"/>
+              </a:lnSpc>
+              <a:buClr>
+                <a:srgbClr val="1CADE4"/>
+              </a:buClr>
+              <a:buSzPct val="130000"/>
+              <a:buNone/>
+              <a:defRPr/>
+            </a:pPr>
+            <a:r>
+              <a:rPr lang="en-US" sz="1600" dirty="0">
+                <a:solidFill>
+                  <a:schemeClr val="bg1">
+                    <a:lumMod val="50000"/>
+                  </a:schemeClr>
+                </a:solidFill>
+              </a:rPr>
+              <a:t>[[</a:t>
+            </a:r>
+            <a:r>
+              <a:rPr lang="en-US" sz="1600" dirty="0">
+                <a:solidFill>
+                  <a:schemeClr val="accent1"/>
+                </a:solidFill>
+              </a:rPr>
+              <a:t>8</a:t>
+            </a:r>
+            <a:r>
+              <a:rPr lang="en-US" sz="1600" dirty="0">
+                <a:solidFill>
+                  <a:schemeClr val="bg1">
+                    <a:lumMod val="50000"/>
+                  </a:schemeClr>
+                </a:solidFill>
+              </a:rPr>
+              <a:t>, 4, 2, 9, 1, 2, 9, </a:t>
+            </a:r>
+            <a:r>
+              <a:rPr lang="en-US" sz="1600" dirty="0">
+                <a:solidFill>
+                  <a:schemeClr val="accent1"/>
+                </a:solidFill>
+              </a:rPr>
+              <a:t>8</a:t>
+            </a:r>
+            <a:r>
+              <a:rPr lang="en-US" sz="1600" dirty="0">
+                <a:solidFill>
+                  <a:schemeClr val="bg1">
+                    <a:lumMod val="50000"/>
+                  </a:schemeClr>
+                </a:solidFill>
+              </a:rPr>
+              <a:t>, 7], [9, 3, 4, 1, 4, 8, 9, </a:t>
+            </a:r>
+            <a:r>
+              <a:rPr lang="en-US" sz="1600" dirty="0">
+                <a:solidFill>
+                  <a:schemeClr val="accent1"/>
+                </a:solidFill>
+              </a:rPr>
+              <a:t>2</a:t>
+            </a:r>
+            <a:r>
+              <a:rPr lang="en-US" sz="1600" dirty="0">
+                <a:solidFill>
+                  <a:schemeClr val="bg1">
+                    <a:lumMod val="50000"/>
+                  </a:schemeClr>
+                </a:solidFill>
+              </a:rPr>
+              <a:t>, </a:t>
+            </a:r>
+            <a:r>
+              <a:rPr lang="en-US" sz="1600" dirty="0">
+                <a:solidFill>
+                  <a:schemeClr val="accent1"/>
+                </a:solidFill>
+              </a:rPr>
+              <a:t>3</a:t>
+            </a:r>
+            <a:r>
+              <a:rPr lang="en-US" sz="1600" dirty="0">
+                <a:solidFill>
+                  <a:schemeClr val="bg1">
+                    <a:lumMod val="50000"/>
+                  </a:schemeClr>
+                </a:solidFill>
+              </a:rPr>
+              <a:t>],[</a:t>
+            </a:r>
+            <a:r>
+              <a:rPr lang="en-US" sz="1600" dirty="0">
+                <a:solidFill>
+                  <a:schemeClr val="accent1"/>
+                </a:solidFill>
+              </a:rPr>
+              <a:t>1</a:t>
+            </a:r>
+            <a:r>
+              <a:rPr lang="en-US" sz="1600" dirty="0">
+                <a:solidFill>
+                  <a:schemeClr val="bg1">
+                    <a:lumMod val="50000"/>
+                  </a:schemeClr>
+                </a:solidFill>
+              </a:rPr>
+              <a:t>, 2, 4, 7, 3, </a:t>
+            </a:r>
+            <a:r>
+              <a:rPr lang="en-US" sz="1600" dirty="0">
+                <a:solidFill>
+                  <a:schemeClr val="accent1"/>
+                </a:solidFill>
+              </a:rPr>
+              <a:t>5</a:t>
+            </a:r>
+            <a:r>
+              <a:rPr lang="en-US" sz="1600" dirty="0">
+                <a:solidFill>
+                  <a:schemeClr val="bg1">
+                    <a:lumMod val="50000"/>
+                  </a:schemeClr>
+                </a:solidFill>
+              </a:rPr>
+              <a:t>, 8, 8, 2], </a:t>
+            </a:r>
+          </a:p>
+          <a:p>
+            <a:pPr marL="0" lvl="0" indent="0">
+              <a:lnSpc>
+                <a:spcPct val="150000"/>
+              </a:lnSpc>
+              <a:buClr>
+                <a:srgbClr val="1CADE4"/>
+              </a:buClr>
+              <a:buSzPct val="130000"/>
+              <a:buNone/>
+              <a:defRPr/>
+            </a:pPr>
+            <a:r>
+              <a:rPr lang="en-US" sz="1600" dirty="0">
+                <a:solidFill>
+                  <a:schemeClr val="bg1">
+                    <a:lumMod val="50000"/>
+                  </a:schemeClr>
+                </a:solidFill>
+              </a:rPr>
+              <a:t>[</a:t>
+            </a:r>
+            <a:r>
+              <a:rPr lang="en-US" sz="1600" dirty="0">
+                <a:solidFill>
+                  <a:schemeClr val="accent1"/>
+                </a:solidFill>
+              </a:rPr>
+              <a:t>9</a:t>
+            </a:r>
+            <a:r>
+              <a:rPr lang="en-US" sz="1600" dirty="0">
+                <a:solidFill>
+                  <a:schemeClr val="bg1">
+                    <a:lumMod val="50000"/>
+                  </a:schemeClr>
+                </a:solidFill>
+              </a:rPr>
+              <a:t>, 2, 9, 3, 2, </a:t>
+            </a:r>
+            <a:r>
+              <a:rPr lang="en-US" sz="1600" dirty="0">
+                <a:solidFill>
+                  <a:schemeClr val="accent1"/>
+                </a:solidFill>
+              </a:rPr>
+              <a:t>8</a:t>
+            </a:r>
+            <a:r>
+              <a:rPr lang="en-US" sz="1600" dirty="0">
+                <a:solidFill>
+                  <a:schemeClr val="bg1">
+                    <a:lumMod val="50000"/>
+                  </a:schemeClr>
+                </a:solidFill>
+              </a:rPr>
+              <a:t>, 5, 5, 8],  [7, 8, </a:t>
+            </a:r>
+            <a:r>
+              <a:rPr lang="en-US" sz="1600" dirty="0">
+                <a:solidFill>
+                  <a:schemeClr val="accent1"/>
+                </a:solidFill>
+              </a:rPr>
+              <a:t>8</a:t>
+            </a:r>
+            <a:r>
+              <a:rPr lang="en-US" sz="1600" dirty="0">
+                <a:solidFill>
+                  <a:schemeClr val="bg1">
+                    <a:lumMod val="50000"/>
+                  </a:schemeClr>
+                </a:solidFill>
+              </a:rPr>
+              <a:t>, </a:t>
+            </a:r>
+            <a:r>
+              <a:rPr lang="en-US" sz="1600" dirty="0">
+                <a:solidFill>
+                  <a:schemeClr val="accent1"/>
+                </a:solidFill>
+              </a:rPr>
+              <a:t>2</a:t>
+            </a:r>
+            <a:r>
+              <a:rPr lang="en-US" sz="1600" dirty="0">
+                <a:solidFill>
+                  <a:schemeClr val="bg1">
+                    <a:lumMod val="50000"/>
+                  </a:schemeClr>
+                </a:solidFill>
+              </a:rPr>
+              <a:t>, 9, 6, 2, 4, 9], [9, 7, </a:t>
+            </a:r>
+            <a:r>
+              <a:rPr lang="en-US" sz="1600" dirty="0">
+                <a:solidFill>
+                  <a:schemeClr val="accent1"/>
+                </a:solidFill>
+              </a:rPr>
+              <a:t>3</a:t>
+            </a:r>
+            <a:r>
+              <a:rPr lang="en-US" sz="1600" dirty="0">
+                <a:solidFill>
+                  <a:schemeClr val="bg1">
+                    <a:lumMod val="50000"/>
+                  </a:schemeClr>
+                </a:solidFill>
+              </a:rPr>
+              <a:t>, 4, 1, 9, </a:t>
+            </a:r>
+            <a:r>
+              <a:rPr lang="en-US" sz="1600" dirty="0">
+                <a:solidFill>
+                  <a:schemeClr val="accent1"/>
+                </a:solidFill>
+              </a:rPr>
+              <a:t>5</a:t>
+            </a:r>
+            <a:r>
+              <a:rPr lang="en-US" sz="1600" dirty="0">
+                <a:solidFill>
+                  <a:schemeClr val="bg1">
+                    <a:lumMod val="50000"/>
+                  </a:schemeClr>
+                </a:solidFill>
+              </a:rPr>
+              <a:t>, 7, 8], </a:t>
+            </a:r>
+          </a:p>
+          <a:p>
+            <a:pPr marL="0" lvl="0" indent="0">
+              <a:lnSpc>
+                <a:spcPct val="150000"/>
+              </a:lnSpc>
+              <a:buClr>
+                <a:srgbClr val="1CADE4"/>
+              </a:buClr>
+              <a:buSzPct val="130000"/>
+              <a:buNone/>
+              <a:defRPr/>
+            </a:pPr>
+            <a:r>
+              <a:rPr lang="en-US" sz="1600" dirty="0">
+                <a:solidFill>
+                  <a:schemeClr val="bg1">
+                    <a:lumMod val="50000"/>
+                  </a:schemeClr>
+                </a:solidFill>
+              </a:rPr>
+              <a:t> [6, 1, </a:t>
+            </a:r>
+            <a:r>
+              <a:rPr lang="en-US" sz="1600" dirty="0">
+                <a:solidFill>
+                  <a:schemeClr val="accent1"/>
+                </a:solidFill>
+              </a:rPr>
+              <a:t>2</a:t>
+            </a:r>
+            <a:r>
+              <a:rPr lang="en-US" sz="1600" dirty="0">
+                <a:solidFill>
+                  <a:schemeClr val="bg1">
+                    <a:lumMod val="50000"/>
+                  </a:schemeClr>
+                </a:solidFill>
+              </a:rPr>
+              <a:t>, 6, 3, 5, </a:t>
+            </a:r>
+            <a:r>
+              <a:rPr lang="en-US" sz="1600" dirty="0">
+                <a:solidFill>
+                  <a:schemeClr val="accent1"/>
+                </a:solidFill>
+              </a:rPr>
+              <a:t>4</a:t>
+            </a:r>
+            <a:r>
+              <a:rPr lang="en-US" sz="1600" dirty="0">
+                <a:solidFill>
+                  <a:schemeClr val="bg1">
+                    <a:lumMod val="50000"/>
+                  </a:schemeClr>
+                </a:solidFill>
+              </a:rPr>
+              <a:t>, 9, 4], [5, 1, 3, 7, </a:t>
+            </a:r>
+            <a:r>
+              <a:rPr lang="en-US" sz="1600" dirty="0">
+                <a:solidFill>
+                  <a:schemeClr val="accent1"/>
+                </a:solidFill>
+              </a:rPr>
+              <a:t>9</a:t>
+            </a:r>
+            <a:r>
+              <a:rPr lang="en-US" sz="1600" dirty="0">
+                <a:solidFill>
+                  <a:schemeClr val="bg1">
+                    <a:lumMod val="50000"/>
+                  </a:schemeClr>
+                </a:solidFill>
+              </a:rPr>
+              <a:t>, 7, 2, </a:t>
+            </a:r>
+            <a:r>
+              <a:rPr lang="en-US" sz="1600" dirty="0">
+                <a:solidFill>
+                  <a:schemeClr val="accent1"/>
+                </a:solidFill>
+              </a:rPr>
+              <a:t>9</a:t>
+            </a:r>
+            <a:r>
+              <a:rPr lang="en-US" sz="1600" dirty="0">
+                <a:solidFill>
+                  <a:schemeClr val="bg1">
+                    <a:lumMod val="50000"/>
+                  </a:schemeClr>
+                </a:solidFill>
+              </a:rPr>
+              <a:t>, 5], [4, </a:t>
+            </a:r>
+            <a:r>
+              <a:rPr lang="en-US" sz="1600" dirty="0">
+                <a:solidFill>
+                  <a:schemeClr val="accent1"/>
+                </a:solidFill>
+              </a:rPr>
+              <a:t>7</a:t>
+            </a:r>
+            <a:r>
+              <a:rPr lang="en-US" sz="1600" dirty="0">
+                <a:solidFill>
+                  <a:schemeClr val="bg1">
+                    <a:lumMod val="50000"/>
+                  </a:schemeClr>
+                </a:solidFill>
+              </a:rPr>
+              <a:t>, </a:t>
+            </a:r>
+            <a:r>
+              <a:rPr lang="en-US" sz="1600" dirty="0">
+                <a:solidFill>
+                  <a:schemeClr val="accent1"/>
+                </a:solidFill>
+              </a:rPr>
+              <a:t>7</a:t>
+            </a:r>
+            <a:r>
+              <a:rPr lang="en-US" sz="1600" dirty="0">
+                <a:solidFill>
+                  <a:schemeClr val="bg1">
+                    <a:lumMod val="50000"/>
+                  </a:schemeClr>
+                </a:solidFill>
+              </a:rPr>
+              <a:t>, 2, 8, 1, 6, 7, 4]]</a:t>
+            </a:r>
+            <a:r>
+              <a:rPr lang="en-US" sz="1200" dirty="0">
+                <a:solidFill>
+                  <a:schemeClr val="bg1">
+                    <a:lumMod val="50000"/>
+                  </a:schemeClr>
+                </a:solidFill>
+              </a:rPr>
+              <a:t>	</a:t>
+            </a:r>
+            <a:r>
+              <a:rPr lang="en-US" sz="1600" b="1" dirty="0"/>
+              <a:t>fitness: 92</a:t>
+            </a:r>
+          </a:p>
+        </p:txBody>
+      </p:sp>
+    </p:spTree>
+    <p:extLst>
+      <p:ext uri="{BB962C8B-B14F-4D97-AF65-F5344CB8AC3E}">
+        <p14:creationId xmlns:p14="http://schemas.microsoft.com/office/powerpoint/2010/main" val="2733669853"/>
+      </p:ext>
+    </p:extLst>
+  </p:cSld>
+  <p:clrMapOvr>
+    <a:masterClrMapping/>
+  </p:clrMapOvr>
+  <mc:AlternateContent xmlns:mc="http://schemas.openxmlformats.org/markup-compatibility/2006" xmlns:p14="http://schemas.microsoft.com/office/powerpoint/2010/main">
+    <mc:Choice Requires="p14">
+      <p:transition spd="med" p14:dur="700">
+        <p:fade/>
+      </p:transition>
+    </mc:Choice>
+    <mc:Fallback xmlns="">
+      <p:transition spd="med">
+        <p:fade/>
+      </p:transition>
+    </mc:Fallback>
+  </mc:AlternateContent>
+</p:sld>
+</file>
+
+<file path=ppt/slides/slide19.xml><?xml version="1.0" encoding="utf-8"?>
+<p:sld xmlns:a="http://schemas.openxmlformats.org/drawingml/2006/main" xmlns:r="http://schemas.openxmlformats.org/officeDocument/2006/relationships" xmlns:p="http://schemas.openxmlformats.org/presentationml/2006/main">
+  <p:cSld>
+    <p:spTree>
+      <p:nvGrpSpPr>
+        <p:cNvPr id="1" name=""/>
+        <p:cNvGrpSpPr/>
+        <p:nvPr/>
+      </p:nvGrpSpPr>
+      <p:grpSpPr>
+        <a:xfrm>
+          <a:off x="0" y="0"/>
+          <a:ext cx="0" cy="0"/>
+          <a:chOff x="0" y="0"/>
+          <a:chExt cx="0" cy="0"/>
+        </a:xfrm>
+      </p:grpSpPr>
+      <p:sp>
+        <p:nvSpPr>
+          <p:cNvPr id="2" name="Content Placeholder 2">
+            <a:extLst>
+              <a:ext uri="{FF2B5EF4-FFF2-40B4-BE49-F238E27FC236}">
+                <a16:creationId xmlns:a16="http://schemas.microsoft.com/office/drawing/2014/main" id="{9C2A21A1-9E91-4684-A5D4-B0220E27E177}"/>
+              </a:ext>
+            </a:extLst>
+          </p:cNvPr>
+          <p:cNvSpPr txBox="1">
+            <a:spLocks/>
+          </p:cNvSpPr>
+          <p:nvPr/>
+        </p:nvSpPr>
+        <p:spPr>
+          <a:xfrm>
+            <a:off x="838200" y="1825625"/>
+            <a:ext cx="10515600" cy="4351338"/>
+          </a:xfrm>
+          <a:prstGeom prst="rect">
+            <a:avLst/>
+          </a:prstGeom>
+        </p:spPr>
+        <p:txBody>
+          <a:bodyPr/>
+          <a:lstStyle>
+            <a:lvl1pPr marL="228543" indent="-228543" algn="l" defTabSz="914172" rtl="0" eaLnBrk="1" latinLnBrk="0" hangingPunct="1">
+              <a:lnSpc>
+                <a:spcPct val="90000"/>
+              </a:lnSpc>
+              <a:spcBef>
+                <a:spcPts val="1000"/>
+              </a:spcBef>
+              <a:buFont typeface="Arial" panose="020B0604020202020204" pitchFamily="34" charset="0"/>
+              <a:buChar char="•"/>
+              <a:defRPr sz="2800" kern="1200">
+                <a:solidFill>
+                  <a:schemeClr val="tx1"/>
+                </a:solidFill>
+                <a:latin typeface="+mn-lt"/>
+                <a:ea typeface="+mn-ea"/>
+                <a:cs typeface="+mn-cs"/>
+              </a:defRPr>
+            </a:lvl1pPr>
+            <a:lvl2pPr marL="685629" indent="-228543" algn="l" defTabSz="914172" rtl="0" eaLnBrk="1" latinLnBrk="0" hangingPunct="1">
+              <a:lnSpc>
+                <a:spcPct val="90000"/>
+              </a:lnSpc>
+              <a:spcBef>
+                <a:spcPts val="500"/>
+              </a:spcBef>
+              <a:buFont typeface="Arial" panose="020B0604020202020204" pitchFamily="34" charset="0"/>
+              <a:buChar char="•"/>
+              <a:defRPr sz="2400" kern="1200">
+                <a:solidFill>
+                  <a:schemeClr val="tx1"/>
+                </a:solidFill>
+                <a:latin typeface="+mn-lt"/>
+                <a:ea typeface="+mn-ea"/>
+                <a:cs typeface="+mn-cs"/>
+              </a:defRPr>
+            </a:lvl2pPr>
+            <a:lvl3pPr marL="1142715" indent="-228543" algn="l" defTabSz="914172" rtl="0" eaLnBrk="1" latinLnBrk="0" hangingPunct="1">
+              <a:lnSpc>
+                <a:spcPct val="90000"/>
+              </a:lnSpc>
+              <a:spcBef>
+                <a:spcPts val="500"/>
+              </a:spcBef>
+              <a:buFont typeface="Arial" panose="020B0604020202020204" pitchFamily="34" charset="0"/>
+              <a:buChar char="•"/>
+              <a:defRPr sz="2000" kern="1200">
+                <a:solidFill>
+                  <a:schemeClr val="tx1"/>
+                </a:solidFill>
+                <a:latin typeface="+mn-lt"/>
+                <a:ea typeface="+mn-ea"/>
+                <a:cs typeface="+mn-cs"/>
+              </a:defRPr>
+            </a:lvl3pPr>
+            <a:lvl4pPr marL="1599800" indent="-228543" algn="l" defTabSz="914172" rtl="0" eaLnBrk="1" latinLnBrk="0" hangingPunct="1">
+              <a:lnSpc>
+                <a:spcPct val="90000"/>
+              </a:lnSpc>
+              <a:spcBef>
+                <a:spcPts val="500"/>
+              </a:spcBef>
+              <a:buFont typeface="Arial" panose="020B0604020202020204" pitchFamily="34" charset="0"/>
+              <a:buChar char="•"/>
+              <a:defRPr sz="1800" kern="1200">
+                <a:solidFill>
+                  <a:schemeClr val="tx1"/>
+                </a:solidFill>
+                <a:latin typeface="+mn-lt"/>
+                <a:ea typeface="+mn-ea"/>
+                <a:cs typeface="+mn-cs"/>
+              </a:defRPr>
+            </a:lvl4pPr>
+            <a:lvl5pPr marL="2056886" indent="-228543" algn="l" defTabSz="914172" rtl="0" eaLnBrk="1" latinLnBrk="0" hangingPunct="1">
+              <a:lnSpc>
+                <a:spcPct val="90000"/>
+              </a:lnSpc>
+              <a:spcBef>
+                <a:spcPts val="500"/>
+              </a:spcBef>
+              <a:buFont typeface="Arial" panose="020B0604020202020204" pitchFamily="34" charset="0"/>
+              <a:buChar char="•"/>
+              <a:defRPr sz="1800" kern="1200">
+                <a:solidFill>
+                  <a:schemeClr val="tx1"/>
+                </a:solidFill>
+                <a:latin typeface="+mn-lt"/>
+                <a:ea typeface="+mn-ea"/>
+                <a:cs typeface="+mn-cs"/>
+              </a:defRPr>
+            </a:lvl5pPr>
+            <a:lvl6pPr marL="2513972" indent="-228543" algn="l" defTabSz="914172" rtl="0" eaLnBrk="1" latinLnBrk="0" hangingPunct="1">
+              <a:lnSpc>
+                <a:spcPct val="90000"/>
+              </a:lnSpc>
+              <a:spcBef>
+                <a:spcPts val="500"/>
+              </a:spcBef>
+              <a:buFont typeface="Arial" panose="020B0604020202020204" pitchFamily="34" charset="0"/>
+              <a:buChar char="•"/>
+              <a:defRPr sz="1800" kern="1200">
+                <a:solidFill>
+                  <a:schemeClr val="tx1"/>
+                </a:solidFill>
+                <a:latin typeface="+mn-lt"/>
+                <a:ea typeface="+mn-ea"/>
+                <a:cs typeface="+mn-cs"/>
+              </a:defRPr>
+            </a:lvl6pPr>
+            <a:lvl7pPr marL="2971057" indent="-228543" algn="l" defTabSz="914172" rtl="0" eaLnBrk="1" latinLnBrk="0" hangingPunct="1">
+              <a:lnSpc>
+                <a:spcPct val="90000"/>
+              </a:lnSpc>
+              <a:spcBef>
+                <a:spcPts val="500"/>
+              </a:spcBef>
+              <a:buFont typeface="Arial" panose="020B0604020202020204" pitchFamily="34" charset="0"/>
+              <a:buChar char="•"/>
+              <a:defRPr sz="1800" kern="1200">
+                <a:solidFill>
+                  <a:schemeClr val="tx1"/>
+                </a:solidFill>
+                <a:latin typeface="+mn-lt"/>
+                <a:ea typeface="+mn-ea"/>
+                <a:cs typeface="+mn-cs"/>
+              </a:defRPr>
+            </a:lvl7pPr>
+            <a:lvl8pPr marL="3428143" indent="-228543" algn="l" defTabSz="914172" rtl="0" eaLnBrk="1" latinLnBrk="0" hangingPunct="1">
+              <a:lnSpc>
+                <a:spcPct val="90000"/>
+              </a:lnSpc>
+              <a:spcBef>
+                <a:spcPts val="500"/>
+              </a:spcBef>
+              <a:buFont typeface="Arial" panose="020B0604020202020204" pitchFamily="34" charset="0"/>
+              <a:buChar char="•"/>
+              <a:defRPr sz="1800" kern="1200">
+                <a:solidFill>
+                  <a:schemeClr val="tx1"/>
+                </a:solidFill>
+                <a:latin typeface="+mn-lt"/>
+                <a:ea typeface="+mn-ea"/>
+                <a:cs typeface="+mn-cs"/>
+              </a:defRPr>
+            </a:lvl8pPr>
+            <a:lvl9pPr marL="3885229" indent="-228543" algn="l" defTabSz="914172" rtl="0" eaLnBrk="1" latinLnBrk="0" hangingPunct="1">
+              <a:lnSpc>
+                <a:spcPct val="90000"/>
+              </a:lnSpc>
+              <a:spcBef>
+                <a:spcPts val="500"/>
+              </a:spcBef>
+              <a:buFont typeface="Arial" panose="020B0604020202020204" pitchFamily="34" charset="0"/>
+              <a:buChar char="•"/>
+              <a:defRPr sz="1800" kern="1200">
+                <a:solidFill>
+                  <a:schemeClr val="tx1"/>
+                </a:solidFill>
+                <a:latin typeface="+mn-lt"/>
+                <a:ea typeface="+mn-ea"/>
+                <a:cs typeface="+mn-cs"/>
+              </a:defRPr>
+            </a:lvl9pPr>
+          </a:lstStyle>
+          <a:p>
+            <a:pPr marL="0" marR="0" lvl="0" indent="0" algn="l" defTabSz="914172" rtl="0" eaLnBrk="1" fontAlgn="auto" latinLnBrk="0" hangingPunct="1">
+              <a:lnSpc>
+                <a:spcPct val="100000"/>
+              </a:lnSpc>
+              <a:spcBef>
+                <a:spcPts val="1000"/>
+              </a:spcBef>
+              <a:spcAft>
+                <a:spcPts val="0"/>
+              </a:spcAft>
+              <a:buClr>
+                <a:srgbClr val="1CADE4"/>
+              </a:buClr>
+              <a:buSzPct val="130000"/>
+              <a:buNone/>
+              <a:tabLst/>
+              <a:defRPr/>
+            </a:pPr>
+            <a:endParaRPr lang="en-US" sz="1800" dirty="0">
+              <a:solidFill>
+                <a:schemeClr val="bg1">
+                  <a:lumMod val="50000"/>
+                </a:schemeClr>
+              </a:solidFill>
+            </a:endParaRPr>
+          </a:p>
+        </p:txBody>
+      </p:sp>
+      <p:cxnSp>
+        <p:nvCxnSpPr>
+          <p:cNvPr id="3" name="Straight Connector 2">
+            <a:extLst>
+              <a:ext uri="{FF2B5EF4-FFF2-40B4-BE49-F238E27FC236}">
+                <a16:creationId xmlns:a16="http://schemas.microsoft.com/office/drawing/2014/main" id="{63544D0C-9AF7-480B-B59A-0649F7532B5D}"/>
+              </a:ext>
+            </a:extLst>
+          </p:cNvPr>
+          <p:cNvCxnSpPr/>
+          <p:nvPr/>
+        </p:nvCxnSpPr>
+        <p:spPr>
+          <a:xfrm>
+            <a:off x="5805926" y="1409690"/>
+            <a:ext cx="596462" cy="0"/>
+          </a:xfrm>
+          <a:prstGeom prst="line">
+            <a:avLst/>
+          </a:prstGeom>
+          <a:ln w="57150">
+            <a:solidFill>
+              <a:schemeClr val="accent1"/>
+            </a:solidFill>
+          </a:ln>
+        </p:spPr>
+        <p:style>
+          <a:lnRef idx="1">
+            <a:schemeClr val="accent1"/>
+          </a:lnRef>
+          <a:fillRef idx="0">
+            <a:schemeClr val="accent1"/>
+          </a:fillRef>
+          <a:effectRef idx="0">
+            <a:schemeClr val="accent1"/>
+          </a:effectRef>
+          <a:fontRef idx="minor">
+            <a:schemeClr val="tx1"/>
+          </a:fontRef>
+        </p:style>
+      </p:cxnSp>
+      <p:sp>
+        <p:nvSpPr>
+          <p:cNvPr id="4" name="TextBox 3">
+            <a:extLst>
+              <a:ext uri="{FF2B5EF4-FFF2-40B4-BE49-F238E27FC236}">
+                <a16:creationId xmlns:a16="http://schemas.microsoft.com/office/drawing/2014/main" id="{24949596-7C48-4EFF-919F-8FD4F1918F19}"/>
+              </a:ext>
+            </a:extLst>
+          </p:cNvPr>
+          <p:cNvSpPr txBox="1"/>
+          <p:nvPr/>
+        </p:nvSpPr>
+        <p:spPr>
+          <a:xfrm>
+            <a:off x="3142384" y="537637"/>
+            <a:ext cx="5923545" cy="646331"/>
+          </a:xfrm>
+          <a:prstGeom prst="rect">
+            <a:avLst/>
+          </a:prstGeom>
+          <a:noFill/>
+        </p:spPr>
+        <p:txBody>
+          <a:bodyPr wrap="none" rtlCol="0">
+            <a:spAutoFit/>
+          </a:bodyPr>
+          <a:lstStyle/>
+          <a:p>
+            <a:pPr lvl="0" defTabSz="457200"/>
+            <a:r>
+              <a:rPr lang="en-US" sz="3600" b="1" dirty="0">
+                <a:solidFill>
+                  <a:srgbClr val="335B74"/>
+                </a:solidFill>
+                <a:latin typeface="Lato Black"/>
+              </a:rPr>
+              <a:t>Crossover Implementation</a:t>
+            </a:r>
+          </a:p>
+        </p:txBody>
+      </p:sp>
+      <p:sp>
+        <p:nvSpPr>
+          <p:cNvPr id="7" name="Content Placeholder 2">
+            <a:extLst>
+              <a:ext uri="{FF2B5EF4-FFF2-40B4-BE49-F238E27FC236}">
+                <a16:creationId xmlns:a16="http://schemas.microsoft.com/office/drawing/2014/main" id="{8F8DB0B2-804C-4235-8BC1-40C8AE76165C}"/>
+              </a:ext>
+            </a:extLst>
+          </p:cNvPr>
+          <p:cNvSpPr txBox="1">
+            <a:spLocks/>
+          </p:cNvSpPr>
+          <p:nvPr/>
+        </p:nvSpPr>
+        <p:spPr>
+          <a:xfrm>
+            <a:off x="846355" y="1825624"/>
+            <a:ext cx="10712371" cy="4767271"/>
+          </a:xfrm>
+          <a:prstGeom prst="rect">
+            <a:avLst/>
+          </a:prstGeom>
+        </p:spPr>
+        <p:txBody>
+          <a:bodyPr/>
+          <a:lstStyle>
+            <a:lvl1pPr marL="228543" indent="-228543" algn="l" defTabSz="914172" rtl="0" eaLnBrk="1" latinLnBrk="0" hangingPunct="1">
+              <a:lnSpc>
+                <a:spcPct val="90000"/>
+              </a:lnSpc>
+              <a:spcBef>
+                <a:spcPts val="1000"/>
+              </a:spcBef>
+              <a:buFont typeface="Arial" panose="020B0604020202020204" pitchFamily="34" charset="0"/>
+              <a:buChar char="•"/>
+              <a:defRPr sz="2800" kern="1200">
+                <a:solidFill>
+                  <a:schemeClr val="tx1"/>
+                </a:solidFill>
+                <a:latin typeface="+mn-lt"/>
+                <a:ea typeface="+mn-ea"/>
+                <a:cs typeface="+mn-cs"/>
+              </a:defRPr>
+            </a:lvl1pPr>
+            <a:lvl2pPr marL="685629" indent="-228543" algn="l" defTabSz="914172" rtl="0" eaLnBrk="1" latinLnBrk="0" hangingPunct="1">
+              <a:lnSpc>
+                <a:spcPct val="90000"/>
+              </a:lnSpc>
+              <a:spcBef>
+                <a:spcPts val="500"/>
+              </a:spcBef>
+              <a:buFont typeface="Arial" panose="020B0604020202020204" pitchFamily="34" charset="0"/>
+              <a:buChar char="•"/>
+              <a:defRPr sz="2400" kern="1200">
+                <a:solidFill>
+                  <a:schemeClr val="tx1"/>
+                </a:solidFill>
+                <a:latin typeface="+mn-lt"/>
+                <a:ea typeface="+mn-ea"/>
+                <a:cs typeface="+mn-cs"/>
+              </a:defRPr>
+            </a:lvl2pPr>
+            <a:lvl3pPr marL="1142715" indent="-228543" algn="l" defTabSz="914172" rtl="0" eaLnBrk="1" latinLnBrk="0" hangingPunct="1">
+              <a:lnSpc>
+                <a:spcPct val="90000"/>
+              </a:lnSpc>
+              <a:spcBef>
+                <a:spcPts val="500"/>
+              </a:spcBef>
+              <a:buFont typeface="Arial" panose="020B0604020202020204" pitchFamily="34" charset="0"/>
+              <a:buChar char="•"/>
+              <a:defRPr sz="2000" kern="1200">
+                <a:solidFill>
+                  <a:schemeClr val="tx1"/>
+                </a:solidFill>
+                <a:latin typeface="+mn-lt"/>
+                <a:ea typeface="+mn-ea"/>
+                <a:cs typeface="+mn-cs"/>
+              </a:defRPr>
+            </a:lvl3pPr>
+            <a:lvl4pPr marL="1599800" indent="-228543" algn="l" defTabSz="914172" rtl="0" eaLnBrk="1" latinLnBrk="0" hangingPunct="1">
+              <a:lnSpc>
+                <a:spcPct val="90000"/>
+              </a:lnSpc>
+              <a:spcBef>
+                <a:spcPts val="500"/>
+              </a:spcBef>
+              <a:buFont typeface="Arial" panose="020B0604020202020204" pitchFamily="34" charset="0"/>
+              <a:buChar char="•"/>
+              <a:defRPr sz="1800" kern="1200">
+                <a:solidFill>
+                  <a:schemeClr val="tx1"/>
+                </a:solidFill>
+                <a:latin typeface="+mn-lt"/>
+                <a:ea typeface="+mn-ea"/>
+                <a:cs typeface="+mn-cs"/>
+              </a:defRPr>
+            </a:lvl4pPr>
+            <a:lvl5pPr marL="2056886" indent="-228543" algn="l" defTabSz="914172" rtl="0" eaLnBrk="1" latinLnBrk="0" hangingPunct="1">
+              <a:lnSpc>
+                <a:spcPct val="90000"/>
+              </a:lnSpc>
+              <a:spcBef>
+                <a:spcPts val="500"/>
+              </a:spcBef>
+              <a:buFont typeface="Arial" panose="020B0604020202020204" pitchFamily="34" charset="0"/>
+              <a:buChar char="•"/>
+              <a:defRPr sz="1800" kern="1200">
+                <a:solidFill>
+                  <a:schemeClr val="tx1"/>
+                </a:solidFill>
+                <a:latin typeface="+mn-lt"/>
+                <a:ea typeface="+mn-ea"/>
+                <a:cs typeface="+mn-cs"/>
+              </a:defRPr>
+            </a:lvl5pPr>
+            <a:lvl6pPr marL="2513972" indent="-228543" algn="l" defTabSz="914172" rtl="0" eaLnBrk="1" latinLnBrk="0" hangingPunct="1">
+              <a:lnSpc>
+                <a:spcPct val="90000"/>
+              </a:lnSpc>
+              <a:spcBef>
+                <a:spcPts val="500"/>
+              </a:spcBef>
+              <a:buFont typeface="Arial" panose="020B0604020202020204" pitchFamily="34" charset="0"/>
+              <a:buChar char="•"/>
+              <a:defRPr sz="1800" kern="1200">
+                <a:solidFill>
+                  <a:schemeClr val="tx1"/>
+                </a:solidFill>
+                <a:latin typeface="+mn-lt"/>
+                <a:ea typeface="+mn-ea"/>
+                <a:cs typeface="+mn-cs"/>
+              </a:defRPr>
+            </a:lvl6pPr>
+            <a:lvl7pPr marL="2971057" indent="-228543" algn="l" defTabSz="914172" rtl="0" eaLnBrk="1" latinLnBrk="0" hangingPunct="1">
+              <a:lnSpc>
+                <a:spcPct val="90000"/>
+              </a:lnSpc>
+              <a:spcBef>
+                <a:spcPts val="500"/>
+              </a:spcBef>
+              <a:buFont typeface="Arial" panose="020B0604020202020204" pitchFamily="34" charset="0"/>
+              <a:buChar char="•"/>
+              <a:defRPr sz="1800" kern="1200">
+                <a:solidFill>
+                  <a:schemeClr val="tx1"/>
+                </a:solidFill>
+                <a:latin typeface="+mn-lt"/>
+                <a:ea typeface="+mn-ea"/>
+                <a:cs typeface="+mn-cs"/>
+              </a:defRPr>
+            </a:lvl7pPr>
+            <a:lvl8pPr marL="3428143" indent="-228543" algn="l" defTabSz="914172" rtl="0" eaLnBrk="1" latinLnBrk="0" hangingPunct="1">
+              <a:lnSpc>
+                <a:spcPct val="90000"/>
+              </a:lnSpc>
+              <a:spcBef>
+                <a:spcPts val="500"/>
+              </a:spcBef>
+              <a:buFont typeface="Arial" panose="020B0604020202020204" pitchFamily="34" charset="0"/>
+              <a:buChar char="•"/>
+              <a:defRPr sz="1800" kern="1200">
+                <a:solidFill>
+                  <a:schemeClr val="tx1"/>
+                </a:solidFill>
+                <a:latin typeface="+mn-lt"/>
+                <a:ea typeface="+mn-ea"/>
+                <a:cs typeface="+mn-cs"/>
+              </a:defRPr>
+            </a:lvl8pPr>
+            <a:lvl9pPr marL="3885229" indent="-228543" algn="l" defTabSz="914172" rtl="0" eaLnBrk="1" latinLnBrk="0" hangingPunct="1">
+              <a:lnSpc>
+                <a:spcPct val="90000"/>
+              </a:lnSpc>
+              <a:spcBef>
+                <a:spcPts val="500"/>
+              </a:spcBef>
+              <a:buFont typeface="Arial" panose="020B0604020202020204" pitchFamily="34" charset="0"/>
+              <a:buChar char="•"/>
+              <a:defRPr sz="1800" kern="1200">
+                <a:solidFill>
+                  <a:schemeClr val="tx1"/>
+                </a:solidFill>
+                <a:latin typeface="+mn-lt"/>
+                <a:ea typeface="+mn-ea"/>
+                <a:cs typeface="+mn-cs"/>
+              </a:defRPr>
+            </a:lvl9pPr>
+          </a:lstStyle>
+          <a:p>
+            <a:pPr marL="0" lvl="0" indent="0">
+              <a:lnSpc>
+                <a:spcPct val="100000"/>
+              </a:lnSpc>
+              <a:buClr>
+                <a:srgbClr val="1CADE4"/>
+              </a:buClr>
+              <a:buSzPct val="130000"/>
+              <a:buNone/>
+              <a:defRPr/>
+            </a:pPr>
+            <a:r>
+              <a:rPr lang="en-US" sz="2200" dirty="0">
+                <a:solidFill>
+                  <a:prstClr val="black"/>
+                </a:solidFill>
+              </a:rPr>
+              <a:t>Crossover function take two parent from population and create two child by uniform method.</a:t>
+            </a:r>
+          </a:p>
+        </p:txBody>
+      </p:sp>
+    </p:spTree>
+    <p:extLst>
+      <p:ext uri="{BB962C8B-B14F-4D97-AF65-F5344CB8AC3E}">
+        <p14:creationId xmlns:p14="http://schemas.microsoft.com/office/powerpoint/2010/main" val="2176792408"/>
+      </p:ext>
+    </p:extLst>
+  </p:cSld>
+  <p:clrMapOvr>
+    <a:masterClrMapping/>
+  </p:clrMapOvr>
+  <mc:AlternateContent xmlns:mc="http://schemas.openxmlformats.org/markup-compatibility/2006" xmlns:p14="http://schemas.microsoft.com/office/powerpoint/2010/main">
+    <mc:Choice Requires="p14">
+      <p:transition spd="med" p14:dur="700">
+        <p:fade/>
+      </p:transition>
+    </mc:Choice>
+    <mc:Fallback xmlns="">
+      <p:transition spd="med">
+        <p:fade/>
+      </p:transition>
+    </mc:Fallback>
+  </mc:AlternateContent>
+</p:sld>
+</file>
+
 <file path=ppt/slides/slide2.xml><?xml version="1.0" encoding="utf-8"?>
 <p:sld xmlns:a="http://schemas.openxmlformats.org/drawingml/2006/main" xmlns:r="http://schemas.openxmlformats.org/officeDocument/2006/relationships" xmlns:p="http://schemas.openxmlformats.org/presentationml/2006/main">
   <p:cSld>
@@ -28415,6 +32715,2241 @@
     <p:extLst>
       <p:ext uri="{BB962C8B-B14F-4D97-AF65-F5344CB8AC3E}">
         <p14:creationId xmlns:p14="http://schemas.microsoft.com/office/powerpoint/2010/main" val="4105754091"/>
+      </p:ext>
+    </p:extLst>
+  </p:cSld>
+  <p:clrMapOvr>
+    <a:masterClrMapping/>
+  </p:clrMapOvr>
+  <mc:AlternateContent xmlns:mc="http://schemas.openxmlformats.org/markup-compatibility/2006" xmlns:p14="http://schemas.microsoft.com/office/powerpoint/2010/main">
+    <mc:Choice Requires="p14">
+      <p:transition spd="med" p14:dur="700">
+        <p:fade/>
+      </p:transition>
+    </mc:Choice>
+    <mc:Fallback xmlns="">
+      <p:transition spd="med">
+        <p:fade/>
+      </p:transition>
+    </mc:Fallback>
+  </mc:AlternateContent>
+</p:sld>
+</file>
+
+<file path=ppt/slides/slide20.xml><?xml version="1.0" encoding="utf-8"?>
+<p:sld xmlns:a="http://schemas.openxmlformats.org/drawingml/2006/main" xmlns:r="http://schemas.openxmlformats.org/officeDocument/2006/relationships" xmlns:p="http://schemas.openxmlformats.org/presentationml/2006/main">
+  <p:cSld>
+    <p:spTree>
+      <p:nvGrpSpPr>
+        <p:cNvPr id="1" name=""/>
+        <p:cNvGrpSpPr/>
+        <p:nvPr/>
+      </p:nvGrpSpPr>
+      <p:grpSpPr>
+        <a:xfrm>
+          <a:off x="0" y="0"/>
+          <a:ext cx="0" cy="0"/>
+          <a:chOff x="0" y="0"/>
+          <a:chExt cx="0" cy="0"/>
+        </a:xfrm>
+      </p:grpSpPr>
+      <p:sp>
+        <p:nvSpPr>
+          <p:cNvPr id="2" name="Content Placeholder 2">
+            <a:extLst>
+              <a:ext uri="{FF2B5EF4-FFF2-40B4-BE49-F238E27FC236}">
+                <a16:creationId xmlns:a16="http://schemas.microsoft.com/office/drawing/2014/main" id="{9C2A21A1-9E91-4684-A5D4-B0220E27E177}"/>
+              </a:ext>
+            </a:extLst>
+          </p:cNvPr>
+          <p:cNvSpPr txBox="1">
+            <a:spLocks/>
+          </p:cNvSpPr>
+          <p:nvPr/>
+        </p:nvSpPr>
+        <p:spPr>
+          <a:xfrm>
+            <a:off x="838200" y="1825625"/>
+            <a:ext cx="10515600" cy="4351338"/>
+          </a:xfrm>
+          <a:prstGeom prst="rect">
+            <a:avLst/>
+          </a:prstGeom>
+        </p:spPr>
+        <p:txBody>
+          <a:bodyPr/>
+          <a:lstStyle>
+            <a:lvl1pPr marL="228543" indent="-228543" algn="l" defTabSz="914172" rtl="0" eaLnBrk="1" latinLnBrk="0" hangingPunct="1">
+              <a:lnSpc>
+                <a:spcPct val="90000"/>
+              </a:lnSpc>
+              <a:spcBef>
+                <a:spcPts val="1000"/>
+              </a:spcBef>
+              <a:buFont typeface="Arial" panose="020B0604020202020204" pitchFamily="34" charset="0"/>
+              <a:buChar char="•"/>
+              <a:defRPr sz="2800" kern="1200">
+                <a:solidFill>
+                  <a:schemeClr val="tx1"/>
+                </a:solidFill>
+                <a:latin typeface="+mn-lt"/>
+                <a:ea typeface="+mn-ea"/>
+                <a:cs typeface="+mn-cs"/>
+              </a:defRPr>
+            </a:lvl1pPr>
+            <a:lvl2pPr marL="685629" indent="-228543" algn="l" defTabSz="914172" rtl="0" eaLnBrk="1" latinLnBrk="0" hangingPunct="1">
+              <a:lnSpc>
+                <a:spcPct val="90000"/>
+              </a:lnSpc>
+              <a:spcBef>
+                <a:spcPts val="500"/>
+              </a:spcBef>
+              <a:buFont typeface="Arial" panose="020B0604020202020204" pitchFamily="34" charset="0"/>
+              <a:buChar char="•"/>
+              <a:defRPr sz="2400" kern="1200">
+                <a:solidFill>
+                  <a:schemeClr val="tx1"/>
+                </a:solidFill>
+                <a:latin typeface="+mn-lt"/>
+                <a:ea typeface="+mn-ea"/>
+                <a:cs typeface="+mn-cs"/>
+              </a:defRPr>
+            </a:lvl2pPr>
+            <a:lvl3pPr marL="1142715" indent="-228543" algn="l" defTabSz="914172" rtl="0" eaLnBrk="1" latinLnBrk="0" hangingPunct="1">
+              <a:lnSpc>
+                <a:spcPct val="90000"/>
+              </a:lnSpc>
+              <a:spcBef>
+                <a:spcPts val="500"/>
+              </a:spcBef>
+              <a:buFont typeface="Arial" panose="020B0604020202020204" pitchFamily="34" charset="0"/>
+              <a:buChar char="•"/>
+              <a:defRPr sz="2000" kern="1200">
+                <a:solidFill>
+                  <a:schemeClr val="tx1"/>
+                </a:solidFill>
+                <a:latin typeface="+mn-lt"/>
+                <a:ea typeface="+mn-ea"/>
+                <a:cs typeface="+mn-cs"/>
+              </a:defRPr>
+            </a:lvl3pPr>
+            <a:lvl4pPr marL="1599800" indent="-228543" algn="l" defTabSz="914172" rtl="0" eaLnBrk="1" latinLnBrk="0" hangingPunct="1">
+              <a:lnSpc>
+                <a:spcPct val="90000"/>
+              </a:lnSpc>
+              <a:spcBef>
+                <a:spcPts val="500"/>
+              </a:spcBef>
+              <a:buFont typeface="Arial" panose="020B0604020202020204" pitchFamily="34" charset="0"/>
+              <a:buChar char="•"/>
+              <a:defRPr sz="1800" kern="1200">
+                <a:solidFill>
+                  <a:schemeClr val="tx1"/>
+                </a:solidFill>
+                <a:latin typeface="+mn-lt"/>
+                <a:ea typeface="+mn-ea"/>
+                <a:cs typeface="+mn-cs"/>
+              </a:defRPr>
+            </a:lvl4pPr>
+            <a:lvl5pPr marL="2056886" indent="-228543" algn="l" defTabSz="914172" rtl="0" eaLnBrk="1" latinLnBrk="0" hangingPunct="1">
+              <a:lnSpc>
+                <a:spcPct val="90000"/>
+              </a:lnSpc>
+              <a:spcBef>
+                <a:spcPts val="500"/>
+              </a:spcBef>
+              <a:buFont typeface="Arial" panose="020B0604020202020204" pitchFamily="34" charset="0"/>
+              <a:buChar char="•"/>
+              <a:defRPr sz="1800" kern="1200">
+                <a:solidFill>
+                  <a:schemeClr val="tx1"/>
+                </a:solidFill>
+                <a:latin typeface="+mn-lt"/>
+                <a:ea typeface="+mn-ea"/>
+                <a:cs typeface="+mn-cs"/>
+              </a:defRPr>
+            </a:lvl5pPr>
+            <a:lvl6pPr marL="2513972" indent="-228543" algn="l" defTabSz="914172" rtl="0" eaLnBrk="1" latinLnBrk="0" hangingPunct="1">
+              <a:lnSpc>
+                <a:spcPct val="90000"/>
+              </a:lnSpc>
+              <a:spcBef>
+                <a:spcPts val="500"/>
+              </a:spcBef>
+              <a:buFont typeface="Arial" panose="020B0604020202020204" pitchFamily="34" charset="0"/>
+              <a:buChar char="•"/>
+              <a:defRPr sz="1800" kern="1200">
+                <a:solidFill>
+                  <a:schemeClr val="tx1"/>
+                </a:solidFill>
+                <a:latin typeface="+mn-lt"/>
+                <a:ea typeface="+mn-ea"/>
+                <a:cs typeface="+mn-cs"/>
+              </a:defRPr>
+            </a:lvl6pPr>
+            <a:lvl7pPr marL="2971057" indent="-228543" algn="l" defTabSz="914172" rtl="0" eaLnBrk="1" latinLnBrk="0" hangingPunct="1">
+              <a:lnSpc>
+                <a:spcPct val="90000"/>
+              </a:lnSpc>
+              <a:spcBef>
+                <a:spcPts val="500"/>
+              </a:spcBef>
+              <a:buFont typeface="Arial" panose="020B0604020202020204" pitchFamily="34" charset="0"/>
+              <a:buChar char="•"/>
+              <a:defRPr sz="1800" kern="1200">
+                <a:solidFill>
+                  <a:schemeClr val="tx1"/>
+                </a:solidFill>
+                <a:latin typeface="+mn-lt"/>
+                <a:ea typeface="+mn-ea"/>
+                <a:cs typeface="+mn-cs"/>
+              </a:defRPr>
+            </a:lvl7pPr>
+            <a:lvl8pPr marL="3428143" indent="-228543" algn="l" defTabSz="914172" rtl="0" eaLnBrk="1" latinLnBrk="0" hangingPunct="1">
+              <a:lnSpc>
+                <a:spcPct val="90000"/>
+              </a:lnSpc>
+              <a:spcBef>
+                <a:spcPts val="500"/>
+              </a:spcBef>
+              <a:buFont typeface="Arial" panose="020B0604020202020204" pitchFamily="34" charset="0"/>
+              <a:buChar char="•"/>
+              <a:defRPr sz="1800" kern="1200">
+                <a:solidFill>
+                  <a:schemeClr val="tx1"/>
+                </a:solidFill>
+                <a:latin typeface="+mn-lt"/>
+                <a:ea typeface="+mn-ea"/>
+                <a:cs typeface="+mn-cs"/>
+              </a:defRPr>
+            </a:lvl8pPr>
+            <a:lvl9pPr marL="3885229" indent="-228543" algn="l" defTabSz="914172" rtl="0" eaLnBrk="1" latinLnBrk="0" hangingPunct="1">
+              <a:lnSpc>
+                <a:spcPct val="90000"/>
+              </a:lnSpc>
+              <a:spcBef>
+                <a:spcPts val="500"/>
+              </a:spcBef>
+              <a:buFont typeface="Arial" panose="020B0604020202020204" pitchFamily="34" charset="0"/>
+              <a:buChar char="•"/>
+              <a:defRPr sz="1800" kern="1200">
+                <a:solidFill>
+                  <a:schemeClr val="tx1"/>
+                </a:solidFill>
+                <a:latin typeface="+mn-lt"/>
+                <a:ea typeface="+mn-ea"/>
+                <a:cs typeface="+mn-cs"/>
+              </a:defRPr>
+            </a:lvl9pPr>
+          </a:lstStyle>
+          <a:p>
+            <a:pPr marL="0" marR="0" lvl="0" indent="0" algn="l" defTabSz="914172" rtl="0" eaLnBrk="1" fontAlgn="auto" latinLnBrk="0" hangingPunct="1">
+              <a:lnSpc>
+                <a:spcPct val="100000"/>
+              </a:lnSpc>
+              <a:spcBef>
+                <a:spcPts val="1000"/>
+              </a:spcBef>
+              <a:spcAft>
+                <a:spcPts val="0"/>
+              </a:spcAft>
+              <a:buClr>
+                <a:srgbClr val="1CADE4"/>
+              </a:buClr>
+              <a:buSzPct val="130000"/>
+              <a:buNone/>
+              <a:tabLst/>
+              <a:defRPr/>
+            </a:pPr>
+            <a:endParaRPr lang="en-US" sz="1800" dirty="0">
+              <a:solidFill>
+                <a:schemeClr val="bg1">
+                  <a:lumMod val="50000"/>
+                </a:schemeClr>
+              </a:solidFill>
+            </a:endParaRPr>
+          </a:p>
+        </p:txBody>
+      </p:sp>
+      <p:cxnSp>
+        <p:nvCxnSpPr>
+          <p:cNvPr id="3" name="Straight Connector 2">
+            <a:extLst>
+              <a:ext uri="{FF2B5EF4-FFF2-40B4-BE49-F238E27FC236}">
+                <a16:creationId xmlns:a16="http://schemas.microsoft.com/office/drawing/2014/main" id="{63544D0C-9AF7-480B-B59A-0649F7532B5D}"/>
+              </a:ext>
+            </a:extLst>
+          </p:cNvPr>
+          <p:cNvCxnSpPr/>
+          <p:nvPr/>
+        </p:nvCxnSpPr>
+        <p:spPr>
+          <a:xfrm>
+            <a:off x="5805926" y="1409690"/>
+            <a:ext cx="596462" cy="0"/>
+          </a:xfrm>
+          <a:prstGeom prst="line">
+            <a:avLst/>
+          </a:prstGeom>
+          <a:ln w="57150">
+            <a:solidFill>
+              <a:schemeClr val="accent1"/>
+            </a:solidFill>
+          </a:ln>
+        </p:spPr>
+        <p:style>
+          <a:lnRef idx="1">
+            <a:schemeClr val="accent1"/>
+          </a:lnRef>
+          <a:fillRef idx="0">
+            <a:schemeClr val="accent1"/>
+          </a:fillRef>
+          <a:effectRef idx="0">
+            <a:schemeClr val="accent1"/>
+          </a:effectRef>
+          <a:fontRef idx="minor">
+            <a:schemeClr val="tx1"/>
+          </a:fontRef>
+        </p:style>
+      </p:cxnSp>
+      <p:sp>
+        <p:nvSpPr>
+          <p:cNvPr id="4" name="TextBox 3">
+            <a:extLst>
+              <a:ext uri="{FF2B5EF4-FFF2-40B4-BE49-F238E27FC236}">
+                <a16:creationId xmlns:a16="http://schemas.microsoft.com/office/drawing/2014/main" id="{24949596-7C48-4EFF-919F-8FD4F1918F19}"/>
+              </a:ext>
+            </a:extLst>
+          </p:cNvPr>
+          <p:cNvSpPr txBox="1"/>
+          <p:nvPr/>
+        </p:nvSpPr>
+        <p:spPr>
+          <a:xfrm>
+            <a:off x="5243312" y="555392"/>
+            <a:ext cx="1721690" cy="646331"/>
+          </a:xfrm>
+          <a:prstGeom prst="rect">
+            <a:avLst/>
+          </a:prstGeom>
+          <a:noFill/>
+        </p:spPr>
+        <p:txBody>
+          <a:bodyPr wrap="none" rtlCol="0">
+            <a:spAutoFit/>
+          </a:bodyPr>
+          <a:lstStyle/>
+          <a:p>
+            <a:pPr lvl="0" defTabSz="457200"/>
+            <a:r>
+              <a:rPr lang="en-US" sz="3600" b="1" dirty="0">
+                <a:solidFill>
+                  <a:srgbClr val="335B74"/>
+                </a:solidFill>
+                <a:latin typeface="Lato Black"/>
+              </a:rPr>
+              <a:t>Results</a:t>
+            </a:r>
+          </a:p>
+        </p:txBody>
+      </p:sp>
+      <p:sp>
+        <p:nvSpPr>
+          <p:cNvPr id="7" name="Content Placeholder 2">
+            <a:extLst>
+              <a:ext uri="{FF2B5EF4-FFF2-40B4-BE49-F238E27FC236}">
+                <a16:creationId xmlns:a16="http://schemas.microsoft.com/office/drawing/2014/main" id="{8F8DB0B2-804C-4235-8BC1-40C8AE76165C}"/>
+              </a:ext>
+            </a:extLst>
+          </p:cNvPr>
+          <p:cNvSpPr txBox="1">
+            <a:spLocks/>
+          </p:cNvSpPr>
+          <p:nvPr/>
+        </p:nvSpPr>
+        <p:spPr>
+          <a:xfrm>
+            <a:off x="846357" y="1825625"/>
+            <a:ext cx="8484074" cy="4351338"/>
+          </a:xfrm>
+          <a:prstGeom prst="rect">
+            <a:avLst/>
+          </a:prstGeom>
+        </p:spPr>
+        <p:txBody>
+          <a:bodyPr/>
+          <a:lstStyle>
+            <a:lvl1pPr marL="228543" indent="-228543" algn="l" defTabSz="914172" rtl="0" eaLnBrk="1" latinLnBrk="0" hangingPunct="1">
+              <a:lnSpc>
+                <a:spcPct val="90000"/>
+              </a:lnSpc>
+              <a:spcBef>
+                <a:spcPts val="1000"/>
+              </a:spcBef>
+              <a:buFont typeface="Arial" panose="020B0604020202020204" pitchFamily="34" charset="0"/>
+              <a:buChar char="•"/>
+              <a:defRPr sz="2800" kern="1200">
+                <a:solidFill>
+                  <a:schemeClr val="tx1"/>
+                </a:solidFill>
+                <a:latin typeface="+mn-lt"/>
+                <a:ea typeface="+mn-ea"/>
+                <a:cs typeface="+mn-cs"/>
+              </a:defRPr>
+            </a:lvl1pPr>
+            <a:lvl2pPr marL="685629" indent="-228543" algn="l" defTabSz="914172" rtl="0" eaLnBrk="1" latinLnBrk="0" hangingPunct="1">
+              <a:lnSpc>
+                <a:spcPct val="90000"/>
+              </a:lnSpc>
+              <a:spcBef>
+                <a:spcPts val="500"/>
+              </a:spcBef>
+              <a:buFont typeface="Arial" panose="020B0604020202020204" pitchFamily="34" charset="0"/>
+              <a:buChar char="•"/>
+              <a:defRPr sz="2400" kern="1200">
+                <a:solidFill>
+                  <a:schemeClr val="tx1"/>
+                </a:solidFill>
+                <a:latin typeface="+mn-lt"/>
+                <a:ea typeface="+mn-ea"/>
+                <a:cs typeface="+mn-cs"/>
+              </a:defRPr>
+            </a:lvl2pPr>
+            <a:lvl3pPr marL="1142715" indent="-228543" algn="l" defTabSz="914172" rtl="0" eaLnBrk="1" latinLnBrk="0" hangingPunct="1">
+              <a:lnSpc>
+                <a:spcPct val="90000"/>
+              </a:lnSpc>
+              <a:spcBef>
+                <a:spcPts val="500"/>
+              </a:spcBef>
+              <a:buFont typeface="Arial" panose="020B0604020202020204" pitchFamily="34" charset="0"/>
+              <a:buChar char="•"/>
+              <a:defRPr sz="2000" kern="1200">
+                <a:solidFill>
+                  <a:schemeClr val="tx1"/>
+                </a:solidFill>
+                <a:latin typeface="+mn-lt"/>
+                <a:ea typeface="+mn-ea"/>
+                <a:cs typeface="+mn-cs"/>
+              </a:defRPr>
+            </a:lvl3pPr>
+            <a:lvl4pPr marL="1599800" indent="-228543" algn="l" defTabSz="914172" rtl="0" eaLnBrk="1" latinLnBrk="0" hangingPunct="1">
+              <a:lnSpc>
+                <a:spcPct val="90000"/>
+              </a:lnSpc>
+              <a:spcBef>
+                <a:spcPts val="500"/>
+              </a:spcBef>
+              <a:buFont typeface="Arial" panose="020B0604020202020204" pitchFamily="34" charset="0"/>
+              <a:buChar char="•"/>
+              <a:defRPr sz="1800" kern="1200">
+                <a:solidFill>
+                  <a:schemeClr val="tx1"/>
+                </a:solidFill>
+                <a:latin typeface="+mn-lt"/>
+                <a:ea typeface="+mn-ea"/>
+                <a:cs typeface="+mn-cs"/>
+              </a:defRPr>
+            </a:lvl4pPr>
+            <a:lvl5pPr marL="2056886" indent="-228543" algn="l" defTabSz="914172" rtl="0" eaLnBrk="1" latinLnBrk="0" hangingPunct="1">
+              <a:lnSpc>
+                <a:spcPct val="90000"/>
+              </a:lnSpc>
+              <a:spcBef>
+                <a:spcPts val="500"/>
+              </a:spcBef>
+              <a:buFont typeface="Arial" panose="020B0604020202020204" pitchFamily="34" charset="0"/>
+              <a:buChar char="•"/>
+              <a:defRPr sz="1800" kern="1200">
+                <a:solidFill>
+                  <a:schemeClr val="tx1"/>
+                </a:solidFill>
+                <a:latin typeface="+mn-lt"/>
+                <a:ea typeface="+mn-ea"/>
+                <a:cs typeface="+mn-cs"/>
+              </a:defRPr>
+            </a:lvl5pPr>
+            <a:lvl6pPr marL="2513972" indent="-228543" algn="l" defTabSz="914172" rtl="0" eaLnBrk="1" latinLnBrk="0" hangingPunct="1">
+              <a:lnSpc>
+                <a:spcPct val="90000"/>
+              </a:lnSpc>
+              <a:spcBef>
+                <a:spcPts val="500"/>
+              </a:spcBef>
+              <a:buFont typeface="Arial" panose="020B0604020202020204" pitchFamily="34" charset="0"/>
+              <a:buChar char="•"/>
+              <a:defRPr sz="1800" kern="1200">
+                <a:solidFill>
+                  <a:schemeClr val="tx1"/>
+                </a:solidFill>
+                <a:latin typeface="+mn-lt"/>
+                <a:ea typeface="+mn-ea"/>
+                <a:cs typeface="+mn-cs"/>
+              </a:defRPr>
+            </a:lvl6pPr>
+            <a:lvl7pPr marL="2971057" indent="-228543" algn="l" defTabSz="914172" rtl="0" eaLnBrk="1" latinLnBrk="0" hangingPunct="1">
+              <a:lnSpc>
+                <a:spcPct val="90000"/>
+              </a:lnSpc>
+              <a:spcBef>
+                <a:spcPts val="500"/>
+              </a:spcBef>
+              <a:buFont typeface="Arial" panose="020B0604020202020204" pitchFamily="34" charset="0"/>
+              <a:buChar char="•"/>
+              <a:defRPr sz="1800" kern="1200">
+                <a:solidFill>
+                  <a:schemeClr val="tx1"/>
+                </a:solidFill>
+                <a:latin typeface="+mn-lt"/>
+                <a:ea typeface="+mn-ea"/>
+                <a:cs typeface="+mn-cs"/>
+              </a:defRPr>
+            </a:lvl7pPr>
+            <a:lvl8pPr marL="3428143" indent="-228543" algn="l" defTabSz="914172" rtl="0" eaLnBrk="1" latinLnBrk="0" hangingPunct="1">
+              <a:lnSpc>
+                <a:spcPct val="90000"/>
+              </a:lnSpc>
+              <a:spcBef>
+                <a:spcPts val="500"/>
+              </a:spcBef>
+              <a:buFont typeface="Arial" panose="020B0604020202020204" pitchFamily="34" charset="0"/>
+              <a:buChar char="•"/>
+              <a:defRPr sz="1800" kern="1200">
+                <a:solidFill>
+                  <a:schemeClr val="tx1"/>
+                </a:solidFill>
+                <a:latin typeface="+mn-lt"/>
+                <a:ea typeface="+mn-ea"/>
+                <a:cs typeface="+mn-cs"/>
+              </a:defRPr>
+            </a:lvl8pPr>
+            <a:lvl9pPr marL="3885229" indent="-228543" algn="l" defTabSz="914172" rtl="0" eaLnBrk="1" latinLnBrk="0" hangingPunct="1">
+              <a:lnSpc>
+                <a:spcPct val="90000"/>
+              </a:lnSpc>
+              <a:spcBef>
+                <a:spcPts val="500"/>
+              </a:spcBef>
+              <a:buFont typeface="Arial" panose="020B0604020202020204" pitchFamily="34" charset="0"/>
+              <a:buChar char="•"/>
+              <a:defRPr sz="1800" kern="1200">
+                <a:solidFill>
+                  <a:schemeClr val="tx1"/>
+                </a:solidFill>
+                <a:latin typeface="+mn-lt"/>
+                <a:ea typeface="+mn-ea"/>
+                <a:cs typeface="+mn-cs"/>
+              </a:defRPr>
+            </a:lvl9pPr>
+          </a:lstStyle>
+          <a:p>
+            <a:pPr marL="0" marR="0" lvl="0" indent="0" algn="l" defTabSz="914172" rtl="0" eaLnBrk="1" fontAlgn="auto" latinLnBrk="0" hangingPunct="1">
+              <a:lnSpc>
+                <a:spcPct val="150000"/>
+              </a:lnSpc>
+              <a:spcBef>
+                <a:spcPts val="1000"/>
+              </a:spcBef>
+              <a:spcAft>
+                <a:spcPts val="0"/>
+              </a:spcAft>
+              <a:buClr>
+                <a:srgbClr val="1CADE4"/>
+              </a:buClr>
+              <a:buSzPct val="130000"/>
+              <a:buNone/>
+              <a:tabLst/>
+              <a:defRPr/>
+            </a:pPr>
+            <a:r>
+              <a:rPr lang="en-US" sz="2200" dirty="0">
+                <a:solidFill>
+                  <a:prstClr val="black"/>
+                </a:solidFill>
+                <a:latin typeface="Calibri" panose="020F0502020204030204"/>
+              </a:rPr>
+              <a:t>70	-&gt; 38</a:t>
+            </a:r>
+          </a:p>
+          <a:p>
+            <a:pPr marL="0" marR="0" lvl="0" indent="0" algn="l" defTabSz="914172" rtl="0" eaLnBrk="1" fontAlgn="auto" latinLnBrk="0" hangingPunct="1">
+              <a:lnSpc>
+                <a:spcPct val="150000"/>
+              </a:lnSpc>
+              <a:spcBef>
+                <a:spcPts val="1000"/>
+              </a:spcBef>
+              <a:spcAft>
+                <a:spcPts val="0"/>
+              </a:spcAft>
+              <a:buClr>
+                <a:srgbClr val="1CADE4"/>
+              </a:buClr>
+              <a:buSzPct val="130000"/>
+              <a:buNone/>
+              <a:tabLst/>
+              <a:defRPr/>
+            </a:pPr>
+            <a:r>
+              <a:rPr lang="en-US" sz="2200" dirty="0">
+                <a:solidFill>
+                  <a:prstClr val="black"/>
+                </a:solidFill>
+                <a:latin typeface="Calibri" panose="020F0502020204030204"/>
+              </a:rPr>
+              <a:t>68 	-&gt; 38</a:t>
+            </a:r>
+          </a:p>
+          <a:p>
+            <a:pPr marL="0" marR="0" lvl="0" indent="0" algn="l" defTabSz="914172" rtl="0" eaLnBrk="1" fontAlgn="auto" latinLnBrk="0" hangingPunct="1">
+              <a:lnSpc>
+                <a:spcPct val="150000"/>
+              </a:lnSpc>
+              <a:spcBef>
+                <a:spcPts val="1000"/>
+              </a:spcBef>
+              <a:spcAft>
+                <a:spcPts val="0"/>
+              </a:spcAft>
+              <a:buClr>
+                <a:srgbClr val="1CADE4"/>
+              </a:buClr>
+              <a:buSzPct val="130000"/>
+              <a:buNone/>
+              <a:tabLst/>
+              <a:defRPr/>
+            </a:pPr>
+            <a:r>
+              <a:rPr lang="en-US" sz="2200" dirty="0">
+                <a:solidFill>
+                  <a:prstClr val="black"/>
+                </a:solidFill>
+                <a:latin typeface="Calibri" panose="020F0502020204030204"/>
+              </a:rPr>
+              <a:t>1- x/144</a:t>
+            </a:r>
+          </a:p>
+          <a:p>
+            <a:pPr marL="0" marR="0" lvl="0" indent="0" algn="l" defTabSz="914172" rtl="0" eaLnBrk="1" fontAlgn="auto" latinLnBrk="0" hangingPunct="1">
+              <a:lnSpc>
+                <a:spcPct val="150000"/>
+              </a:lnSpc>
+              <a:spcBef>
+                <a:spcPts val="1000"/>
+              </a:spcBef>
+              <a:spcAft>
+                <a:spcPts val="0"/>
+              </a:spcAft>
+              <a:buClr>
+                <a:srgbClr val="1CADE4"/>
+              </a:buClr>
+              <a:buSzPct val="130000"/>
+              <a:buNone/>
+              <a:tabLst/>
+              <a:defRPr/>
+            </a:pPr>
+            <a:r>
+              <a:rPr lang="en-US" sz="2200" dirty="0">
+                <a:solidFill>
+                  <a:prstClr val="black"/>
+                </a:solidFill>
+                <a:latin typeface="Calibri" panose="020F0502020204030204"/>
+              </a:rPr>
+              <a:t>0-&gt;	1</a:t>
+            </a:r>
+          </a:p>
+          <a:p>
+            <a:pPr marL="0" marR="0" lvl="0" indent="0" algn="l" defTabSz="914172" rtl="0" eaLnBrk="1" fontAlgn="auto" latinLnBrk="0" hangingPunct="1">
+              <a:lnSpc>
+                <a:spcPct val="150000"/>
+              </a:lnSpc>
+              <a:spcBef>
+                <a:spcPts val="1000"/>
+              </a:spcBef>
+              <a:spcAft>
+                <a:spcPts val="0"/>
+              </a:spcAft>
+              <a:buClr>
+                <a:srgbClr val="1CADE4"/>
+              </a:buClr>
+              <a:buSzPct val="130000"/>
+              <a:buNone/>
+              <a:tabLst/>
+              <a:defRPr/>
+            </a:pPr>
+            <a:r>
+              <a:rPr lang="en-US" sz="2200" dirty="0">
+                <a:solidFill>
+                  <a:prstClr val="black"/>
+                </a:solidFill>
+                <a:latin typeface="Calibri" panose="020F0502020204030204"/>
+              </a:rPr>
+              <a:t>144-&gt;	0</a:t>
+            </a:r>
+          </a:p>
+          <a:p>
+            <a:pPr marL="0" marR="0" lvl="0" indent="0" algn="l" defTabSz="914172" rtl="0" eaLnBrk="1" fontAlgn="auto" latinLnBrk="0" hangingPunct="1">
+              <a:lnSpc>
+                <a:spcPct val="150000"/>
+              </a:lnSpc>
+              <a:spcBef>
+                <a:spcPts val="1000"/>
+              </a:spcBef>
+              <a:spcAft>
+                <a:spcPts val="0"/>
+              </a:spcAft>
+              <a:buClr>
+                <a:srgbClr val="1CADE4"/>
+              </a:buClr>
+              <a:buSzPct val="130000"/>
+              <a:buNone/>
+              <a:tabLst/>
+              <a:defRPr/>
+            </a:pPr>
+            <a:r>
+              <a:rPr lang="en-US" sz="2200" dirty="0">
+                <a:solidFill>
+                  <a:prstClr val="black"/>
+                </a:solidFill>
+                <a:latin typeface="Calibri" panose="020F0502020204030204"/>
+              </a:rPr>
+              <a:t>38-&gt;	</a:t>
+            </a:r>
+          </a:p>
+          <a:p>
+            <a:pPr marL="0" marR="0" lvl="0" indent="0" algn="l" defTabSz="914172" rtl="0" eaLnBrk="1" fontAlgn="auto" latinLnBrk="0" hangingPunct="1">
+              <a:lnSpc>
+                <a:spcPct val="150000"/>
+              </a:lnSpc>
+              <a:spcBef>
+                <a:spcPts val="1000"/>
+              </a:spcBef>
+              <a:spcAft>
+                <a:spcPts val="0"/>
+              </a:spcAft>
+              <a:buClr>
+                <a:srgbClr val="1CADE4"/>
+              </a:buClr>
+              <a:buSzPct val="130000"/>
+              <a:buNone/>
+              <a:tabLst/>
+              <a:defRPr/>
+            </a:pPr>
+            <a:r>
+              <a:rPr lang="en-US" sz="2200" dirty="0">
+                <a:solidFill>
+                  <a:prstClr val="black"/>
+                </a:solidFill>
+                <a:latin typeface="Calibri" panose="020F0502020204030204"/>
+              </a:rPr>
+              <a:t>48-&gt;</a:t>
+            </a:r>
+          </a:p>
+        </p:txBody>
+      </p:sp>
+    </p:spTree>
+    <p:extLst>
+      <p:ext uri="{BB962C8B-B14F-4D97-AF65-F5344CB8AC3E}">
+        <p14:creationId xmlns:p14="http://schemas.microsoft.com/office/powerpoint/2010/main" val="3954033854"/>
+      </p:ext>
+    </p:extLst>
+  </p:cSld>
+  <p:clrMapOvr>
+    <a:masterClrMapping/>
+  </p:clrMapOvr>
+  <mc:AlternateContent xmlns:mc="http://schemas.openxmlformats.org/markup-compatibility/2006" xmlns:p14="http://schemas.microsoft.com/office/powerpoint/2010/main">
+    <mc:Choice Requires="p14">
+      <p:transition spd="med" p14:dur="700">
+        <p:fade/>
+      </p:transition>
+    </mc:Choice>
+    <mc:Fallback xmlns="">
+      <p:transition spd="med">
+        <p:fade/>
+      </p:transition>
+    </mc:Fallback>
+  </mc:AlternateContent>
+</p:sld>
+</file>
+
+<file path=ppt/slides/slide21.xml><?xml version="1.0" encoding="utf-8"?>
+<p:sld xmlns:a="http://schemas.openxmlformats.org/drawingml/2006/main" xmlns:r="http://schemas.openxmlformats.org/officeDocument/2006/relationships" xmlns:p="http://schemas.openxmlformats.org/presentationml/2006/main">
+  <p:cSld>
+    <p:spTree>
+      <p:nvGrpSpPr>
+        <p:cNvPr id="1" name=""/>
+        <p:cNvGrpSpPr/>
+        <p:nvPr/>
+      </p:nvGrpSpPr>
+      <p:grpSpPr>
+        <a:xfrm>
+          <a:off x="0" y="0"/>
+          <a:ext cx="0" cy="0"/>
+          <a:chOff x="0" y="0"/>
+          <a:chExt cx="0" cy="0"/>
+        </a:xfrm>
+      </p:grpSpPr>
+      <p:sp>
+        <p:nvSpPr>
+          <p:cNvPr id="2" name="Content Placeholder 2">
+            <a:extLst>
+              <a:ext uri="{FF2B5EF4-FFF2-40B4-BE49-F238E27FC236}">
+                <a16:creationId xmlns:a16="http://schemas.microsoft.com/office/drawing/2014/main" id="{9C2A21A1-9E91-4684-A5D4-B0220E27E177}"/>
+              </a:ext>
+            </a:extLst>
+          </p:cNvPr>
+          <p:cNvSpPr txBox="1">
+            <a:spLocks/>
+          </p:cNvSpPr>
+          <p:nvPr/>
+        </p:nvSpPr>
+        <p:spPr>
+          <a:xfrm>
+            <a:off x="838200" y="1825625"/>
+            <a:ext cx="10515600" cy="4351338"/>
+          </a:xfrm>
+          <a:prstGeom prst="rect">
+            <a:avLst/>
+          </a:prstGeom>
+        </p:spPr>
+        <p:txBody>
+          <a:bodyPr/>
+          <a:lstStyle>
+            <a:lvl1pPr marL="228543" indent="-228543" algn="l" defTabSz="914172" rtl="0" eaLnBrk="1" latinLnBrk="0" hangingPunct="1">
+              <a:lnSpc>
+                <a:spcPct val="90000"/>
+              </a:lnSpc>
+              <a:spcBef>
+                <a:spcPts val="1000"/>
+              </a:spcBef>
+              <a:buFont typeface="Arial" panose="020B0604020202020204" pitchFamily="34" charset="0"/>
+              <a:buChar char="•"/>
+              <a:defRPr sz="2800" kern="1200">
+                <a:solidFill>
+                  <a:schemeClr val="tx1"/>
+                </a:solidFill>
+                <a:latin typeface="+mn-lt"/>
+                <a:ea typeface="+mn-ea"/>
+                <a:cs typeface="+mn-cs"/>
+              </a:defRPr>
+            </a:lvl1pPr>
+            <a:lvl2pPr marL="685629" indent="-228543" algn="l" defTabSz="914172" rtl="0" eaLnBrk="1" latinLnBrk="0" hangingPunct="1">
+              <a:lnSpc>
+                <a:spcPct val="90000"/>
+              </a:lnSpc>
+              <a:spcBef>
+                <a:spcPts val="500"/>
+              </a:spcBef>
+              <a:buFont typeface="Arial" panose="020B0604020202020204" pitchFamily="34" charset="0"/>
+              <a:buChar char="•"/>
+              <a:defRPr sz="2400" kern="1200">
+                <a:solidFill>
+                  <a:schemeClr val="tx1"/>
+                </a:solidFill>
+                <a:latin typeface="+mn-lt"/>
+                <a:ea typeface="+mn-ea"/>
+                <a:cs typeface="+mn-cs"/>
+              </a:defRPr>
+            </a:lvl2pPr>
+            <a:lvl3pPr marL="1142715" indent="-228543" algn="l" defTabSz="914172" rtl="0" eaLnBrk="1" latinLnBrk="0" hangingPunct="1">
+              <a:lnSpc>
+                <a:spcPct val="90000"/>
+              </a:lnSpc>
+              <a:spcBef>
+                <a:spcPts val="500"/>
+              </a:spcBef>
+              <a:buFont typeface="Arial" panose="020B0604020202020204" pitchFamily="34" charset="0"/>
+              <a:buChar char="•"/>
+              <a:defRPr sz="2000" kern="1200">
+                <a:solidFill>
+                  <a:schemeClr val="tx1"/>
+                </a:solidFill>
+                <a:latin typeface="+mn-lt"/>
+                <a:ea typeface="+mn-ea"/>
+                <a:cs typeface="+mn-cs"/>
+              </a:defRPr>
+            </a:lvl3pPr>
+            <a:lvl4pPr marL="1599800" indent="-228543" algn="l" defTabSz="914172" rtl="0" eaLnBrk="1" latinLnBrk="0" hangingPunct="1">
+              <a:lnSpc>
+                <a:spcPct val="90000"/>
+              </a:lnSpc>
+              <a:spcBef>
+                <a:spcPts val="500"/>
+              </a:spcBef>
+              <a:buFont typeface="Arial" panose="020B0604020202020204" pitchFamily="34" charset="0"/>
+              <a:buChar char="•"/>
+              <a:defRPr sz="1800" kern="1200">
+                <a:solidFill>
+                  <a:schemeClr val="tx1"/>
+                </a:solidFill>
+                <a:latin typeface="+mn-lt"/>
+                <a:ea typeface="+mn-ea"/>
+                <a:cs typeface="+mn-cs"/>
+              </a:defRPr>
+            </a:lvl4pPr>
+            <a:lvl5pPr marL="2056886" indent="-228543" algn="l" defTabSz="914172" rtl="0" eaLnBrk="1" latinLnBrk="0" hangingPunct="1">
+              <a:lnSpc>
+                <a:spcPct val="90000"/>
+              </a:lnSpc>
+              <a:spcBef>
+                <a:spcPts val="500"/>
+              </a:spcBef>
+              <a:buFont typeface="Arial" panose="020B0604020202020204" pitchFamily="34" charset="0"/>
+              <a:buChar char="•"/>
+              <a:defRPr sz="1800" kern="1200">
+                <a:solidFill>
+                  <a:schemeClr val="tx1"/>
+                </a:solidFill>
+                <a:latin typeface="+mn-lt"/>
+                <a:ea typeface="+mn-ea"/>
+                <a:cs typeface="+mn-cs"/>
+              </a:defRPr>
+            </a:lvl5pPr>
+            <a:lvl6pPr marL="2513972" indent="-228543" algn="l" defTabSz="914172" rtl="0" eaLnBrk="1" latinLnBrk="0" hangingPunct="1">
+              <a:lnSpc>
+                <a:spcPct val="90000"/>
+              </a:lnSpc>
+              <a:spcBef>
+                <a:spcPts val="500"/>
+              </a:spcBef>
+              <a:buFont typeface="Arial" panose="020B0604020202020204" pitchFamily="34" charset="0"/>
+              <a:buChar char="•"/>
+              <a:defRPr sz="1800" kern="1200">
+                <a:solidFill>
+                  <a:schemeClr val="tx1"/>
+                </a:solidFill>
+                <a:latin typeface="+mn-lt"/>
+                <a:ea typeface="+mn-ea"/>
+                <a:cs typeface="+mn-cs"/>
+              </a:defRPr>
+            </a:lvl6pPr>
+            <a:lvl7pPr marL="2971057" indent="-228543" algn="l" defTabSz="914172" rtl="0" eaLnBrk="1" latinLnBrk="0" hangingPunct="1">
+              <a:lnSpc>
+                <a:spcPct val="90000"/>
+              </a:lnSpc>
+              <a:spcBef>
+                <a:spcPts val="500"/>
+              </a:spcBef>
+              <a:buFont typeface="Arial" panose="020B0604020202020204" pitchFamily="34" charset="0"/>
+              <a:buChar char="•"/>
+              <a:defRPr sz="1800" kern="1200">
+                <a:solidFill>
+                  <a:schemeClr val="tx1"/>
+                </a:solidFill>
+                <a:latin typeface="+mn-lt"/>
+                <a:ea typeface="+mn-ea"/>
+                <a:cs typeface="+mn-cs"/>
+              </a:defRPr>
+            </a:lvl7pPr>
+            <a:lvl8pPr marL="3428143" indent="-228543" algn="l" defTabSz="914172" rtl="0" eaLnBrk="1" latinLnBrk="0" hangingPunct="1">
+              <a:lnSpc>
+                <a:spcPct val="90000"/>
+              </a:lnSpc>
+              <a:spcBef>
+                <a:spcPts val="500"/>
+              </a:spcBef>
+              <a:buFont typeface="Arial" panose="020B0604020202020204" pitchFamily="34" charset="0"/>
+              <a:buChar char="•"/>
+              <a:defRPr sz="1800" kern="1200">
+                <a:solidFill>
+                  <a:schemeClr val="tx1"/>
+                </a:solidFill>
+                <a:latin typeface="+mn-lt"/>
+                <a:ea typeface="+mn-ea"/>
+                <a:cs typeface="+mn-cs"/>
+              </a:defRPr>
+            </a:lvl8pPr>
+            <a:lvl9pPr marL="3885229" indent="-228543" algn="l" defTabSz="914172" rtl="0" eaLnBrk="1" latinLnBrk="0" hangingPunct="1">
+              <a:lnSpc>
+                <a:spcPct val="90000"/>
+              </a:lnSpc>
+              <a:spcBef>
+                <a:spcPts val="500"/>
+              </a:spcBef>
+              <a:buFont typeface="Arial" panose="020B0604020202020204" pitchFamily="34" charset="0"/>
+              <a:buChar char="•"/>
+              <a:defRPr sz="1800" kern="1200">
+                <a:solidFill>
+                  <a:schemeClr val="tx1"/>
+                </a:solidFill>
+                <a:latin typeface="+mn-lt"/>
+                <a:ea typeface="+mn-ea"/>
+                <a:cs typeface="+mn-cs"/>
+              </a:defRPr>
+            </a:lvl9pPr>
+          </a:lstStyle>
+          <a:p>
+            <a:pPr marL="0" marR="0" lvl="0" indent="0" algn="l" defTabSz="914172" rtl="0" eaLnBrk="1" fontAlgn="auto" latinLnBrk="0" hangingPunct="1">
+              <a:lnSpc>
+                <a:spcPct val="100000"/>
+              </a:lnSpc>
+              <a:spcBef>
+                <a:spcPts val="1000"/>
+              </a:spcBef>
+              <a:spcAft>
+                <a:spcPts val="0"/>
+              </a:spcAft>
+              <a:buClr>
+                <a:srgbClr val="1CADE4"/>
+              </a:buClr>
+              <a:buSzPct val="130000"/>
+              <a:buNone/>
+              <a:tabLst/>
+              <a:defRPr/>
+            </a:pPr>
+            <a:endParaRPr lang="en-US" sz="1800" dirty="0">
+              <a:solidFill>
+                <a:schemeClr val="bg1">
+                  <a:lumMod val="50000"/>
+                </a:schemeClr>
+              </a:solidFill>
+            </a:endParaRPr>
+          </a:p>
+        </p:txBody>
+      </p:sp>
+      <p:cxnSp>
+        <p:nvCxnSpPr>
+          <p:cNvPr id="3" name="Straight Connector 2">
+            <a:extLst>
+              <a:ext uri="{FF2B5EF4-FFF2-40B4-BE49-F238E27FC236}">
+                <a16:creationId xmlns:a16="http://schemas.microsoft.com/office/drawing/2014/main" id="{63544D0C-9AF7-480B-B59A-0649F7532B5D}"/>
+              </a:ext>
+            </a:extLst>
+          </p:cNvPr>
+          <p:cNvCxnSpPr/>
+          <p:nvPr/>
+        </p:nvCxnSpPr>
+        <p:spPr>
+          <a:xfrm>
+            <a:off x="5805926" y="1409690"/>
+            <a:ext cx="596462" cy="0"/>
+          </a:xfrm>
+          <a:prstGeom prst="line">
+            <a:avLst/>
+          </a:prstGeom>
+          <a:ln w="57150">
+            <a:solidFill>
+              <a:schemeClr val="accent1"/>
+            </a:solidFill>
+          </a:ln>
+        </p:spPr>
+        <p:style>
+          <a:lnRef idx="1">
+            <a:schemeClr val="accent1"/>
+          </a:lnRef>
+          <a:fillRef idx="0">
+            <a:schemeClr val="accent1"/>
+          </a:fillRef>
+          <a:effectRef idx="0">
+            <a:schemeClr val="accent1"/>
+          </a:effectRef>
+          <a:fontRef idx="minor">
+            <a:schemeClr val="tx1"/>
+          </a:fontRef>
+        </p:style>
+      </p:cxnSp>
+      <p:sp>
+        <p:nvSpPr>
+          <p:cNvPr id="4" name="TextBox 3">
+            <a:extLst>
+              <a:ext uri="{FF2B5EF4-FFF2-40B4-BE49-F238E27FC236}">
+                <a16:creationId xmlns:a16="http://schemas.microsoft.com/office/drawing/2014/main" id="{24949596-7C48-4EFF-919F-8FD4F1918F19}"/>
+              </a:ext>
+            </a:extLst>
+          </p:cNvPr>
+          <p:cNvSpPr txBox="1"/>
+          <p:nvPr/>
+        </p:nvSpPr>
+        <p:spPr>
+          <a:xfrm>
+            <a:off x="5243312" y="555392"/>
+            <a:ext cx="1721690" cy="646331"/>
+          </a:xfrm>
+          <a:prstGeom prst="rect">
+            <a:avLst/>
+          </a:prstGeom>
+          <a:noFill/>
+        </p:spPr>
+        <p:txBody>
+          <a:bodyPr wrap="none" rtlCol="0">
+            <a:spAutoFit/>
+          </a:bodyPr>
+          <a:lstStyle/>
+          <a:p>
+            <a:pPr lvl="0" defTabSz="457200"/>
+            <a:r>
+              <a:rPr lang="en-US" sz="3600" b="1" dirty="0">
+                <a:solidFill>
+                  <a:srgbClr val="335B74"/>
+                </a:solidFill>
+                <a:latin typeface="Lato Black"/>
+              </a:rPr>
+              <a:t>Results</a:t>
+            </a:r>
+          </a:p>
+        </p:txBody>
+      </p:sp>
+      <p:sp>
+        <p:nvSpPr>
+          <p:cNvPr id="7" name="Content Placeholder 2">
+            <a:extLst>
+              <a:ext uri="{FF2B5EF4-FFF2-40B4-BE49-F238E27FC236}">
+                <a16:creationId xmlns:a16="http://schemas.microsoft.com/office/drawing/2014/main" id="{8F8DB0B2-804C-4235-8BC1-40C8AE76165C}"/>
+              </a:ext>
+            </a:extLst>
+          </p:cNvPr>
+          <p:cNvSpPr txBox="1">
+            <a:spLocks/>
+          </p:cNvSpPr>
+          <p:nvPr/>
+        </p:nvSpPr>
+        <p:spPr>
+          <a:xfrm>
+            <a:off x="838200" y="1442026"/>
+            <a:ext cx="8484074" cy="4351338"/>
+          </a:xfrm>
+          <a:prstGeom prst="rect">
+            <a:avLst/>
+          </a:prstGeom>
+        </p:spPr>
+        <p:txBody>
+          <a:bodyPr/>
+          <a:lstStyle>
+            <a:lvl1pPr marL="228543" indent="-228543" algn="l" defTabSz="914172" rtl="0" eaLnBrk="1" latinLnBrk="0" hangingPunct="1">
+              <a:lnSpc>
+                <a:spcPct val="90000"/>
+              </a:lnSpc>
+              <a:spcBef>
+                <a:spcPts val="1000"/>
+              </a:spcBef>
+              <a:buFont typeface="Arial" panose="020B0604020202020204" pitchFamily="34" charset="0"/>
+              <a:buChar char="•"/>
+              <a:defRPr sz="2800" kern="1200">
+                <a:solidFill>
+                  <a:schemeClr val="tx1"/>
+                </a:solidFill>
+                <a:latin typeface="+mn-lt"/>
+                <a:ea typeface="+mn-ea"/>
+                <a:cs typeface="+mn-cs"/>
+              </a:defRPr>
+            </a:lvl1pPr>
+            <a:lvl2pPr marL="685629" indent="-228543" algn="l" defTabSz="914172" rtl="0" eaLnBrk="1" latinLnBrk="0" hangingPunct="1">
+              <a:lnSpc>
+                <a:spcPct val="90000"/>
+              </a:lnSpc>
+              <a:spcBef>
+                <a:spcPts val="500"/>
+              </a:spcBef>
+              <a:buFont typeface="Arial" panose="020B0604020202020204" pitchFamily="34" charset="0"/>
+              <a:buChar char="•"/>
+              <a:defRPr sz="2400" kern="1200">
+                <a:solidFill>
+                  <a:schemeClr val="tx1"/>
+                </a:solidFill>
+                <a:latin typeface="+mn-lt"/>
+                <a:ea typeface="+mn-ea"/>
+                <a:cs typeface="+mn-cs"/>
+              </a:defRPr>
+            </a:lvl2pPr>
+            <a:lvl3pPr marL="1142715" indent="-228543" algn="l" defTabSz="914172" rtl="0" eaLnBrk="1" latinLnBrk="0" hangingPunct="1">
+              <a:lnSpc>
+                <a:spcPct val="90000"/>
+              </a:lnSpc>
+              <a:spcBef>
+                <a:spcPts val="500"/>
+              </a:spcBef>
+              <a:buFont typeface="Arial" panose="020B0604020202020204" pitchFamily="34" charset="0"/>
+              <a:buChar char="•"/>
+              <a:defRPr sz="2000" kern="1200">
+                <a:solidFill>
+                  <a:schemeClr val="tx1"/>
+                </a:solidFill>
+                <a:latin typeface="+mn-lt"/>
+                <a:ea typeface="+mn-ea"/>
+                <a:cs typeface="+mn-cs"/>
+              </a:defRPr>
+            </a:lvl3pPr>
+            <a:lvl4pPr marL="1599800" indent="-228543" algn="l" defTabSz="914172" rtl="0" eaLnBrk="1" latinLnBrk="0" hangingPunct="1">
+              <a:lnSpc>
+                <a:spcPct val="90000"/>
+              </a:lnSpc>
+              <a:spcBef>
+                <a:spcPts val="500"/>
+              </a:spcBef>
+              <a:buFont typeface="Arial" panose="020B0604020202020204" pitchFamily="34" charset="0"/>
+              <a:buChar char="•"/>
+              <a:defRPr sz="1800" kern="1200">
+                <a:solidFill>
+                  <a:schemeClr val="tx1"/>
+                </a:solidFill>
+                <a:latin typeface="+mn-lt"/>
+                <a:ea typeface="+mn-ea"/>
+                <a:cs typeface="+mn-cs"/>
+              </a:defRPr>
+            </a:lvl4pPr>
+            <a:lvl5pPr marL="2056886" indent="-228543" algn="l" defTabSz="914172" rtl="0" eaLnBrk="1" latinLnBrk="0" hangingPunct="1">
+              <a:lnSpc>
+                <a:spcPct val="90000"/>
+              </a:lnSpc>
+              <a:spcBef>
+                <a:spcPts val="500"/>
+              </a:spcBef>
+              <a:buFont typeface="Arial" panose="020B0604020202020204" pitchFamily="34" charset="0"/>
+              <a:buChar char="•"/>
+              <a:defRPr sz="1800" kern="1200">
+                <a:solidFill>
+                  <a:schemeClr val="tx1"/>
+                </a:solidFill>
+                <a:latin typeface="+mn-lt"/>
+                <a:ea typeface="+mn-ea"/>
+                <a:cs typeface="+mn-cs"/>
+              </a:defRPr>
+            </a:lvl5pPr>
+            <a:lvl6pPr marL="2513972" indent="-228543" algn="l" defTabSz="914172" rtl="0" eaLnBrk="1" latinLnBrk="0" hangingPunct="1">
+              <a:lnSpc>
+                <a:spcPct val="90000"/>
+              </a:lnSpc>
+              <a:spcBef>
+                <a:spcPts val="500"/>
+              </a:spcBef>
+              <a:buFont typeface="Arial" panose="020B0604020202020204" pitchFamily="34" charset="0"/>
+              <a:buChar char="•"/>
+              <a:defRPr sz="1800" kern="1200">
+                <a:solidFill>
+                  <a:schemeClr val="tx1"/>
+                </a:solidFill>
+                <a:latin typeface="+mn-lt"/>
+                <a:ea typeface="+mn-ea"/>
+                <a:cs typeface="+mn-cs"/>
+              </a:defRPr>
+            </a:lvl6pPr>
+            <a:lvl7pPr marL="2971057" indent="-228543" algn="l" defTabSz="914172" rtl="0" eaLnBrk="1" latinLnBrk="0" hangingPunct="1">
+              <a:lnSpc>
+                <a:spcPct val="90000"/>
+              </a:lnSpc>
+              <a:spcBef>
+                <a:spcPts val="500"/>
+              </a:spcBef>
+              <a:buFont typeface="Arial" panose="020B0604020202020204" pitchFamily="34" charset="0"/>
+              <a:buChar char="•"/>
+              <a:defRPr sz="1800" kern="1200">
+                <a:solidFill>
+                  <a:schemeClr val="tx1"/>
+                </a:solidFill>
+                <a:latin typeface="+mn-lt"/>
+                <a:ea typeface="+mn-ea"/>
+                <a:cs typeface="+mn-cs"/>
+              </a:defRPr>
+            </a:lvl7pPr>
+            <a:lvl8pPr marL="3428143" indent="-228543" algn="l" defTabSz="914172" rtl="0" eaLnBrk="1" latinLnBrk="0" hangingPunct="1">
+              <a:lnSpc>
+                <a:spcPct val="90000"/>
+              </a:lnSpc>
+              <a:spcBef>
+                <a:spcPts val="500"/>
+              </a:spcBef>
+              <a:buFont typeface="Arial" panose="020B0604020202020204" pitchFamily="34" charset="0"/>
+              <a:buChar char="•"/>
+              <a:defRPr sz="1800" kern="1200">
+                <a:solidFill>
+                  <a:schemeClr val="tx1"/>
+                </a:solidFill>
+                <a:latin typeface="+mn-lt"/>
+                <a:ea typeface="+mn-ea"/>
+                <a:cs typeface="+mn-cs"/>
+              </a:defRPr>
+            </a:lvl8pPr>
+            <a:lvl9pPr marL="3885229" indent="-228543" algn="l" defTabSz="914172" rtl="0" eaLnBrk="1" latinLnBrk="0" hangingPunct="1">
+              <a:lnSpc>
+                <a:spcPct val="90000"/>
+              </a:lnSpc>
+              <a:spcBef>
+                <a:spcPts val="500"/>
+              </a:spcBef>
+              <a:buFont typeface="Arial" panose="020B0604020202020204" pitchFamily="34" charset="0"/>
+              <a:buChar char="•"/>
+              <a:defRPr sz="1800" kern="1200">
+                <a:solidFill>
+                  <a:schemeClr val="tx1"/>
+                </a:solidFill>
+                <a:latin typeface="+mn-lt"/>
+                <a:ea typeface="+mn-ea"/>
+                <a:cs typeface="+mn-cs"/>
+              </a:defRPr>
+            </a:lvl9pPr>
+          </a:lstStyle>
+          <a:p>
+            <a:pPr marL="0" marR="0" lvl="0" indent="0" algn="l" defTabSz="914172" rtl="0" eaLnBrk="1" fontAlgn="auto" latinLnBrk="0" hangingPunct="1">
+              <a:lnSpc>
+                <a:spcPct val="150000"/>
+              </a:lnSpc>
+              <a:spcBef>
+                <a:spcPts val="1000"/>
+              </a:spcBef>
+              <a:spcAft>
+                <a:spcPts val="0"/>
+              </a:spcAft>
+              <a:buClr>
+                <a:srgbClr val="1CADE4"/>
+              </a:buClr>
+              <a:buSzPct val="130000"/>
+              <a:buNone/>
+              <a:tabLst/>
+              <a:defRPr/>
+            </a:pPr>
+            <a:r>
+              <a:rPr lang="en-US" sz="1800" dirty="0">
+                <a:solidFill>
+                  <a:prstClr val="black"/>
+                </a:solidFill>
+                <a:latin typeface="Calibri" panose="020F0502020204030204"/>
+              </a:rPr>
+              <a:t> 0.48	-&gt; 0.67</a:t>
+            </a:r>
+          </a:p>
+          <a:p>
+            <a:pPr marL="457200" marR="0" lvl="0" indent="-457200" algn="l" defTabSz="914172" rtl="0" eaLnBrk="1" fontAlgn="auto" latinLnBrk="0" hangingPunct="1">
+              <a:lnSpc>
+                <a:spcPct val="150000"/>
+              </a:lnSpc>
+              <a:spcBef>
+                <a:spcPts val="1000"/>
+              </a:spcBef>
+              <a:spcAft>
+                <a:spcPts val="0"/>
+              </a:spcAft>
+              <a:buClr>
+                <a:srgbClr val="1CADE4"/>
+              </a:buClr>
+              <a:buSzPct val="130000"/>
+              <a:buAutoNum type="arabicPlain" startAt="72"/>
+              <a:tabLst/>
+              <a:defRPr/>
+            </a:pPr>
+            <a:r>
+              <a:rPr lang="en-US" sz="1800" dirty="0">
+                <a:solidFill>
+                  <a:prstClr val="black"/>
+                </a:solidFill>
+                <a:latin typeface="Calibri" panose="020F0502020204030204"/>
+              </a:rPr>
+              <a:t>-&gt; 50</a:t>
+            </a:r>
+          </a:p>
+          <a:p>
+            <a:pPr marL="0" marR="0" lvl="0" indent="0" algn="l" defTabSz="914172" rtl="0" eaLnBrk="1" fontAlgn="auto" latinLnBrk="0" hangingPunct="1">
+              <a:lnSpc>
+                <a:spcPct val="150000"/>
+              </a:lnSpc>
+              <a:spcBef>
+                <a:spcPts val="1000"/>
+              </a:spcBef>
+              <a:spcAft>
+                <a:spcPts val="0"/>
+              </a:spcAft>
+              <a:buClr>
+                <a:srgbClr val="1CADE4"/>
+              </a:buClr>
+              <a:buSzPct val="130000"/>
+              <a:buNone/>
+              <a:tabLst/>
+              <a:defRPr/>
+            </a:pPr>
+            <a:r>
+              <a:rPr lang="en-US" sz="1800" dirty="0">
+                <a:solidFill>
+                  <a:prstClr val="black"/>
+                </a:solidFill>
+                <a:latin typeface="Calibri" panose="020F0502020204030204"/>
+              </a:rPr>
+              <a:t>72 -&gt; 48</a:t>
+            </a:r>
+          </a:p>
+          <a:p>
+            <a:pPr marL="0" marR="0" lvl="0" indent="0" algn="l" defTabSz="914172" rtl="0" eaLnBrk="1" fontAlgn="auto" latinLnBrk="0" hangingPunct="1">
+              <a:lnSpc>
+                <a:spcPct val="150000"/>
+              </a:lnSpc>
+              <a:spcBef>
+                <a:spcPts val="1000"/>
+              </a:spcBef>
+              <a:spcAft>
+                <a:spcPts val="0"/>
+              </a:spcAft>
+              <a:buClr>
+                <a:srgbClr val="1CADE4"/>
+              </a:buClr>
+              <a:buSzPct val="130000"/>
+              <a:buNone/>
+              <a:tabLst/>
+              <a:defRPr/>
+            </a:pPr>
+            <a:r>
+              <a:rPr lang="en-US" sz="1800" dirty="0">
+                <a:solidFill>
+                  <a:prstClr val="black"/>
+                </a:solidFill>
+                <a:latin typeface="Calibri" panose="020F0502020204030204"/>
+              </a:rPr>
+              <a:t>70 -&gt; 50	</a:t>
+            </a:r>
+          </a:p>
+          <a:p>
+            <a:pPr marL="0" marR="0" lvl="0" indent="0" algn="l" defTabSz="914172" rtl="0" eaLnBrk="1" fontAlgn="auto" latinLnBrk="0" hangingPunct="1">
+              <a:lnSpc>
+                <a:spcPct val="150000"/>
+              </a:lnSpc>
+              <a:spcBef>
+                <a:spcPts val="1000"/>
+              </a:spcBef>
+              <a:spcAft>
+                <a:spcPts val="0"/>
+              </a:spcAft>
+              <a:buClr>
+                <a:srgbClr val="1CADE4"/>
+              </a:buClr>
+              <a:buSzPct val="130000"/>
+              <a:buNone/>
+              <a:tabLst/>
+              <a:defRPr/>
+            </a:pPr>
+            <a:r>
+              <a:rPr lang="en-US" sz="1800" dirty="0">
+                <a:solidFill>
+                  <a:prstClr val="black"/>
+                </a:solidFill>
+                <a:latin typeface="Calibri" panose="020F0502020204030204"/>
+              </a:rPr>
+              <a:t>70 -&gt; 46</a:t>
+            </a:r>
+          </a:p>
+          <a:p>
+            <a:pPr marL="0" lvl="0" indent="0">
+              <a:lnSpc>
+                <a:spcPct val="150000"/>
+              </a:lnSpc>
+              <a:buClr>
+                <a:srgbClr val="1CADE4"/>
+              </a:buClr>
+              <a:buSzPct val="130000"/>
+              <a:buNone/>
+              <a:defRPr/>
+            </a:pPr>
+            <a:r>
+              <a:rPr lang="en-US" sz="1800" dirty="0">
+                <a:solidFill>
+                  <a:prstClr val="black"/>
+                </a:solidFill>
+                <a:latin typeface="Calibri" panose="020F0502020204030204"/>
+              </a:rPr>
+              <a:t>70 -&gt; 48	</a:t>
+            </a:r>
+            <a:r>
+              <a:rPr lang="en-US" sz="1800" dirty="0">
+                <a:solidFill>
+                  <a:prstClr val="black"/>
+                </a:solidFill>
+              </a:rPr>
+              <a:t>	XOVER_METHOD = "arithmetic"</a:t>
+            </a:r>
+            <a:r>
+              <a:rPr lang="en-US" sz="1800" dirty="0">
+                <a:solidFill>
+                  <a:prstClr val="black"/>
+                </a:solidFill>
+                <a:latin typeface="Calibri" panose="020F0502020204030204"/>
+              </a:rPr>
+              <a:t>	</a:t>
+            </a:r>
+          </a:p>
+          <a:p>
+            <a:pPr marL="0" lvl="0" indent="0">
+              <a:lnSpc>
+                <a:spcPct val="150000"/>
+              </a:lnSpc>
+              <a:buClr>
+                <a:srgbClr val="1CADE4"/>
+              </a:buClr>
+              <a:buSzPct val="130000"/>
+              <a:buNone/>
+              <a:defRPr/>
+            </a:pPr>
+            <a:r>
+              <a:rPr lang="en-US" sz="1800" dirty="0">
+                <a:solidFill>
+                  <a:prstClr val="black"/>
+                </a:solidFill>
+                <a:latin typeface="Calibri" panose="020F0502020204030204"/>
+              </a:rPr>
+              <a:t>70 -&gt; 44		</a:t>
+            </a:r>
+            <a:r>
+              <a:rPr lang="en-US" sz="1800" dirty="0">
+                <a:solidFill>
+                  <a:prstClr val="black"/>
+                </a:solidFill>
+              </a:rPr>
+              <a:t>CROSSOVER_RATE = 1</a:t>
+            </a:r>
+          </a:p>
+          <a:p>
+            <a:pPr marL="0" lvl="0" indent="0">
+              <a:lnSpc>
+                <a:spcPct val="150000"/>
+              </a:lnSpc>
+              <a:buClr>
+                <a:srgbClr val="1CADE4"/>
+              </a:buClr>
+              <a:buSzPct val="130000"/>
+              <a:buNone/>
+              <a:defRPr/>
+            </a:pPr>
+            <a:r>
+              <a:rPr lang="en-US" sz="1800" dirty="0">
+                <a:solidFill>
+                  <a:prstClr val="black"/>
+                </a:solidFill>
+              </a:rPr>
+              <a:t>68 -&gt; 		mutate = 0.7	cross = 1</a:t>
+            </a:r>
+          </a:p>
+          <a:p>
+            <a:pPr marL="0" lvl="0" indent="0">
+              <a:lnSpc>
+                <a:spcPct val="150000"/>
+              </a:lnSpc>
+              <a:buClr>
+                <a:srgbClr val="1CADE4"/>
+              </a:buClr>
+              <a:buSzPct val="130000"/>
+              <a:buNone/>
+              <a:defRPr/>
+            </a:pPr>
+            <a:endParaRPr lang="en-US" sz="1800" dirty="0">
+              <a:solidFill>
+                <a:prstClr val="black"/>
+              </a:solidFill>
+              <a:latin typeface="Calibri" panose="020F0502020204030204"/>
+            </a:endParaRPr>
+          </a:p>
+        </p:txBody>
+      </p:sp>
+      <p:sp>
+        <p:nvSpPr>
+          <p:cNvPr id="5" name="Rectangle 4">
+            <a:extLst>
+              <a:ext uri="{FF2B5EF4-FFF2-40B4-BE49-F238E27FC236}">
+                <a16:creationId xmlns:a16="http://schemas.microsoft.com/office/drawing/2014/main" id="{AC81136E-519A-4B8D-94CF-726F78300190}"/>
+              </a:ext>
+            </a:extLst>
+          </p:cNvPr>
+          <p:cNvSpPr/>
+          <p:nvPr/>
+        </p:nvSpPr>
+        <p:spPr>
+          <a:xfrm>
+            <a:off x="2556565" y="4556760"/>
+            <a:ext cx="3322320" cy="338554"/>
+          </a:xfrm>
+          <a:prstGeom prst="rect">
+            <a:avLst/>
+          </a:prstGeom>
+        </p:spPr>
+        <p:txBody>
+          <a:bodyPr wrap="none">
+            <a:spAutoFit/>
+          </a:bodyPr>
+          <a:lstStyle/>
+          <a:p>
+            <a:r>
+              <a:rPr lang="en-US" sz="1600" dirty="0"/>
+              <a:t>MUTATION_RATE = 0.5 , ELITSM = 0.1 </a:t>
+            </a:r>
+          </a:p>
+        </p:txBody>
+      </p:sp>
+    </p:spTree>
+    <p:extLst>
+      <p:ext uri="{BB962C8B-B14F-4D97-AF65-F5344CB8AC3E}">
+        <p14:creationId xmlns:p14="http://schemas.microsoft.com/office/powerpoint/2010/main" val="2048484929"/>
+      </p:ext>
+    </p:extLst>
+  </p:cSld>
+  <p:clrMapOvr>
+    <a:masterClrMapping/>
+  </p:clrMapOvr>
+  <mc:AlternateContent xmlns:mc="http://schemas.openxmlformats.org/markup-compatibility/2006" xmlns:p14="http://schemas.microsoft.com/office/powerpoint/2010/main">
+    <mc:Choice Requires="p14">
+      <p:transition spd="med" p14:dur="700">
+        <p:fade/>
+      </p:transition>
+    </mc:Choice>
+    <mc:Fallback xmlns="">
+      <p:transition spd="med">
+        <p:fade/>
+      </p:transition>
+    </mc:Fallback>
+  </mc:AlternateContent>
+</p:sld>
+</file>
+
+<file path=ppt/slides/slide22.xml><?xml version="1.0" encoding="utf-8"?>
+<p:sld xmlns:a="http://schemas.openxmlformats.org/drawingml/2006/main" xmlns:r="http://schemas.openxmlformats.org/officeDocument/2006/relationships" xmlns:p="http://schemas.openxmlformats.org/presentationml/2006/main">
+  <p:cSld>
+    <p:spTree>
+      <p:nvGrpSpPr>
+        <p:cNvPr id="1" name=""/>
+        <p:cNvGrpSpPr/>
+        <p:nvPr/>
+      </p:nvGrpSpPr>
+      <p:grpSpPr>
+        <a:xfrm>
+          <a:off x="0" y="0"/>
+          <a:ext cx="0" cy="0"/>
+          <a:chOff x="0" y="0"/>
+          <a:chExt cx="0" cy="0"/>
+        </a:xfrm>
+      </p:grpSpPr>
+      <p:sp>
+        <p:nvSpPr>
+          <p:cNvPr id="2" name="Content Placeholder 2">
+            <a:extLst>
+              <a:ext uri="{FF2B5EF4-FFF2-40B4-BE49-F238E27FC236}">
+                <a16:creationId xmlns:a16="http://schemas.microsoft.com/office/drawing/2014/main" id="{9C2A21A1-9E91-4684-A5D4-B0220E27E177}"/>
+              </a:ext>
+            </a:extLst>
+          </p:cNvPr>
+          <p:cNvSpPr txBox="1">
+            <a:spLocks/>
+          </p:cNvSpPr>
+          <p:nvPr/>
+        </p:nvSpPr>
+        <p:spPr>
+          <a:xfrm>
+            <a:off x="838200" y="1825625"/>
+            <a:ext cx="10515600" cy="4351338"/>
+          </a:xfrm>
+          <a:prstGeom prst="rect">
+            <a:avLst/>
+          </a:prstGeom>
+        </p:spPr>
+        <p:txBody>
+          <a:bodyPr/>
+          <a:lstStyle>
+            <a:lvl1pPr marL="228543" indent="-228543" algn="l" defTabSz="914172" rtl="0" eaLnBrk="1" latinLnBrk="0" hangingPunct="1">
+              <a:lnSpc>
+                <a:spcPct val="90000"/>
+              </a:lnSpc>
+              <a:spcBef>
+                <a:spcPts val="1000"/>
+              </a:spcBef>
+              <a:buFont typeface="Arial" panose="020B0604020202020204" pitchFamily="34" charset="0"/>
+              <a:buChar char="•"/>
+              <a:defRPr sz="2800" kern="1200">
+                <a:solidFill>
+                  <a:schemeClr val="tx1"/>
+                </a:solidFill>
+                <a:latin typeface="+mn-lt"/>
+                <a:ea typeface="+mn-ea"/>
+                <a:cs typeface="+mn-cs"/>
+              </a:defRPr>
+            </a:lvl1pPr>
+            <a:lvl2pPr marL="685629" indent="-228543" algn="l" defTabSz="914172" rtl="0" eaLnBrk="1" latinLnBrk="0" hangingPunct="1">
+              <a:lnSpc>
+                <a:spcPct val="90000"/>
+              </a:lnSpc>
+              <a:spcBef>
+                <a:spcPts val="500"/>
+              </a:spcBef>
+              <a:buFont typeface="Arial" panose="020B0604020202020204" pitchFamily="34" charset="0"/>
+              <a:buChar char="•"/>
+              <a:defRPr sz="2400" kern="1200">
+                <a:solidFill>
+                  <a:schemeClr val="tx1"/>
+                </a:solidFill>
+                <a:latin typeface="+mn-lt"/>
+                <a:ea typeface="+mn-ea"/>
+                <a:cs typeface="+mn-cs"/>
+              </a:defRPr>
+            </a:lvl2pPr>
+            <a:lvl3pPr marL="1142715" indent="-228543" algn="l" defTabSz="914172" rtl="0" eaLnBrk="1" latinLnBrk="0" hangingPunct="1">
+              <a:lnSpc>
+                <a:spcPct val="90000"/>
+              </a:lnSpc>
+              <a:spcBef>
+                <a:spcPts val="500"/>
+              </a:spcBef>
+              <a:buFont typeface="Arial" panose="020B0604020202020204" pitchFamily="34" charset="0"/>
+              <a:buChar char="•"/>
+              <a:defRPr sz="2000" kern="1200">
+                <a:solidFill>
+                  <a:schemeClr val="tx1"/>
+                </a:solidFill>
+                <a:latin typeface="+mn-lt"/>
+                <a:ea typeface="+mn-ea"/>
+                <a:cs typeface="+mn-cs"/>
+              </a:defRPr>
+            </a:lvl3pPr>
+            <a:lvl4pPr marL="1599800" indent="-228543" algn="l" defTabSz="914172" rtl="0" eaLnBrk="1" latinLnBrk="0" hangingPunct="1">
+              <a:lnSpc>
+                <a:spcPct val="90000"/>
+              </a:lnSpc>
+              <a:spcBef>
+                <a:spcPts val="500"/>
+              </a:spcBef>
+              <a:buFont typeface="Arial" panose="020B0604020202020204" pitchFamily="34" charset="0"/>
+              <a:buChar char="•"/>
+              <a:defRPr sz="1800" kern="1200">
+                <a:solidFill>
+                  <a:schemeClr val="tx1"/>
+                </a:solidFill>
+                <a:latin typeface="+mn-lt"/>
+                <a:ea typeface="+mn-ea"/>
+                <a:cs typeface="+mn-cs"/>
+              </a:defRPr>
+            </a:lvl4pPr>
+            <a:lvl5pPr marL="2056886" indent="-228543" algn="l" defTabSz="914172" rtl="0" eaLnBrk="1" latinLnBrk="0" hangingPunct="1">
+              <a:lnSpc>
+                <a:spcPct val="90000"/>
+              </a:lnSpc>
+              <a:spcBef>
+                <a:spcPts val="500"/>
+              </a:spcBef>
+              <a:buFont typeface="Arial" panose="020B0604020202020204" pitchFamily="34" charset="0"/>
+              <a:buChar char="•"/>
+              <a:defRPr sz="1800" kern="1200">
+                <a:solidFill>
+                  <a:schemeClr val="tx1"/>
+                </a:solidFill>
+                <a:latin typeface="+mn-lt"/>
+                <a:ea typeface="+mn-ea"/>
+                <a:cs typeface="+mn-cs"/>
+              </a:defRPr>
+            </a:lvl5pPr>
+            <a:lvl6pPr marL="2513972" indent="-228543" algn="l" defTabSz="914172" rtl="0" eaLnBrk="1" latinLnBrk="0" hangingPunct="1">
+              <a:lnSpc>
+                <a:spcPct val="90000"/>
+              </a:lnSpc>
+              <a:spcBef>
+                <a:spcPts val="500"/>
+              </a:spcBef>
+              <a:buFont typeface="Arial" panose="020B0604020202020204" pitchFamily="34" charset="0"/>
+              <a:buChar char="•"/>
+              <a:defRPr sz="1800" kern="1200">
+                <a:solidFill>
+                  <a:schemeClr val="tx1"/>
+                </a:solidFill>
+                <a:latin typeface="+mn-lt"/>
+                <a:ea typeface="+mn-ea"/>
+                <a:cs typeface="+mn-cs"/>
+              </a:defRPr>
+            </a:lvl6pPr>
+            <a:lvl7pPr marL="2971057" indent="-228543" algn="l" defTabSz="914172" rtl="0" eaLnBrk="1" latinLnBrk="0" hangingPunct="1">
+              <a:lnSpc>
+                <a:spcPct val="90000"/>
+              </a:lnSpc>
+              <a:spcBef>
+                <a:spcPts val="500"/>
+              </a:spcBef>
+              <a:buFont typeface="Arial" panose="020B0604020202020204" pitchFamily="34" charset="0"/>
+              <a:buChar char="•"/>
+              <a:defRPr sz="1800" kern="1200">
+                <a:solidFill>
+                  <a:schemeClr val="tx1"/>
+                </a:solidFill>
+                <a:latin typeface="+mn-lt"/>
+                <a:ea typeface="+mn-ea"/>
+                <a:cs typeface="+mn-cs"/>
+              </a:defRPr>
+            </a:lvl7pPr>
+            <a:lvl8pPr marL="3428143" indent="-228543" algn="l" defTabSz="914172" rtl="0" eaLnBrk="1" latinLnBrk="0" hangingPunct="1">
+              <a:lnSpc>
+                <a:spcPct val="90000"/>
+              </a:lnSpc>
+              <a:spcBef>
+                <a:spcPts val="500"/>
+              </a:spcBef>
+              <a:buFont typeface="Arial" panose="020B0604020202020204" pitchFamily="34" charset="0"/>
+              <a:buChar char="•"/>
+              <a:defRPr sz="1800" kern="1200">
+                <a:solidFill>
+                  <a:schemeClr val="tx1"/>
+                </a:solidFill>
+                <a:latin typeface="+mn-lt"/>
+                <a:ea typeface="+mn-ea"/>
+                <a:cs typeface="+mn-cs"/>
+              </a:defRPr>
+            </a:lvl8pPr>
+            <a:lvl9pPr marL="3885229" indent="-228543" algn="l" defTabSz="914172" rtl="0" eaLnBrk="1" latinLnBrk="0" hangingPunct="1">
+              <a:lnSpc>
+                <a:spcPct val="90000"/>
+              </a:lnSpc>
+              <a:spcBef>
+                <a:spcPts val="500"/>
+              </a:spcBef>
+              <a:buFont typeface="Arial" panose="020B0604020202020204" pitchFamily="34" charset="0"/>
+              <a:buChar char="•"/>
+              <a:defRPr sz="1800" kern="1200">
+                <a:solidFill>
+                  <a:schemeClr val="tx1"/>
+                </a:solidFill>
+                <a:latin typeface="+mn-lt"/>
+                <a:ea typeface="+mn-ea"/>
+                <a:cs typeface="+mn-cs"/>
+              </a:defRPr>
+            </a:lvl9pPr>
+          </a:lstStyle>
+          <a:p>
+            <a:pPr marL="0" marR="0" lvl="0" indent="0" algn="l" defTabSz="914172" rtl="0" eaLnBrk="1" fontAlgn="auto" latinLnBrk="0" hangingPunct="1">
+              <a:lnSpc>
+                <a:spcPct val="100000"/>
+              </a:lnSpc>
+              <a:spcBef>
+                <a:spcPts val="1000"/>
+              </a:spcBef>
+              <a:spcAft>
+                <a:spcPts val="0"/>
+              </a:spcAft>
+              <a:buClr>
+                <a:srgbClr val="1CADE4"/>
+              </a:buClr>
+              <a:buSzPct val="130000"/>
+              <a:buNone/>
+              <a:tabLst/>
+              <a:defRPr/>
+            </a:pPr>
+            <a:endParaRPr lang="en-US" sz="1800" dirty="0">
+              <a:solidFill>
+                <a:schemeClr val="bg1">
+                  <a:lumMod val="50000"/>
+                </a:schemeClr>
+              </a:solidFill>
+            </a:endParaRPr>
+          </a:p>
+        </p:txBody>
+      </p:sp>
+      <p:cxnSp>
+        <p:nvCxnSpPr>
+          <p:cNvPr id="3" name="Straight Connector 2">
+            <a:extLst>
+              <a:ext uri="{FF2B5EF4-FFF2-40B4-BE49-F238E27FC236}">
+                <a16:creationId xmlns:a16="http://schemas.microsoft.com/office/drawing/2014/main" id="{63544D0C-9AF7-480B-B59A-0649F7532B5D}"/>
+              </a:ext>
+            </a:extLst>
+          </p:cNvPr>
+          <p:cNvCxnSpPr/>
+          <p:nvPr/>
+        </p:nvCxnSpPr>
+        <p:spPr>
+          <a:xfrm>
+            <a:off x="5805926" y="1409690"/>
+            <a:ext cx="596462" cy="0"/>
+          </a:xfrm>
+          <a:prstGeom prst="line">
+            <a:avLst/>
+          </a:prstGeom>
+          <a:ln w="57150">
+            <a:solidFill>
+              <a:schemeClr val="accent1"/>
+            </a:solidFill>
+          </a:ln>
+        </p:spPr>
+        <p:style>
+          <a:lnRef idx="1">
+            <a:schemeClr val="accent1"/>
+          </a:lnRef>
+          <a:fillRef idx="0">
+            <a:schemeClr val="accent1"/>
+          </a:fillRef>
+          <a:effectRef idx="0">
+            <a:schemeClr val="accent1"/>
+          </a:effectRef>
+          <a:fontRef idx="minor">
+            <a:schemeClr val="tx1"/>
+          </a:fontRef>
+        </p:style>
+      </p:cxnSp>
+      <p:sp>
+        <p:nvSpPr>
+          <p:cNvPr id="4" name="TextBox 3">
+            <a:extLst>
+              <a:ext uri="{FF2B5EF4-FFF2-40B4-BE49-F238E27FC236}">
+                <a16:creationId xmlns:a16="http://schemas.microsoft.com/office/drawing/2014/main" id="{24949596-7C48-4EFF-919F-8FD4F1918F19}"/>
+              </a:ext>
+            </a:extLst>
+          </p:cNvPr>
+          <p:cNvSpPr txBox="1"/>
+          <p:nvPr/>
+        </p:nvSpPr>
+        <p:spPr>
+          <a:xfrm>
+            <a:off x="5243312" y="555392"/>
+            <a:ext cx="1721690" cy="646331"/>
+          </a:xfrm>
+          <a:prstGeom prst="rect">
+            <a:avLst/>
+          </a:prstGeom>
+          <a:noFill/>
+        </p:spPr>
+        <p:txBody>
+          <a:bodyPr wrap="none" rtlCol="0">
+            <a:spAutoFit/>
+          </a:bodyPr>
+          <a:lstStyle/>
+          <a:p>
+            <a:pPr lvl="0" defTabSz="457200"/>
+            <a:r>
+              <a:rPr lang="en-US" sz="3600" b="1" dirty="0">
+                <a:solidFill>
+                  <a:srgbClr val="335B74"/>
+                </a:solidFill>
+                <a:latin typeface="Lato Black"/>
+              </a:rPr>
+              <a:t>Results</a:t>
+            </a:r>
+          </a:p>
+        </p:txBody>
+      </p:sp>
+      <p:sp>
+        <p:nvSpPr>
+          <p:cNvPr id="7" name="Content Placeholder 2">
+            <a:extLst>
+              <a:ext uri="{FF2B5EF4-FFF2-40B4-BE49-F238E27FC236}">
+                <a16:creationId xmlns:a16="http://schemas.microsoft.com/office/drawing/2014/main" id="{8F8DB0B2-804C-4235-8BC1-40C8AE76165C}"/>
+              </a:ext>
+            </a:extLst>
+          </p:cNvPr>
+          <p:cNvSpPr txBox="1">
+            <a:spLocks/>
+          </p:cNvSpPr>
+          <p:nvPr/>
+        </p:nvSpPr>
+        <p:spPr>
+          <a:xfrm>
+            <a:off x="838200" y="1442026"/>
+            <a:ext cx="8484074" cy="4351338"/>
+          </a:xfrm>
+          <a:prstGeom prst="rect">
+            <a:avLst/>
+          </a:prstGeom>
+        </p:spPr>
+        <p:txBody>
+          <a:bodyPr/>
+          <a:lstStyle>
+            <a:lvl1pPr marL="228543" indent="-228543" algn="l" defTabSz="914172" rtl="0" eaLnBrk="1" latinLnBrk="0" hangingPunct="1">
+              <a:lnSpc>
+                <a:spcPct val="90000"/>
+              </a:lnSpc>
+              <a:spcBef>
+                <a:spcPts val="1000"/>
+              </a:spcBef>
+              <a:buFont typeface="Arial" panose="020B0604020202020204" pitchFamily="34" charset="0"/>
+              <a:buChar char="•"/>
+              <a:defRPr sz="2800" kern="1200">
+                <a:solidFill>
+                  <a:schemeClr val="tx1"/>
+                </a:solidFill>
+                <a:latin typeface="+mn-lt"/>
+                <a:ea typeface="+mn-ea"/>
+                <a:cs typeface="+mn-cs"/>
+              </a:defRPr>
+            </a:lvl1pPr>
+            <a:lvl2pPr marL="685629" indent="-228543" algn="l" defTabSz="914172" rtl="0" eaLnBrk="1" latinLnBrk="0" hangingPunct="1">
+              <a:lnSpc>
+                <a:spcPct val="90000"/>
+              </a:lnSpc>
+              <a:spcBef>
+                <a:spcPts val="500"/>
+              </a:spcBef>
+              <a:buFont typeface="Arial" panose="020B0604020202020204" pitchFamily="34" charset="0"/>
+              <a:buChar char="•"/>
+              <a:defRPr sz="2400" kern="1200">
+                <a:solidFill>
+                  <a:schemeClr val="tx1"/>
+                </a:solidFill>
+                <a:latin typeface="+mn-lt"/>
+                <a:ea typeface="+mn-ea"/>
+                <a:cs typeface="+mn-cs"/>
+              </a:defRPr>
+            </a:lvl2pPr>
+            <a:lvl3pPr marL="1142715" indent="-228543" algn="l" defTabSz="914172" rtl="0" eaLnBrk="1" latinLnBrk="0" hangingPunct="1">
+              <a:lnSpc>
+                <a:spcPct val="90000"/>
+              </a:lnSpc>
+              <a:spcBef>
+                <a:spcPts val="500"/>
+              </a:spcBef>
+              <a:buFont typeface="Arial" panose="020B0604020202020204" pitchFamily="34" charset="0"/>
+              <a:buChar char="•"/>
+              <a:defRPr sz="2000" kern="1200">
+                <a:solidFill>
+                  <a:schemeClr val="tx1"/>
+                </a:solidFill>
+                <a:latin typeface="+mn-lt"/>
+                <a:ea typeface="+mn-ea"/>
+                <a:cs typeface="+mn-cs"/>
+              </a:defRPr>
+            </a:lvl3pPr>
+            <a:lvl4pPr marL="1599800" indent="-228543" algn="l" defTabSz="914172" rtl="0" eaLnBrk="1" latinLnBrk="0" hangingPunct="1">
+              <a:lnSpc>
+                <a:spcPct val="90000"/>
+              </a:lnSpc>
+              <a:spcBef>
+                <a:spcPts val="500"/>
+              </a:spcBef>
+              <a:buFont typeface="Arial" panose="020B0604020202020204" pitchFamily="34" charset="0"/>
+              <a:buChar char="•"/>
+              <a:defRPr sz="1800" kern="1200">
+                <a:solidFill>
+                  <a:schemeClr val="tx1"/>
+                </a:solidFill>
+                <a:latin typeface="+mn-lt"/>
+                <a:ea typeface="+mn-ea"/>
+                <a:cs typeface="+mn-cs"/>
+              </a:defRPr>
+            </a:lvl4pPr>
+            <a:lvl5pPr marL="2056886" indent="-228543" algn="l" defTabSz="914172" rtl="0" eaLnBrk="1" latinLnBrk="0" hangingPunct="1">
+              <a:lnSpc>
+                <a:spcPct val="90000"/>
+              </a:lnSpc>
+              <a:spcBef>
+                <a:spcPts val="500"/>
+              </a:spcBef>
+              <a:buFont typeface="Arial" panose="020B0604020202020204" pitchFamily="34" charset="0"/>
+              <a:buChar char="•"/>
+              <a:defRPr sz="1800" kern="1200">
+                <a:solidFill>
+                  <a:schemeClr val="tx1"/>
+                </a:solidFill>
+                <a:latin typeface="+mn-lt"/>
+                <a:ea typeface="+mn-ea"/>
+                <a:cs typeface="+mn-cs"/>
+              </a:defRPr>
+            </a:lvl5pPr>
+            <a:lvl6pPr marL="2513972" indent="-228543" algn="l" defTabSz="914172" rtl="0" eaLnBrk="1" latinLnBrk="0" hangingPunct="1">
+              <a:lnSpc>
+                <a:spcPct val="90000"/>
+              </a:lnSpc>
+              <a:spcBef>
+                <a:spcPts val="500"/>
+              </a:spcBef>
+              <a:buFont typeface="Arial" panose="020B0604020202020204" pitchFamily="34" charset="0"/>
+              <a:buChar char="•"/>
+              <a:defRPr sz="1800" kern="1200">
+                <a:solidFill>
+                  <a:schemeClr val="tx1"/>
+                </a:solidFill>
+                <a:latin typeface="+mn-lt"/>
+                <a:ea typeface="+mn-ea"/>
+                <a:cs typeface="+mn-cs"/>
+              </a:defRPr>
+            </a:lvl6pPr>
+            <a:lvl7pPr marL="2971057" indent="-228543" algn="l" defTabSz="914172" rtl="0" eaLnBrk="1" latinLnBrk="0" hangingPunct="1">
+              <a:lnSpc>
+                <a:spcPct val="90000"/>
+              </a:lnSpc>
+              <a:spcBef>
+                <a:spcPts val="500"/>
+              </a:spcBef>
+              <a:buFont typeface="Arial" panose="020B0604020202020204" pitchFamily="34" charset="0"/>
+              <a:buChar char="•"/>
+              <a:defRPr sz="1800" kern="1200">
+                <a:solidFill>
+                  <a:schemeClr val="tx1"/>
+                </a:solidFill>
+                <a:latin typeface="+mn-lt"/>
+                <a:ea typeface="+mn-ea"/>
+                <a:cs typeface="+mn-cs"/>
+              </a:defRPr>
+            </a:lvl7pPr>
+            <a:lvl8pPr marL="3428143" indent="-228543" algn="l" defTabSz="914172" rtl="0" eaLnBrk="1" latinLnBrk="0" hangingPunct="1">
+              <a:lnSpc>
+                <a:spcPct val="90000"/>
+              </a:lnSpc>
+              <a:spcBef>
+                <a:spcPts val="500"/>
+              </a:spcBef>
+              <a:buFont typeface="Arial" panose="020B0604020202020204" pitchFamily="34" charset="0"/>
+              <a:buChar char="•"/>
+              <a:defRPr sz="1800" kern="1200">
+                <a:solidFill>
+                  <a:schemeClr val="tx1"/>
+                </a:solidFill>
+                <a:latin typeface="+mn-lt"/>
+                <a:ea typeface="+mn-ea"/>
+                <a:cs typeface="+mn-cs"/>
+              </a:defRPr>
+            </a:lvl8pPr>
+            <a:lvl9pPr marL="3885229" indent="-228543" algn="l" defTabSz="914172" rtl="0" eaLnBrk="1" latinLnBrk="0" hangingPunct="1">
+              <a:lnSpc>
+                <a:spcPct val="90000"/>
+              </a:lnSpc>
+              <a:spcBef>
+                <a:spcPts val="500"/>
+              </a:spcBef>
+              <a:buFont typeface="Arial" panose="020B0604020202020204" pitchFamily="34" charset="0"/>
+              <a:buChar char="•"/>
+              <a:defRPr sz="1800" kern="1200">
+                <a:solidFill>
+                  <a:schemeClr val="tx1"/>
+                </a:solidFill>
+                <a:latin typeface="+mn-lt"/>
+                <a:ea typeface="+mn-ea"/>
+                <a:cs typeface="+mn-cs"/>
+              </a:defRPr>
+            </a:lvl9pPr>
+          </a:lstStyle>
+          <a:p>
+            <a:pPr marL="0" marR="0" lvl="0" indent="0" algn="l" defTabSz="914172" rtl="0" eaLnBrk="1" fontAlgn="auto" latinLnBrk="0" hangingPunct="1">
+              <a:lnSpc>
+                <a:spcPct val="150000"/>
+              </a:lnSpc>
+              <a:spcBef>
+                <a:spcPts val="1000"/>
+              </a:spcBef>
+              <a:spcAft>
+                <a:spcPts val="0"/>
+              </a:spcAft>
+              <a:buClr>
+                <a:srgbClr val="1CADE4"/>
+              </a:buClr>
+              <a:buSzPct val="130000"/>
+              <a:buNone/>
+              <a:tabLst/>
+              <a:defRPr/>
+            </a:pPr>
+            <a:r>
+              <a:rPr lang="en-US" sz="1800" dirty="0">
+                <a:solidFill>
+                  <a:prstClr val="black"/>
+                </a:solidFill>
+                <a:latin typeface="Calibri" panose="020F0502020204030204"/>
+              </a:rPr>
+              <a:t>0,1,2	=&gt; I =0</a:t>
+            </a:r>
+          </a:p>
+          <a:p>
+            <a:pPr marL="0" marR="0" lvl="0" indent="0" algn="l" defTabSz="914172" rtl="0" eaLnBrk="1" fontAlgn="auto" latinLnBrk="0" hangingPunct="1">
+              <a:lnSpc>
+                <a:spcPct val="150000"/>
+              </a:lnSpc>
+              <a:spcBef>
+                <a:spcPts val="1000"/>
+              </a:spcBef>
+              <a:spcAft>
+                <a:spcPts val="0"/>
+              </a:spcAft>
+              <a:buClr>
+                <a:srgbClr val="1CADE4"/>
+              </a:buClr>
+              <a:buSzPct val="130000"/>
+              <a:buNone/>
+              <a:tabLst/>
+              <a:defRPr/>
+            </a:pPr>
+            <a:r>
+              <a:rPr lang="en-US" sz="1800" dirty="0">
+                <a:solidFill>
+                  <a:prstClr val="black"/>
+                </a:solidFill>
+                <a:latin typeface="Calibri" panose="020F0502020204030204"/>
+              </a:rPr>
+              <a:t>3,4,5 	=&gt; I = 3</a:t>
+            </a:r>
+          </a:p>
+          <a:p>
+            <a:pPr marL="0" marR="0" lvl="0" indent="0" algn="l" defTabSz="914172" rtl="0" eaLnBrk="1" fontAlgn="auto" latinLnBrk="0" hangingPunct="1">
+              <a:lnSpc>
+                <a:spcPct val="150000"/>
+              </a:lnSpc>
+              <a:spcBef>
+                <a:spcPts val="1000"/>
+              </a:spcBef>
+              <a:spcAft>
+                <a:spcPts val="0"/>
+              </a:spcAft>
+              <a:buClr>
+                <a:srgbClr val="1CADE4"/>
+              </a:buClr>
+              <a:buSzPct val="130000"/>
+              <a:buNone/>
+              <a:tabLst/>
+              <a:defRPr/>
+            </a:pPr>
+            <a:r>
+              <a:rPr lang="en-US" sz="1800" dirty="0">
+                <a:solidFill>
+                  <a:prstClr val="black"/>
+                </a:solidFill>
+                <a:latin typeface="Calibri" panose="020F0502020204030204"/>
+              </a:rPr>
+              <a:t>6,7,8 	=&gt; I = 6</a:t>
+            </a:r>
+            <a:endParaRPr lang="en-US" sz="1800" dirty="0">
+              <a:solidFill>
+                <a:prstClr val="black"/>
+              </a:solidFill>
+            </a:endParaRPr>
+          </a:p>
+          <a:p>
+            <a:pPr marL="0" lvl="0" indent="0">
+              <a:lnSpc>
+                <a:spcPct val="150000"/>
+              </a:lnSpc>
+              <a:buClr>
+                <a:srgbClr val="1CADE4"/>
+              </a:buClr>
+              <a:buSzPct val="130000"/>
+              <a:buNone/>
+              <a:defRPr/>
+            </a:pPr>
+            <a:endParaRPr lang="en-US" sz="1800" dirty="0">
+              <a:solidFill>
+                <a:prstClr val="black"/>
+              </a:solidFill>
+              <a:latin typeface="Calibri" panose="020F0502020204030204"/>
+            </a:endParaRPr>
+          </a:p>
+        </p:txBody>
+      </p:sp>
+      <p:sp>
+        <p:nvSpPr>
+          <p:cNvPr id="5" name="Rectangle 4">
+            <a:extLst>
+              <a:ext uri="{FF2B5EF4-FFF2-40B4-BE49-F238E27FC236}">
+                <a16:creationId xmlns:a16="http://schemas.microsoft.com/office/drawing/2014/main" id="{AC81136E-519A-4B8D-94CF-726F78300190}"/>
+              </a:ext>
+            </a:extLst>
+          </p:cNvPr>
+          <p:cNvSpPr/>
+          <p:nvPr/>
+        </p:nvSpPr>
+        <p:spPr>
+          <a:xfrm>
+            <a:off x="2556565" y="4556760"/>
+            <a:ext cx="3322320" cy="338554"/>
+          </a:xfrm>
+          <a:prstGeom prst="rect">
+            <a:avLst/>
+          </a:prstGeom>
+        </p:spPr>
+        <p:txBody>
+          <a:bodyPr wrap="none">
+            <a:spAutoFit/>
+          </a:bodyPr>
+          <a:lstStyle/>
+          <a:p>
+            <a:r>
+              <a:rPr lang="en-US" sz="1600" dirty="0"/>
+              <a:t>MUTATION_RATE = 0.5 , ELITSM = 0.1 </a:t>
+            </a:r>
+          </a:p>
+        </p:txBody>
+      </p:sp>
+    </p:spTree>
+    <p:extLst>
+      <p:ext uri="{BB962C8B-B14F-4D97-AF65-F5344CB8AC3E}">
+        <p14:creationId xmlns:p14="http://schemas.microsoft.com/office/powerpoint/2010/main" val="2063489725"/>
       </p:ext>
     </p:extLst>
   </p:cSld>
